--- a/로샤논문.pptx
+++ b/로샤논문.pptx
@@ -1,37 +1,37 @@
 
 <file path=ppt/presentation.xml><?xml version="1.0" encoding="utf-8"?>
-<p:presentation xmlns:r="http://schemas.openxmlformats.org/officeDocument/2006/relationships" xmlns:c="http://schemas.openxmlformats.org/drawingml/2006/chart" xmlns:a="http://schemas.openxmlformats.org/drawingml/2006/main" xmlns:dgm="http://schemas.openxmlformats.org/drawingml/2006/diagram" xmlns:dsp="http://schemas.microsoft.com/office/drawing/2008/diagram" xmlns:p="http://schemas.openxmlformats.org/presentationml/2006/main">
+<p:presentation xmlns:r="http://schemas.openxmlformats.org/officeDocument/2006/relationships" xmlns:c="http://schemas.openxmlformats.org/drawingml/2006/chart" xmlns:a="http://schemas.openxmlformats.org/drawingml/2006/main" xmlns:dgm="http://schemas.openxmlformats.org/drawingml/2006/diagram" xmlns:dsp="http://schemas.microsoft.com/office/drawing/2008/diagram" xmlns:p="http://schemas.openxmlformats.org/presentationml/2006/main" xmlns:p14="http://schemas.microsoft.com/office/powerpoint/2010/main">
   <p:sldMasterIdLst>
-    <p:sldMasterId id="2147483711" r:id="rId1"/>
+    <p:sldMasterId id="2147483712" r:id="rId13"/>
   </p:sldMasterIdLst>
   <p:notesMasterIdLst>
-    <p:notesMasterId r:id="rId2"/>
+    <p:notesMasterId r:id="rId15"/>
   </p:notesMasterIdLst>
   <p:sldIdLst>
-    <p:sldId id="256" r:id="rId3"/>
-    <p:sldId id="257" r:id="rId4"/>
-    <p:sldId id="258" r:id="rId5"/>
-    <p:sldId id="259" r:id="rId6"/>
-    <p:sldId id="260" r:id="rId7"/>
-    <p:sldId id="261" r:id="rId8"/>
-    <p:sldId id="262" r:id="rId9"/>
-    <p:sldId id="263" r:id="rId10"/>
-    <p:sldId id="264" r:id="rId11"/>
-    <p:sldId id="265" r:id="rId12"/>
-    <p:sldId id="266" r:id="rId13"/>
-    <p:sldId id="267" r:id="rId14"/>
-    <p:sldId id="268" r:id="rId15"/>
-    <p:sldId id="269" r:id="rId16"/>
-    <p:sldId id="270" r:id="rId17"/>
-    <p:sldId id="271" r:id="rId18"/>
-    <p:sldId id="272" r:id="rId19"/>
-    <p:sldId id="273" r:id="rId20"/>
-    <p:sldId id="274" r:id="rId21"/>
-    <p:sldId id="275" r:id="rId22"/>
-    <p:sldId id="276" r:id="rId23"/>
-    <p:sldId id="277" r:id="rId24"/>
-    <p:sldId id="278" r:id="rId25"/>
-    <p:sldId id="279" r:id="rId26"/>
+    <p:sldId id="256" r:id="rId17"/>
+    <p:sldId id="257" r:id="rId18"/>
+    <p:sldId id="258" r:id="rId19"/>
+    <p:sldId id="259" r:id="rId20"/>
+    <p:sldId id="260" r:id="rId22"/>
+    <p:sldId id="261" r:id="rId24"/>
+    <p:sldId id="262" r:id="rId26"/>
+    <p:sldId id="263" r:id="rId28"/>
+    <p:sldId id="264" r:id="rId30"/>
+    <p:sldId id="265" r:id="rId32"/>
+    <p:sldId id="266" r:id="rId33"/>
+    <p:sldId id="267" r:id="rId34"/>
+    <p:sldId id="268" r:id="rId35"/>
+    <p:sldId id="269" r:id="rId36"/>
+    <p:sldId id="270" r:id="rId37"/>
+    <p:sldId id="271" r:id="rId38"/>
+    <p:sldId id="272" r:id="rId39"/>
+    <p:sldId id="273" r:id="rId41"/>
+    <p:sldId id="274" r:id="rId42"/>
+    <p:sldId id="275" r:id="rId43"/>
+    <p:sldId id="276" r:id="rId44"/>
+    <p:sldId id="277" r:id="rId45"/>
+    <p:sldId id="278" r:id="rId46"/>
+    <p:sldId id="279" r:id="rId47"/>
   </p:sldIdLst>
   <p:sldSz cx="12192000" cy="6858000"/>
   <p:notesSz cx="6858000" cy="9144000"/>
@@ -130,6 +130,22 @@
       </a:defRPr>
     </a:lvl9pPr>
   </p:defaultTextStyle>
+  <p:extLst>
+    <p:ext uri="{EFAFB233-063F-42B5-8137-9DF3F51BA10A}">
+      <p15:sldGuideLst xmlns:p15="http://schemas.microsoft.com/office/powerpoint/2012/main">
+        <p15:guide id="0" orient="horz" pos="2180" userDrawn="1">
+          <p15:clr>
+            <a:srgbClr val="A4A3A4"/>
+          </p15:clr>
+        </p15:guide>
+        <p15:guide id="1" pos="3839" userDrawn="1">
+          <p15:clr>
+            <a:srgbClr val="A4A3A4"/>
+          </p15:clr>
+        </p15:guide>
+      </p15:sldGuideLst>
+    </p:ext>
+  </p:extLst>
 </p:presentation>
 </file>
 
@@ -524,7 +540,7 @@
 </p:notesMaster>
 </file>
 
-<file path=ppt/notesSlides/notesSlide1.xml><?xml version="1.0" encoding="utf-8"?>
+<file path=ppt/notesSlides/notesSlide17.xml><?xml version="1.0" encoding="utf-8"?>
 <p:notes xmlns:r="http://schemas.openxmlformats.org/officeDocument/2006/relationships" xmlns:c="http://schemas.openxmlformats.org/drawingml/2006/chart" xmlns:a="http://schemas.openxmlformats.org/drawingml/2006/main" xmlns:dgm="http://schemas.openxmlformats.org/drawingml/2006/diagram" xmlns:dsp="http://schemas.microsoft.com/office/drawing/2008/diagram" xmlns:p="http://schemas.openxmlformats.org/presentationml/2006/main">
   <p:cSld>
     <p:spTree>
@@ -583,7 +599,7 @@
             </a:pPr>
             <a:r>
               <a:rPr lang="ko-KR" altLang="en-US"/>
-              <a:t/>
+              <a:t>이외에 따로 필요한 설명을 브레이킹 슬라이드에서 진행</a:t>
             </a:r>
             <a:endParaRPr lang="ko-KR" altLang="en-US"/>
           </a:p>
@@ -612,211 +628,7 @@
               <a:pPr lvl="0">
                 <a:defRPr/>
               </a:pPr>
-              <a:t>4</a:t>
-            </a:fld>
-            <a:endParaRPr lang="en-US" altLang="en-US"/>
-          </a:p>
-        </p:txBody>
-      </p:sp>
-    </p:spTree>
-  </p:cSld>
-  <p:clrMapOvr>
-    <a:masterClrMapping/>
-  </p:clrMapOvr>
-</p:notes>
-</file>
-
-<file path=ppt/notesSlides/notesSlide2.xml><?xml version="1.0" encoding="utf-8"?>
-<p:notes xmlns:r="http://schemas.openxmlformats.org/officeDocument/2006/relationships" xmlns:c="http://schemas.openxmlformats.org/drawingml/2006/chart" xmlns:a="http://schemas.openxmlformats.org/drawingml/2006/main" xmlns:dgm="http://schemas.openxmlformats.org/drawingml/2006/diagram" xmlns:dsp="http://schemas.microsoft.com/office/drawing/2008/diagram" xmlns:p="http://schemas.openxmlformats.org/presentationml/2006/main">
-  <p:cSld>
-    <p:spTree>
-      <p:nvGrpSpPr>
-        <p:cNvPr id="1" name=""/>
-        <p:cNvGrpSpPr/>
-        <p:nvPr/>
-      </p:nvGrpSpPr>
-      <p:grpSpPr>
-        <a:xfrm>
-          <a:off x="0" y="0"/>
-          <a:ext cx="0" cy="0"/>
-          <a:chOff x="0" y="0"/>
-          <a:chExt cx="0" cy="0"/>
-        </a:xfrm>
-      </p:grpSpPr>
-      <p:sp>
-        <p:nvSpPr>
-          <p:cNvPr id="2" name="슬라이드 이미지 개체 틀 3"/>
-          <p:cNvSpPr>
-            <a:spLocks noGrp="1" noRot="1" noChangeAspect="1" noTextEdit="1"/>
-          </p:cNvSpPr>
-          <p:nvPr>
-            <p:ph type="sldImg" idx="2"/>
-          </p:nvPr>
-        </p:nvSpPr>
-        <p:spPr/>
-        <p:txBody>
-          <a:bodyPr/>
-          <a:lstStyle/>
-          <a:p>
-            <a:pPr>
-              <a:defRPr/>
-            </a:pPr>
-            <a:endParaRPr lang="ko-KR" altLang="en-US"/>
-          </a:p>
-        </p:txBody>
-      </p:sp>
-      <p:sp>
-        <p:nvSpPr>
-          <p:cNvPr id="3" name="슬라이드 노트 개체 틀 4"/>
-          <p:cNvSpPr>
-            <a:spLocks noGrp="1"/>
-          </p:cNvSpPr>
-          <p:nvPr>
-            <p:ph type="body" sz="quarter" idx="3"/>
-          </p:nvPr>
-        </p:nvSpPr>
-        <p:spPr/>
-        <p:txBody>
-          <a:bodyPr/>
-          <a:lstStyle/>
-          <a:p>
-            <a:pPr>
-              <a:defRPr/>
-            </a:pPr>
-            <a:r>
-              <a:rPr lang="ko-KR" altLang="en-US"/>
-              <a:t/>
-            </a:r>
-            <a:endParaRPr lang="ko-KR" altLang="en-US"/>
-          </a:p>
-        </p:txBody>
-      </p:sp>
-      <p:sp>
-        <p:nvSpPr>
-          <p:cNvPr id="4" name="슬라이드 번호 개체 틀 6"/>
-          <p:cNvSpPr>
-            <a:spLocks noGrp="1"/>
-          </p:cNvSpPr>
-          <p:nvPr>
-            <p:ph type="sldNum" sz="quarter" idx="5"/>
-          </p:nvPr>
-        </p:nvSpPr>
-        <p:spPr/>
-        <p:txBody>
-          <a:bodyPr/>
-          <a:lstStyle/>
-          <a:p>
-            <a:pPr lvl="0">
-              <a:defRPr/>
-            </a:pPr>
-            <a:fld id="{09F4262C-968C-4EE9-8164-CE16364706B3}" type="slidenum">
-              <a:rPr lang="en-US" altLang="en-US"/>
-              <a:pPr lvl="0">
-                <a:defRPr/>
-              </a:pPr>
-              <a:t>5</a:t>
-            </a:fld>
-            <a:endParaRPr lang="en-US" altLang="en-US"/>
-          </a:p>
-        </p:txBody>
-      </p:sp>
-    </p:spTree>
-  </p:cSld>
-  <p:clrMapOvr>
-    <a:masterClrMapping/>
-  </p:clrMapOvr>
-</p:notes>
-</file>
-
-<file path=ppt/notesSlides/notesSlide3.xml><?xml version="1.0" encoding="utf-8"?>
-<p:notes xmlns:r="http://schemas.openxmlformats.org/officeDocument/2006/relationships" xmlns:c="http://schemas.openxmlformats.org/drawingml/2006/chart" xmlns:a="http://schemas.openxmlformats.org/drawingml/2006/main" xmlns:dgm="http://schemas.openxmlformats.org/drawingml/2006/diagram" xmlns:dsp="http://schemas.microsoft.com/office/drawing/2008/diagram" xmlns:p="http://schemas.openxmlformats.org/presentationml/2006/main">
-  <p:cSld>
-    <p:spTree>
-      <p:nvGrpSpPr>
-        <p:cNvPr id="1" name=""/>
-        <p:cNvGrpSpPr/>
-        <p:nvPr/>
-      </p:nvGrpSpPr>
-      <p:grpSpPr>
-        <a:xfrm>
-          <a:off x="0" y="0"/>
-          <a:ext cx="0" cy="0"/>
-          <a:chOff x="0" y="0"/>
-          <a:chExt cx="0" cy="0"/>
-        </a:xfrm>
-      </p:grpSpPr>
-      <p:sp>
-        <p:nvSpPr>
-          <p:cNvPr id="2" name="슬라이드 이미지 개체 틀 3"/>
-          <p:cNvSpPr>
-            <a:spLocks noGrp="1" noRot="1" noChangeAspect="1" noTextEdit="1"/>
-          </p:cNvSpPr>
-          <p:nvPr>
-            <p:ph type="sldImg" idx="2"/>
-          </p:nvPr>
-        </p:nvSpPr>
-        <p:spPr/>
-        <p:txBody>
-          <a:bodyPr/>
-          <a:lstStyle/>
-          <a:p>
-            <a:pPr>
-              <a:defRPr/>
-            </a:pPr>
-            <a:endParaRPr lang="ko-KR" altLang="en-US"/>
-          </a:p>
-        </p:txBody>
-      </p:sp>
-      <p:sp>
-        <p:nvSpPr>
-          <p:cNvPr id="3" name="슬라이드 노트 개체 틀 4"/>
-          <p:cNvSpPr>
-            <a:spLocks noGrp="1"/>
-          </p:cNvSpPr>
-          <p:nvPr>
-            <p:ph type="body" sz="quarter" idx="3"/>
-          </p:nvPr>
-        </p:nvSpPr>
-        <p:spPr/>
-        <p:txBody>
-          <a:bodyPr/>
-          <a:lstStyle/>
-          <a:p>
-            <a:pPr>
-              <a:defRPr/>
-            </a:pPr>
-            <a:r>
-              <a:rPr lang="ko-KR" altLang="en-US"/>
-              <a:t/>
-            </a:r>
-            <a:endParaRPr lang="ko-KR" altLang="en-US"/>
-          </a:p>
-        </p:txBody>
-      </p:sp>
-      <p:sp>
-        <p:nvSpPr>
-          <p:cNvPr id="4" name="슬라이드 번호 개체 틀 6"/>
-          <p:cNvSpPr>
-            <a:spLocks noGrp="1"/>
-          </p:cNvSpPr>
-          <p:nvPr>
-            <p:ph type="sldNum" sz="quarter" idx="5"/>
-          </p:nvPr>
-        </p:nvSpPr>
-        <p:spPr/>
-        <p:txBody>
-          <a:bodyPr/>
-          <a:lstStyle/>
-          <a:p>
-            <a:pPr lvl="0">
-              <a:defRPr/>
-            </a:pPr>
-            <a:fld id="{09F4262C-968C-4EE9-8164-CE16364706B3}" type="slidenum">
-              <a:rPr lang="en-US" altLang="en-US"/>
-              <a:pPr lvl="0">
-                <a:defRPr/>
-              </a:pPr>
-              <a:t>6</a:t>
+              <a:t>7</a:t>
             </a:fld>
             <a:endParaRPr lang="en-US" altLang="en-US"/>
           </a:p>
@@ -918,7 +730,7 @@
               <a:pPr lvl="0">
                 <a:defRPr/>
               </a:pPr>
-              <a:t>7</a:t>
+              <a:t>4</a:t>
             </a:fld>
             <a:endParaRPr lang="en-US" altLang="en-US"/>
           </a:p>
@@ -1020,7 +832,7 @@
               <a:pPr lvl="0">
                 <a:defRPr/>
               </a:pPr>
-              <a:t>8</a:t>
+              <a:t>5</a:t>
             </a:fld>
             <a:endParaRPr lang="en-US" altLang="en-US"/>
           </a:p>
@@ -1122,7 +934,7 @@
               <a:pPr lvl="0">
                 <a:defRPr/>
               </a:pPr>
-              <a:t>9</a:t>
+              <a:t>6</a:t>
             </a:fld>
             <a:endParaRPr lang="en-US" altLang="en-US"/>
           </a:p>
@@ -1195,7 +1007,7 @@
             </a:pPr>
             <a:r>
               <a:rPr lang="ko-KR" altLang="en-US"/>
-              <a:t>이외에 따로 필요한 설명을 브레이킹 슬라이드에서 진행</a:t>
+              <a:t/>
             </a:r>
             <a:endParaRPr lang="ko-KR" altLang="en-US"/>
           </a:p>
@@ -1225,6 +1037,210 @@
                 <a:defRPr/>
               </a:pPr>
               <a:t>7</a:t>
+            </a:fld>
+            <a:endParaRPr lang="en-US" altLang="en-US"/>
+          </a:p>
+        </p:txBody>
+      </p:sp>
+    </p:spTree>
+  </p:cSld>
+  <p:clrMapOvr>
+    <a:masterClrMapping/>
+  </p:clrMapOvr>
+</p:notes>
+</file>
+
+<file path=ppt/notesSlides/notesSlide8.xml><?xml version="1.0" encoding="utf-8"?>
+<p:notes xmlns:r="http://schemas.openxmlformats.org/officeDocument/2006/relationships" xmlns:c="http://schemas.openxmlformats.org/drawingml/2006/chart" xmlns:a="http://schemas.openxmlformats.org/drawingml/2006/main" xmlns:dgm="http://schemas.openxmlformats.org/drawingml/2006/diagram" xmlns:dsp="http://schemas.microsoft.com/office/drawing/2008/diagram" xmlns:p="http://schemas.openxmlformats.org/presentationml/2006/main">
+  <p:cSld>
+    <p:spTree>
+      <p:nvGrpSpPr>
+        <p:cNvPr id="1" name=""/>
+        <p:cNvGrpSpPr/>
+        <p:nvPr/>
+      </p:nvGrpSpPr>
+      <p:grpSpPr>
+        <a:xfrm>
+          <a:off x="0" y="0"/>
+          <a:ext cx="0" cy="0"/>
+          <a:chOff x="0" y="0"/>
+          <a:chExt cx="0" cy="0"/>
+        </a:xfrm>
+      </p:grpSpPr>
+      <p:sp>
+        <p:nvSpPr>
+          <p:cNvPr id="2" name="슬라이드 이미지 개체 틀 3"/>
+          <p:cNvSpPr>
+            <a:spLocks noGrp="1" noRot="1" noChangeAspect="1" noTextEdit="1"/>
+          </p:cNvSpPr>
+          <p:nvPr>
+            <p:ph type="sldImg" idx="2"/>
+          </p:nvPr>
+        </p:nvSpPr>
+        <p:spPr/>
+        <p:txBody>
+          <a:bodyPr/>
+          <a:lstStyle/>
+          <a:p>
+            <a:pPr>
+              <a:defRPr/>
+            </a:pPr>
+            <a:endParaRPr lang="ko-KR" altLang="en-US"/>
+          </a:p>
+        </p:txBody>
+      </p:sp>
+      <p:sp>
+        <p:nvSpPr>
+          <p:cNvPr id="3" name="슬라이드 노트 개체 틀 4"/>
+          <p:cNvSpPr>
+            <a:spLocks noGrp="1"/>
+          </p:cNvSpPr>
+          <p:nvPr>
+            <p:ph type="body" sz="quarter" idx="3"/>
+          </p:nvPr>
+        </p:nvSpPr>
+        <p:spPr/>
+        <p:txBody>
+          <a:bodyPr/>
+          <a:lstStyle/>
+          <a:p>
+            <a:pPr>
+              <a:defRPr/>
+            </a:pPr>
+            <a:r>
+              <a:rPr lang="ko-KR" altLang="en-US"/>
+              <a:t/>
+            </a:r>
+            <a:endParaRPr lang="ko-KR" altLang="en-US"/>
+          </a:p>
+        </p:txBody>
+      </p:sp>
+      <p:sp>
+        <p:nvSpPr>
+          <p:cNvPr id="4" name="슬라이드 번호 개체 틀 6"/>
+          <p:cNvSpPr>
+            <a:spLocks noGrp="1"/>
+          </p:cNvSpPr>
+          <p:nvPr>
+            <p:ph type="sldNum" sz="quarter" idx="5"/>
+          </p:nvPr>
+        </p:nvSpPr>
+        <p:spPr/>
+        <p:txBody>
+          <a:bodyPr/>
+          <a:lstStyle/>
+          <a:p>
+            <a:pPr lvl="0">
+              <a:defRPr/>
+            </a:pPr>
+            <a:fld id="{09F4262C-968C-4EE9-8164-CE16364706B3}" type="slidenum">
+              <a:rPr lang="en-US" altLang="en-US"/>
+              <a:pPr lvl="0">
+                <a:defRPr/>
+              </a:pPr>
+              <a:t>8</a:t>
+            </a:fld>
+            <a:endParaRPr lang="en-US" altLang="en-US"/>
+          </a:p>
+        </p:txBody>
+      </p:sp>
+    </p:spTree>
+  </p:cSld>
+  <p:clrMapOvr>
+    <a:masterClrMapping/>
+  </p:clrMapOvr>
+</p:notes>
+</file>
+
+<file path=ppt/notesSlides/notesSlide9.xml><?xml version="1.0" encoding="utf-8"?>
+<p:notes xmlns:r="http://schemas.openxmlformats.org/officeDocument/2006/relationships" xmlns:c="http://schemas.openxmlformats.org/drawingml/2006/chart" xmlns:a="http://schemas.openxmlformats.org/drawingml/2006/main" xmlns:dgm="http://schemas.openxmlformats.org/drawingml/2006/diagram" xmlns:dsp="http://schemas.microsoft.com/office/drawing/2008/diagram" xmlns:p="http://schemas.openxmlformats.org/presentationml/2006/main">
+  <p:cSld>
+    <p:spTree>
+      <p:nvGrpSpPr>
+        <p:cNvPr id="1" name=""/>
+        <p:cNvGrpSpPr/>
+        <p:nvPr/>
+      </p:nvGrpSpPr>
+      <p:grpSpPr>
+        <a:xfrm>
+          <a:off x="0" y="0"/>
+          <a:ext cx="0" cy="0"/>
+          <a:chOff x="0" y="0"/>
+          <a:chExt cx="0" cy="0"/>
+        </a:xfrm>
+      </p:grpSpPr>
+      <p:sp>
+        <p:nvSpPr>
+          <p:cNvPr id="2" name="슬라이드 이미지 개체 틀 3"/>
+          <p:cNvSpPr>
+            <a:spLocks noGrp="1" noRot="1" noChangeAspect="1" noTextEdit="1"/>
+          </p:cNvSpPr>
+          <p:nvPr>
+            <p:ph type="sldImg" idx="2"/>
+          </p:nvPr>
+        </p:nvSpPr>
+        <p:spPr/>
+        <p:txBody>
+          <a:bodyPr/>
+          <a:lstStyle/>
+          <a:p>
+            <a:pPr>
+              <a:defRPr/>
+            </a:pPr>
+            <a:endParaRPr lang="ko-KR" altLang="en-US"/>
+          </a:p>
+        </p:txBody>
+      </p:sp>
+      <p:sp>
+        <p:nvSpPr>
+          <p:cNvPr id="3" name="슬라이드 노트 개체 틀 4"/>
+          <p:cNvSpPr>
+            <a:spLocks noGrp="1"/>
+          </p:cNvSpPr>
+          <p:nvPr>
+            <p:ph type="body" sz="quarter" idx="3"/>
+          </p:nvPr>
+        </p:nvSpPr>
+        <p:spPr/>
+        <p:txBody>
+          <a:bodyPr/>
+          <a:lstStyle/>
+          <a:p>
+            <a:pPr>
+              <a:defRPr/>
+            </a:pPr>
+            <a:r>
+              <a:rPr lang="ko-KR" altLang="en-US"/>
+              <a:t/>
+            </a:r>
+            <a:endParaRPr lang="ko-KR" altLang="en-US"/>
+          </a:p>
+        </p:txBody>
+      </p:sp>
+      <p:sp>
+        <p:nvSpPr>
+          <p:cNvPr id="4" name="슬라이드 번호 개체 틀 6"/>
+          <p:cNvSpPr>
+            <a:spLocks noGrp="1"/>
+          </p:cNvSpPr>
+          <p:nvPr>
+            <p:ph type="sldNum" sz="quarter" idx="5"/>
+          </p:nvPr>
+        </p:nvSpPr>
+        <p:spPr/>
+        <p:txBody>
+          <a:bodyPr/>
+          <a:lstStyle/>
+          <a:p>
+            <a:pPr lvl="0">
+              <a:defRPr/>
+            </a:pPr>
+            <a:fld id="{09F4262C-968C-4EE9-8164-CE16364706B3}" type="slidenum">
+              <a:rPr lang="en-US" altLang="en-US"/>
+              <a:pPr lvl="0">
+                <a:defRPr/>
+              </a:pPr>
+              <a:t>9</a:t>
             </a:fld>
             <a:endParaRPr lang="en-US" altLang="en-US"/>
           </a:p>
@@ -4422,7 +4438,7 @@
 </file>
 
 <file path=ppt/slides/slide1.xml><?xml version="1.0" encoding="utf-8"?>
-<p:sld xmlns:r="http://schemas.openxmlformats.org/officeDocument/2006/relationships" xmlns:c="http://schemas.openxmlformats.org/drawingml/2006/chart" xmlns:a="http://schemas.openxmlformats.org/drawingml/2006/main" xmlns:dgm="http://schemas.openxmlformats.org/drawingml/2006/diagram" xmlns:dsp="http://schemas.microsoft.com/office/drawing/2008/diagram" xmlns:p="http://schemas.openxmlformats.org/presentationml/2006/main">
+<p:sld xmlns:r="http://schemas.openxmlformats.org/officeDocument/2006/relationships" xmlns:c="http://schemas.openxmlformats.org/drawingml/2006/chart" xmlns:a="http://schemas.openxmlformats.org/drawingml/2006/main" xmlns:dgm="http://schemas.openxmlformats.org/drawingml/2006/diagram" xmlns:dsp="http://schemas.microsoft.com/office/drawing/2008/diagram" xmlns:p="http://schemas.openxmlformats.org/presentationml/2006/main" xmlns:p14="http://schemas.microsoft.com/office/powerpoint/2010/main">
   <p:cSld>
     <p:spTree>
       <p:nvGrpSpPr>
@@ -4446,8 +4462,8 @@
         </p:nvSpPr>
         <p:spPr>
           <a:xfrm>
-            <a:off x="3468150" y="746106"/>
-            <a:ext cx="5255700" cy="5365789"/>
+            <a:off x="3468370" y="746125"/>
+            <a:ext cx="5255895" cy="5365750"/>
           </a:xfrm>
           <a:prstGeom prst="rect">
             <a:avLst/>
@@ -4509,8 +4525,8 @@
         </p:nvSpPr>
         <p:spPr>
           <a:xfrm>
-            <a:off x="4183863" y="1398099"/>
-            <a:ext cx="3824272" cy="4061805"/>
+            <a:off x="4184015" y="1398270"/>
+            <a:ext cx="3823970" cy="4062095"/>
           </a:xfrm>
           <a:prstGeom prst="roundRect">
             <a:avLst>
@@ -4567,8 +4583,8 @@
         </p:nvSpPr>
         <p:spPr>
           <a:xfrm>
-            <a:off x="4842510" y="2921872"/>
-            <a:ext cx="2487930" cy="295673"/>
+            <a:off x="4842510" y="2921635"/>
+            <a:ext cx="2487930" cy="295910"/>
           </a:xfrm>
           <a:prstGeom prst="rect">
             <a:avLst/>
@@ -4702,8 +4718,8 @@
         </p:blipFill>
         <p:spPr>
           <a:xfrm>
-            <a:off x="5052011" y="658162"/>
-            <a:ext cx="2085013" cy="2078916"/>
+            <a:off x="5052060" y="657860"/>
+            <a:ext cx="2084705" cy="2078990"/>
           </a:xfrm>
           <a:prstGeom prst="rect">
             <a:avLst/>
@@ -4718,8 +4734,8 @@
         </p:nvSpPr>
         <p:spPr>
           <a:xfrm>
-            <a:off x="4451985" y="3239561"/>
-            <a:ext cx="3278505" cy="1149559"/>
+            <a:off x="4451985" y="3239770"/>
+            <a:ext cx="3278505" cy="1149350"/>
           </a:xfrm>
           <a:prstGeom prst="rect">
             <a:avLst/>
@@ -4847,8 +4863,8 @@
         </p:nvCxnSpPr>
         <p:spPr>
           <a:xfrm flipV="1">
-            <a:off x="5783282" y="4437368"/>
-            <a:ext cx="625436" cy="1754"/>
+            <a:off x="5783580" y="4437380"/>
+            <a:ext cx="625475" cy="1905"/>
           </a:xfrm>
           <a:prstGeom prst="line">
             <a:avLst/>
@@ -4882,8 +4898,8 @@
         </p:nvSpPr>
         <p:spPr>
           <a:xfrm>
-            <a:off x="5350464" y="4536071"/>
-            <a:ext cx="1491072" cy="805549"/>
+            <a:off x="5350510" y="4535805"/>
+            <a:ext cx="1491615" cy="812165"/>
           </a:xfrm>
           <a:prstGeom prst="rect">
             <a:avLst/>
@@ -4891,176 +4907,278 @@
           <a:noFill/>
         </p:spPr>
         <p:txBody>
-          <a:bodyPr wrap="square">
+          <a:bodyPr wrap="square" lIns="91440" tIns="45720" rIns="91440" bIns="45720" numCol="1" vert="horz" anchor="t">
             <a:spAutoFit/>
           </a:bodyPr>
           <a:lstStyle/>
           <a:p>
-            <a:pPr algn="ctr">
+            <a:pPr marL="0" indent="0" algn="ctr" defTabSz="914400" eaLnBrk="1" latinLnBrk="1" hangingPunct="1">
               <a:lnSpc>
                 <a:spcPct val="130000"/>
               </a:lnSpc>
-              <a:defRPr/>
-            </a:pPr>
-            <a:r>
-              <a:rPr lang="en-US" sz="1200" spc="-51">
-                <a:ln w="9525">
+              <a:spcBef>
+                <a:spcPts val="0"/>
+              </a:spcBef>
+              <a:spcAft>
+                <a:spcPts val="0"/>
+              </a:spcAft>
+              <a:buFontTx/>
+              <a:buNone/>
+            </a:pPr>
+            <a:r>
+              <a:rPr lang="en-US" altLang="ko-KR" sz="1200" spc="-40">
+                <a:ln w="9525" cap="flat" cmpd="sng">
                   <a:solidFill>
                     <a:schemeClr val="accent1">
                       <a:alpha val="0"/>
                     </a:schemeClr>
                   </a:solidFill>
+                  <a:prstDash val="solid"/>
                 </a:ln>
                 <a:solidFill>
                   <a:schemeClr val="bg1"/>
                 </a:solidFill>
-                <a:latin typeface="G마켓 산스 TTF Medium"/>
-                <a:ea typeface="G마켓 산스 TTF Medium"/>
-              </a:rPr>
-              <a:t>201400000 </a:t>
-            </a:r>
-            <a:r>
-              <a:rPr lang="ko-KR" altLang="en-US" sz="1200" spc="-51">
-                <a:ln w="9525">
+                <a:latin typeface="NanumGothic" charset="0"/>
+                <a:ea typeface="G마켓 산스 TTF Medium" charset="0"/>
+              </a:rPr>
+              <a:t>2014</a:t>
+            </a:r>
+            <a:r>
+              <a:rPr lang="en-US" altLang="ko-KR" sz="1200" spc="-40">
+                <a:ln w="9525" cap="flat" cmpd="sng">
                   <a:solidFill>
                     <a:schemeClr val="accent1">
                       <a:alpha val="0"/>
                     </a:schemeClr>
                   </a:solidFill>
+                  <a:prstDash val="solid"/>
                 </a:ln>
                 <a:solidFill>
                   <a:schemeClr val="bg1"/>
                 </a:solidFill>
-                <a:latin typeface="G마켓 산스 TTF Medium"/>
-                <a:ea typeface="G마켓 산스 TTF Medium"/>
-              </a:rPr>
-              <a:t>권우주</a:t>
-            </a:r>
-            <a:endParaRPr lang="ko-KR" altLang="en-US" sz="1200" spc="-51">
-              <a:ln w="9525">
-                <a:solidFill>
-                  <a:schemeClr val="accent1">
-                    <a:alpha val="0"/>
-                  </a:schemeClr>
-                </a:solidFill>
-              </a:ln>
-              <a:solidFill>
-                <a:schemeClr val="bg1"/>
-              </a:solidFill>
-              <a:latin typeface="G마켓 산스 TTF Medium"/>
-              <a:ea typeface="G마켓 산스 TTF Medium"/>
-            </a:endParaRPr>
-          </a:p>
-          <a:p>
-            <a:pPr algn="ctr">
-              <a:lnSpc>
-                <a:spcPct val="130000"/>
-              </a:lnSpc>
-              <a:defRPr/>
-            </a:pPr>
-            <a:r>
-              <a:rPr lang="en-US" sz="1200" spc="-51">
-                <a:ln w="9525">
+                <a:latin typeface="NanumGothic" charset="0"/>
+                <a:ea typeface="G마켓 산스 TTF Medium" charset="0"/>
+              </a:rPr>
+              <a:t>95004</a:t>
+            </a:r>
+            <a:r>
+              <a:rPr lang="en-US" altLang="ko-KR" sz="1200" spc="-40">
+                <a:ln w="9525" cap="flat" cmpd="sng">
                   <a:solidFill>
                     <a:schemeClr val="accent1">
                       <a:alpha val="0"/>
                     </a:schemeClr>
                   </a:solidFill>
+                  <a:prstDash val="solid"/>
                 </a:ln>
                 <a:solidFill>
                   <a:schemeClr val="bg1"/>
                 </a:solidFill>
-                <a:latin typeface="G마켓 산스 TTF Medium"/>
-                <a:ea typeface="G마켓 산스 TTF Medium"/>
-              </a:rPr>
-              <a:t>201400000 </a:t>
-            </a:r>
-            <a:r>
-              <a:rPr lang="ko-KR" altLang="en-US" sz="1200" spc="-51">
-                <a:ln w="9525">
+                <a:latin typeface="NanumGothic" charset="0"/>
+                <a:ea typeface="G마켓 산스 TTF Medium" charset="0"/>
+              </a:rPr>
+              <a:t> </a:t>
+            </a:r>
+            <a:r>
+              <a:rPr lang="en-US" altLang="ko-KR" sz="1200" spc="-40">
+                <a:ln w="9525" cap="flat" cmpd="sng">
                   <a:solidFill>
                     <a:schemeClr val="accent1">
                       <a:alpha val="0"/>
                     </a:schemeClr>
                   </a:solidFill>
+                  <a:prstDash val="solid"/>
                 </a:ln>
                 <a:solidFill>
                   <a:schemeClr val="bg1"/>
                 </a:solidFill>
-                <a:latin typeface="G마켓 산스 TTF Medium"/>
-                <a:ea typeface="G마켓 산스 TTF Medium"/>
-              </a:rPr>
-              <a:t>오진영</a:t>
-            </a:r>
-            <a:endParaRPr lang="ko-KR" altLang="en-US" sz="1200" spc="-51">
-              <a:ln w="9525">
+                <a:latin typeface="G마켓 산스 TTF Medium" charset="0"/>
+                <a:ea typeface="G마켓 산스 TTF Medium" charset="0"/>
+              </a:rPr>
+              <a:t>권우주</a:t>
+            </a:r>
+            <a:endParaRPr lang="ko-KR" altLang="en-US" sz="1200">
+              <a:ln w="9525" cap="flat" cmpd="sng">
                 <a:solidFill>
                   <a:schemeClr val="accent1">
                     <a:alpha val="0"/>
                   </a:schemeClr>
                 </a:solidFill>
+                <a:prstDash val="solid"/>
               </a:ln>
               <a:solidFill>
                 <a:schemeClr val="bg1"/>
               </a:solidFill>
-              <a:latin typeface="G마켓 산스 TTF Medium"/>
-              <a:ea typeface="G마켓 산스 TTF Medium"/>
+              <a:latin typeface="G마켓 산스 TTF Medium" charset="0"/>
+              <a:ea typeface="G마켓 산스 TTF Medium" charset="0"/>
             </a:endParaRPr>
           </a:p>
           <a:p>
-            <a:pPr algn="ctr">
+            <a:pPr marL="0" indent="0" algn="ctr" defTabSz="914400" eaLnBrk="1" latinLnBrk="1" hangingPunct="1">
               <a:lnSpc>
                 <a:spcPct val="130000"/>
               </a:lnSpc>
-              <a:defRPr/>
-            </a:pPr>
-            <a:r>
-              <a:rPr lang="en-US" sz="1200" spc="-51">
-                <a:ln w="9525">
+              <a:spcBef>
+                <a:spcPts val="0"/>
+              </a:spcBef>
+              <a:spcAft>
+                <a:spcPts val="0"/>
+              </a:spcAft>
+              <a:buFontTx/>
+              <a:buNone/>
+            </a:pPr>
+            <a:r>
+              <a:rPr lang="en-US" altLang="ko-KR" sz="1200" spc="-40">
+                <a:ln w="9525" cap="flat" cmpd="sng">
                   <a:solidFill>
                     <a:schemeClr val="accent1">
                       <a:alpha val="0"/>
                     </a:schemeClr>
                   </a:solidFill>
+                  <a:prstDash val="solid"/>
                 </a:ln>
                 <a:solidFill>
                   <a:schemeClr val="bg1"/>
                 </a:solidFill>
-                <a:latin typeface="G마켓 산스 TTF Medium"/>
-                <a:ea typeface="G마켓 산스 TTF Medium"/>
-              </a:rPr>
-              <a:t>201759036 </a:t>
-            </a:r>
-            <a:r>
-              <a:rPr lang="ko-KR" altLang="en-US" sz="1200" spc="-51">
-                <a:ln w="9525">
+                <a:latin typeface="G마켓 산스 TTF Medium" charset="0"/>
+                <a:ea typeface="G마켓 산스 TTF Medium" charset="0"/>
+              </a:rPr>
+              <a:t>2014</a:t>
+            </a:r>
+            <a:r>
+              <a:rPr lang="en-US" altLang="ko-KR" sz="1200" spc="-40">
+                <a:ln w="9525" cap="flat" cmpd="sng">
                   <a:solidFill>
                     <a:schemeClr val="accent1">
                       <a:alpha val="0"/>
                     </a:schemeClr>
                   </a:solidFill>
+                  <a:prstDash val="solid"/>
                 </a:ln>
                 <a:solidFill>
                   <a:schemeClr val="bg1"/>
                 </a:solidFill>
-                <a:latin typeface="G마켓 산스 TTF Medium"/>
-                <a:ea typeface="G마켓 산스 TTF Medium"/>
-              </a:rPr>
-              <a:t>문다솔</a:t>
-            </a:r>
-            <a:endParaRPr lang="en-US" sz="1200" spc="-51">
-              <a:ln w="9525">
+                <a:latin typeface="G마켓 산스 TTF Medium" charset="0"/>
+                <a:ea typeface="G마켓 산스 TTF Medium" charset="0"/>
+              </a:rPr>
+              <a:t>64026</a:t>
+            </a:r>
+            <a:r>
+              <a:rPr lang="en-US" altLang="ko-KR" sz="1200" spc="-40">
+                <a:ln w="9525" cap="flat" cmpd="sng">
+                  <a:solidFill>
+                    <a:schemeClr val="accent1">
+                      <a:alpha val="0"/>
+                    </a:schemeClr>
+                  </a:solidFill>
+                  <a:prstDash val="solid"/>
+                </a:ln>
+                <a:solidFill>
+                  <a:schemeClr val="bg1"/>
+                </a:solidFill>
+                <a:latin typeface="G마켓 산스 TTF Medium" charset="0"/>
+                <a:ea typeface="G마켓 산스 TTF Medium" charset="0"/>
+              </a:rPr>
+              <a:t> </a:t>
+            </a:r>
+            <a:r>
+              <a:rPr lang="en-US" altLang="ko-KR" sz="1200" spc="-40">
+                <a:ln w="9525" cap="flat" cmpd="sng">
+                  <a:solidFill>
+                    <a:schemeClr val="accent1">
+                      <a:alpha val="0"/>
+                    </a:schemeClr>
+                  </a:solidFill>
+                  <a:prstDash val="solid"/>
+                </a:ln>
+                <a:solidFill>
+                  <a:schemeClr val="bg1"/>
+                </a:solidFill>
+                <a:latin typeface="G마켓 산스 TTF Medium" charset="0"/>
+                <a:ea typeface="G마켓 산스 TTF Medium" charset="0"/>
+              </a:rPr>
+              <a:t>오진영</a:t>
+            </a:r>
+            <a:endParaRPr lang="ko-KR" altLang="en-US" sz="1200">
+              <a:ln w="9525" cap="flat" cmpd="sng">
                 <a:solidFill>
                   <a:schemeClr val="accent1">
                     <a:alpha val="0"/>
                   </a:schemeClr>
                 </a:solidFill>
+                <a:prstDash val="solid"/>
               </a:ln>
               <a:solidFill>
                 <a:schemeClr val="bg1"/>
               </a:solidFill>
-              <a:latin typeface="G마켓 산스 TTF Medium"/>
-              <a:ea typeface="G마켓 산스 TTF Medium"/>
+              <a:latin typeface="G마켓 산스 TTF Medium" charset="0"/>
+              <a:ea typeface="G마켓 산스 TTF Medium" charset="0"/>
+            </a:endParaRPr>
+          </a:p>
+          <a:p>
+            <a:pPr marL="0" indent="0" algn="ctr" defTabSz="914400" eaLnBrk="1" latinLnBrk="1" hangingPunct="1">
+              <a:lnSpc>
+                <a:spcPct val="130000"/>
+              </a:lnSpc>
+              <a:spcBef>
+                <a:spcPts val="0"/>
+              </a:spcBef>
+              <a:spcAft>
+                <a:spcPts val="0"/>
+              </a:spcAft>
+              <a:buFontTx/>
+              <a:buNone/>
+            </a:pPr>
+            <a:r>
+              <a:rPr lang="en-US" altLang="ko-KR" sz="1200" spc="-40">
+                <a:ln w="9525" cap="flat" cmpd="sng">
+                  <a:solidFill>
+                    <a:schemeClr val="accent1">
+                      <a:alpha val="0"/>
+                    </a:schemeClr>
+                  </a:solidFill>
+                  <a:prstDash val="solid"/>
+                </a:ln>
+                <a:solidFill>
+                  <a:schemeClr val="bg1"/>
+                </a:solidFill>
+                <a:latin typeface="G마켓 산스 TTF Medium" charset="0"/>
+                <a:ea typeface="G마켓 산스 TTF Medium" charset="0"/>
+              </a:rPr>
+              <a:t>201759036 </a:t>
+            </a:r>
+            <a:r>
+              <a:rPr lang="en-US" altLang="ko-KR" sz="1200" spc="-40">
+                <a:ln w="9525" cap="flat" cmpd="sng">
+                  <a:solidFill>
+                    <a:schemeClr val="accent1">
+                      <a:alpha val="0"/>
+                    </a:schemeClr>
+                  </a:solidFill>
+                  <a:prstDash val="solid"/>
+                </a:ln>
+                <a:solidFill>
+                  <a:schemeClr val="bg1"/>
+                </a:solidFill>
+                <a:latin typeface="G마켓 산스 TTF Medium" charset="0"/>
+                <a:ea typeface="G마켓 산스 TTF Medium" charset="0"/>
+              </a:rPr>
+              <a:t>문다솔</a:t>
+            </a:r>
+            <a:endParaRPr lang="ko-KR" altLang="en-US" sz="1200">
+              <a:ln w="9525" cap="flat" cmpd="sng">
+                <a:solidFill>
+                  <a:schemeClr val="accent1">
+                    <a:alpha val="0"/>
+                  </a:schemeClr>
+                </a:solidFill>
+                <a:prstDash val="solid"/>
+              </a:ln>
+              <a:solidFill>
+                <a:schemeClr val="bg1"/>
+              </a:solidFill>
+              <a:latin typeface="G마켓 산스 TTF Medium" charset="0"/>
+              <a:ea typeface="G마켓 산스 TTF Medium" charset="0"/>
             </a:endParaRPr>
           </a:p>
         </p:txBody>
@@ -5073,10 +5191,10 @@
         </p:nvGrpSpPr>
         <p:grpSpPr>
           <a:xfrm rot="0">
-            <a:off x="7941164" y="915716"/>
-            <a:ext cx="549273" cy="709101"/>
-            <a:chOff x="7941162" y="915715"/>
-            <a:chExt cx="549273" cy="709101"/>
+            <a:off x="7941310" y="915670"/>
+            <a:ext cx="549275" cy="709295"/>
+            <a:chOff x="7941310" y="915670"/>
+            <a:chExt cx="549275" cy="709295"/>
           </a:xfrm>
         </p:grpSpPr>
         <p:sp>
@@ -5087,8 +5205,8 @@
           </p:nvSpPr>
           <p:spPr>
             <a:xfrm>
-              <a:off x="8143039" y="1526599"/>
-              <a:ext cx="98217" cy="98217"/>
+              <a:off x="8143240" y="1526540"/>
+              <a:ext cx="98425" cy="98425"/>
             </a:xfrm>
             <a:prstGeom prst="ellipse">
               <a:avLst/>
@@ -5137,8 +5255,8 @@
           </p:nvSpPr>
           <p:spPr>
             <a:xfrm>
-              <a:off x="7941162" y="1099584"/>
-              <a:ext cx="64008" cy="64008"/>
+              <a:off x="7941310" y="1099820"/>
+              <a:ext cx="64135" cy="64135"/>
             </a:xfrm>
             <a:prstGeom prst="ellipse">
               <a:avLst/>
@@ -5187,8 +5305,8 @@
           </p:nvSpPr>
           <p:spPr>
             <a:xfrm>
-              <a:off x="8380122" y="1398098"/>
-              <a:ext cx="74922" cy="74922"/>
+              <a:off x="8380095" y="1398270"/>
+              <a:ext cx="74930" cy="74930"/>
             </a:xfrm>
             <a:prstGeom prst="ellipse">
               <a:avLst/>
@@ -5237,8 +5355,8 @@
           </p:nvSpPr>
           <p:spPr>
             <a:xfrm>
-              <a:off x="8184266" y="1234064"/>
-              <a:ext cx="98217" cy="98217"/>
+              <a:off x="8184515" y="1233805"/>
+              <a:ext cx="98425" cy="98425"/>
             </a:xfrm>
             <a:prstGeom prst="ellipse">
               <a:avLst/>
@@ -5287,8 +5405,8 @@
           </p:nvSpPr>
           <p:spPr>
             <a:xfrm>
-              <a:off x="8143039" y="915715"/>
-              <a:ext cx="74922" cy="74922"/>
+              <a:off x="8143240" y="915670"/>
+              <a:ext cx="74930" cy="74930"/>
             </a:xfrm>
             <a:prstGeom prst="ellipse">
               <a:avLst/>
@@ -5337,8 +5455,8 @@
           </p:nvSpPr>
           <p:spPr>
             <a:xfrm>
-              <a:off x="8444716" y="1099584"/>
-              <a:ext cx="45719" cy="45719"/>
+              <a:off x="8444865" y="1099820"/>
+              <a:ext cx="45720" cy="45720"/>
             </a:xfrm>
             <a:prstGeom prst="ellipse">
               <a:avLst/>
@@ -5387,12 +5505,19 @@
   </p:clrMapOvr>
   <mc:AlternateContent xmlns:mc="http://schemas.openxmlformats.org/markup-compatibility/2006">
     <mc:Choice xmlns:p14="http://schemas.microsoft.com/office/powerpoint/2010/main" Requires="p14">
-      <p:transition xmlns:mc="http://schemas.openxmlformats.org/markup-compatibility/2006" xmlns:p14="http://schemas.microsoft.com/office/powerpoint/2010/main" mc:Ignorable="p14" p14:dur="500"/>
+      <p:transition spd="slow" p14:dur="500"/>
     </mc:Choice>
     <mc:Fallback>
-      <p:transition/>
+      <p:transition spd="slow"/>
     </mc:Fallback>
   </mc:AlternateContent>
+  <p:timing>
+    <p:tnLst>
+      <p:par>
+        <p:cTn id="1" dur="indefinite" restart="never" nodeType="tmRoot"/>
+      </p:par>
+    </p:tnLst>
+  </p:timing>
 </p:sld>
 </file>
 

--- a/로샤논문.pptx
+++ b/로샤논문.pptx
@@ -5,7 +5,7 @@
     <p:sldMasterId id="2147483712" r:id="rId1"/>
   </p:sldMasterIdLst>
   <p:notesMasterIdLst>
-    <p:notesMasterId r:id="rId28"/>
+    <p:notesMasterId r:id="rId37"/>
   </p:notesMasterIdLst>
   <p:sldIdLst>
     <p:sldId id="256" r:id="rId2"/>
@@ -20,20 +20,29 @@
     <p:sldId id="280" r:id="rId11"/>
     <p:sldId id="265" r:id="rId12"/>
     <p:sldId id="281" r:id="rId13"/>
-    <p:sldId id="266" r:id="rId14"/>
-    <p:sldId id="267" r:id="rId15"/>
-    <p:sldId id="268" r:id="rId16"/>
-    <p:sldId id="269" r:id="rId17"/>
-    <p:sldId id="270" r:id="rId18"/>
-    <p:sldId id="271" r:id="rId19"/>
-    <p:sldId id="272" r:id="rId20"/>
-    <p:sldId id="273" r:id="rId21"/>
-    <p:sldId id="274" r:id="rId22"/>
-    <p:sldId id="275" r:id="rId23"/>
-    <p:sldId id="276" r:id="rId24"/>
-    <p:sldId id="277" r:id="rId25"/>
-    <p:sldId id="278" r:id="rId26"/>
-    <p:sldId id="279" r:id="rId27"/>
+    <p:sldId id="282" r:id="rId14"/>
+    <p:sldId id="283" r:id="rId15"/>
+    <p:sldId id="284" r:id="rId16"/>
+    <p:sldId id="285" r:id="rId17"/>
+    <p:sldId id="286" r:id="rId18"/>
+    <p:sldId id="287" r:id="rId19"/>
+    <p:sldId id="288" r:id="rId20"/>
+    <p:sldId id="289" r:id="rId21"/>
+    <p:sldId id="290" r:id="rId22"/>
+    <p:sldId id="266" r:id="rId23"/>
+    <p:sldId id="267" r:id="rId24"/>
+    <p:sldId id="268" r:id="rId25"/>
+    <p:sldId id="269" r:id="rId26"/>
+    <p:sldId id="270" r:id="rId27"/>
+    <p:sldId id="271" r:id="rId28"/>
+    <p:sldId id="272" r:id="rId29"/>
+    <p:sldId id="273" r:id="rId30"/>
+    <p:sldId id="274" r:id="rId31"/>
+    <p:sldId id="275" r:id="rId32"/>
+    <p:sldId id="276" r:id="rId33"/>
+    <p:sldId id="277" r:id="rId34"/>
+    <p:sldId id="278" r:id="rId35"/>
+    <p:sldId id="279" r:id="rId36"/>
   </p:sldIdLst>
   <p:sldSz cx="12192000" cy="6858000"/>
   <p:notesSz cx="6858000" cy="9144000"/>
@@ -242,7 +251,7 @@
               <a:pPr lvl="0">
                 <a:defRPr/>
               </a:pPr>
-              <a:t>2020-02-19</a:t>
+              <a:t>2020-02-20</a:t>
             </a:fld>
             <a:endParaRPr lang="ko-KR" altLang="en-US"/>
           </a:p>
@@ -627,6 +636,931 @@
 </p:notes>
 </file>
 
+<file path=ppt/notesSlides/notesSlide10.xml><?xml version="1.0" encoding="utf-8"?>
+<p:notes xmlns:a="http://schemas.openxmlformats.org/drawingml/2006/main" xmlns:r="http://schemas.openxmlformats.org/officeDocument/2006/relationships" xmlns:p="http://schemas.openxmlformats.org/presentationml/2006/main">
+  <p:cSld>
+    <p:spTree>
+      <p:nvGrpSpPr>
+        <p:cNvPr id="1" name=""/>
+        <p:cNvGrpSpPr/>
+        <p:nvPr/>
+      </p:nvGrpSpPr>
+      <p:grpSpPr>
+        <a:xfrm>
+          <a:off x="0" y="0"/>
+          <a:ext cx="0" cy="0"/>
+          <a:chOff x="0" y="0"/>
+          <a:chExt cx="0" cy="0"/>
+        </a:xfrm>
+      </p:grpSpPr>
+      <p:sp>
+        <p:nvSpPr>
+          <p:cNvPr id="2" name="슬라이드 이미지 개체 틀 3"/>
+          <p:cNvSpPr>
+            <a:spLocks noGrp="1" noRot="1" noChangeAspect="1" noTextEdit="1"/>
+          </p:cNvSpPr>
+          <p:nvPr>
+            <p:ph type="sldImg" idx="2"/>
+          </p:nvPr>
+        </p:nvSpPr>
+        <p:spPr/>
+        <p:txBody>
+          <a:bodyPr/>
+          <a:lstStyle/>
+          <a:p>
+            <a:pPr>
+              <a:defRPr/>
+            </a:pPr>
+            <a:endParaRPr lang="ko-KR" altLang="en-US"/>
+          </a:p>
+        </p:txBody>
+      </p:sp>
+      <p:sp>
+        <p:nvSpPr>
+          <p:cNvPr id="3" name="슬라이드 노트 개체 틀 4"/>
+          <p:cNvSpPr>
+            <a:spLocks noGrp="1"/>
+          </p:cNvSpPr>
+          <p:nvPr>
+            <p:ph type="body" sz="quarter" idx="3"/>
+          </p:nvPr>
+        </p:nvSpPr>
+        <p:spPr/>
+        <p:txBody>
+          <a:bodyPr/>
+          <a:lstStyle/>
+          <a:p>
+            <a:pPr>
+              <a:defRPr/>
+            </a:pPr>
+            <a:endParaRPr lang="ko-KR" altLang="en-US"/>
+          </a:p>
+        </p:txBody>
+      </p:sp>
+      <p:sp>
+        <p:nvSpPr>
+          <p:cNvPr id="4" name="슬라이드 번호 개체 틀 6"/>
+          <p:cNvSpPr>
+            <a:spLocks noGrp="1"/>
+          </p:cNvSpPr>
+          <p:nvPr>
+            <p:ph type="sldNum" sz="quarter" idx="5"/>
+          </p:nvPr>
+        </p:nvSpPr>
+        <p:spPr/>
+        <p:txBody>
+          <a:bodyPr/>
+          <a:lstStyle/>
+          <a:p>
+            <a:pPr lvl="0">
+              <a:defRPr/>
+            </a:pPr>
+            <a:fld id="{09F4262C-968C-4EE9-8164-CE16364706B3}" type="slidenum">
+              <a:rPr lang="en-US" altLang="en-US"/>
+              <a:pPr lvl="0">
+                <a:defRPr/>
+              </a:pPr>
+              <a:t>14</a:t>
+            </a:fld>
+            <a:endParaRPr lang="en-US" altLang="en-US"/>
+          </a:p>
+        </p:txBody>
+      </p:sp>
+    </p:spTree>
+    <p:extLst>
+      <p:ext uri="{BB962C8B-B14F-4D97-AF65-F5344CB8AC3E}">
+        <p14:creationId xmlns:p14="http://schemas.microsoft.com/office/powerpoint/2010/main" val="705966822"/>
+      </p:ext>
+    </p:extLst>
+  </p:cSld>
+  <p:clrMapOvr>
+    <a:masterClrMapping/>
+  </p:clrMapOvr>
+</p:notes>
+</file>
+
+<file path=ppt/notesSlides/notesSlide11.xml><?xml version="1.0" encoding="utf-8"?>
+<p:notes xmlns:a="http://schemas.openxmlformats.org/drawingml/2006/main" xmlns:r="http://schemas.openxmlformats.org/officeDocument/2006/relationships" xmlns:p="http://schemas.openxmlformats.org/presentationml/2006/main">
+  <p:cSld>
+    <p:spTree>
+      <p:nvGrpSpPr>
+        <p:cNvPr id="1" name=""/>
+        <p:cNvGrpSpPr/>
+        <p:nvPr/>
+      </p:nvGrpSpPr>
+      <p:grpSpPr>
+        <a:xfrm>
+          <a:off x="0" y="0"/>
+          <a:ext cx="0" cy="0"/>
+          <a:chOff x="0" y="0"/>
+          <a:chExt cx="0" cy="0"/>
+        </a:xfrm>
+      </p:grpSpPr>
+      <p:sp>
+        <p:nvSpPr>
+          <p:cNvPr id="2" name="슬라이드 이미지 개체 틀 3"/>
+          <p:cNvSpPr>
+            <a:spLocks noGrp="1" noRot="1" noChangeAspect="1" noTextEdit="1"/>
+          </p:cNvSpPr>
+          <p:nvPr>
+            <p:ph type="sldImg" idx="2"/>
+          </p:nvPr>
+        </p:nvSpPr>
+        <p:spPr/>
+        <p:txBody>
+          <a:bodyPr/>
+          <a:lstStyle/>
+          <a:p>
+            <a:pPr>
+              <a:defRPr/>
+            </a:pPr>
+            <a:endParaRPr lang="ko-KR" altLang="en-US"/>
+          </a:p>
+        </p:txBody>
+      </p:sp>
+      <p:sp>
+        <p:nvSpPr>
+          <p:cNvPr id="3" name="슬라이드 노트 개체 틀 4"/>
+          <p:cNvSpPr>
+            <a:spLocks noGrp="1"/>
+          </p:cNvSpPr>
+          <p:nvPr>
+            <p:ph type="body" sz="quarter" idx="3"/>
+          </p:nvPr>
+        </p:nvSpPr>
+        <p:spPr/>
+        <p:txBody>
+          <a:bodyPr/>
+          <a:lstStyle/>
+          <a:p>
+            <a:pPr>
+              <a:defRPr/>
+            </a:pPr>
+            <a:endParaRPr lang="ko-KR" altLang="en-US"/>
+          </a:p>
+        </p:txBody>
+      </p:sp>
+      <p:sp>
+        <p:nvSpPr>
+          <p:cNvPr id="4" name="슬라이드 번호 개체 틀 6"/>
+          <p:cNvSpPr>
+            <a:spLocks noGrp="1"/>
+          </p:cNvSpPr>
+          <p:nvPr>
+            <p:ph type="sldNum" sz="quarter" idx="5"/>
+          </p:nvPr>
+        </p:nvSpPr>
+        <p:spPr/>
+        <p:txBody>
+          <a:bodyPr/>
+          <a:lstStyle/>
+          <a:p>
+            <a:pPr lvl="0">
+              <a:defRPr/>
+            </a:pPr>
+            <a:fld id="{09F4262C-968C-4EE9-8164-CE16364706B3}" type="slidenum">
+              <a:rPr lang="en-US" altLang="en-US"/>
+              <a:pPr lvl="0">
+                <a:defRPr/>
+              </a:pPr>
+              <a:t>15</a:t>
+            </a:fld>
+            <a:endParaRPr lang="en-US" altLang="en-US"/>
+          </a:p>
+        </p:txBody>
+      </p:sp>
+    </p:spTree>
+    <p:extLst>
+      <p:ext uri="{BB962C8B-B14F-4D97-AF65-F5344CB8AC3E}">
+        <p14:creationId xmlns:p14="http://schemas.microsoft.com/office/powerpoint/2010/main" val="1749686242"/>
+      </p:ext>
+    </p:extLst>
+  </p:cSld>
+  <p:clrMapOvr>
+    <a:masterClrMapping/>
+  </p:clrMapOvr>
+</p:notes>
+</file>
+
+<file path=ppt/notesSlides/notesSlide12.xml><?xml version="1.0" encoding="utf-8"?>
+<p:notes xmlns:a="http://schemas.openxmlformats.org/drawingml/2006/main" xmlns:r="http://schemas.openxmlformats.org/officeDocument/2006/relationships" xmlns:p="http://schemas.openxmlformats.org/presentationml/2006/main">
+  <p:cSld>
+    <p:spTree>
+      <p:nvGrpSpPr>
+        <p:cNvPr id="1" name=""/>
+        <p:cNvGrpSpPr/>
+        <p:nvPr/>
+      </p:nvGrpSpPr>
+      <p:grpSpPr>
+        <a:xfrm>
+          <a:off x="0" y="0"/>
+          <a:ext cx="0" cy="0"/>
+          <a:chOff x="0" y="0"/>
+          <a:chExt cx="0" cy="0"/>
+        </a:xfrm>
+      </p:grpSpPr>
+      <p:sp>
+        <p:nvSpPr>
+          <p:cNvPr id="2" name="슬라이드 이미지 개체 틀 3"/>
+          <p:cNvSpPr>
+            <a:spLocks noGrp="1" noRot="1" noChangeAspect="1" noTextEdit="1"/>
+          </p:cNvSpPr>
+          <p:nvPr>
+            <p:ph type="sldImg" idx="2"/>
+          </p:nvPr>
+        </p:nvSpPr>
+        <p:spPr/>
+        <p:txBody>
+          <a:bodyPr/>
+          <a:lstStyle/>
+          <a:p>
+            <a:pPr>
+              <a:defRPr/>
+            </a:pPr>
+            <a:endParaRPr lang="ko-KR" altLang="en-US"/>
+          </a:p>
+        </p:txBody>
+      </p:sp>
+      <p:sp>
+        <p:nvSpPr>
+          <p:cNvPr id="3" name="슬라이드 노트 개체 틀 4"/>
+          <p:cNvSpPr>
+            <a:spLocks noGrp="1"/>
+          </p:cNvSpPr>
+          <p:nvPr>
+            <p:ph type="body" sz="quarter" idx="3"/>
+          </p:nvPr>
+        </p:nvSpPr>
+        <p:spPr/>
+        <p:txBody>
+          <a:bodyPr/>
+          <a:lstStyle/>
+          <a:p>
+            <a:pPr>
+              <a:defRPr/>
+            </a:pPr>
+            <a:endParaRPr lang="ko-KR" altLang="en-US"/>
+          </a:p>
+        </p:txBody>
+      </p:sp>
+      <p:sp>
+        <p:nvSpPr>
+          <p:cNvPr id="4" name="슬라이드 번호 개체 틀 6"/>
+          <p:cNvSpPr>
+            <a:spLocks noGrp="1"/>
+          </p:cNvSpPr>
+          <p:nvPr>
+            <p:ph type="sldNum" sz="quarter" idx="5"/>
+          </p:nvPr>
+        </p:nvSpPr>
+        <p:spPr/>
+        <p:txBody>
+          <a:bodyPr/>
+          <a:lstStyle/>
+          <a:p>
+            <a:pPr lvl="0">
+              <a:defRPr/>
+            </a:pPr>
+            <a:fld id="{09F4262C-968C-4EE9-8164-CE16364706B3}" type="slidenum">
+              <a:rPr lang="en-US" altLang="en-US"/>
+              <a:pPr lvl="0">
+                <a:defRPr/>
+              </a:pPr>
+              <a:t>16</a:t>
+            </a:fld>
+            <a:endParaRPr lang="en-US" altLang="en-US"/>
+          </a:p>
+        </p:txBody>
+      </p:sp>
+    </p:spTree>
+    <p:extLst>
+      <p:ext uri="{BB962C8B-B14F-4D97-AF65-F5344CB8AC3E}">
+        <p14:creationId xmlns:p14="http://schemas.microsoft.com/office/powerpoint/2010/main" val="605536781"/>
+      </p:ext>
+    </p:extLst>
+  </p:cSld>
+  <p:clrMapOvr>
+    <a:masterClrMapping/>
+  </p:clrMapOvr>
+</p:notes>
+</file>
+
+<file path=ppt/notesSlides/notesSlide13.xml><?xml version="1.0" encoding="utf-8"?>
+<p:notes xmlns:a="http://schemas.openxmlformats.org/drawingml/2006/main" xmlns:r="http://schemas.openxmlformats.org/officeDocument/2006/relationships" xmlns:p="http://schemas.openxmlformats.org/presentationml/2006/main">
+  <p:cSld>
+    <p:spTree>
+      <p:nvGrpSpPr>
+        <p:cNvPr id="1" name=""/>
+        <p:cNvGrpSpPr/>
+        <p:nvPr/>
+      </p:nvGrpSpPr>
+      <p:grpSpPr>
+        <a:xfrm>
+          <a:off x="0" y="0"/>
+          <a:ext cx="0" cy="0"/>
+          <a:chOff x="0" y="0"/>
+          <a:chExt cx="0" cy="0"/>
+        </a:xfrm>
+      </p:grpSpPr>
+      <p:sp>
+        <p:nvSpPr>
+          <p:cNvPr id="2" name="슬라이드 이미지 개체 틀 3"/>
+          <p:cNvSpPr>
+            <a:spLocks noGrp="1" noRot="1" noChangeAspect="1" noTextEdit="1"/>
+          </p:cNvSpPr>
+          <p:nvPr>
+            <p:ph type="sldImg" idx="2"/>
+          </p:nvPr>
+        </p:nvSpPr>
+        <p:spPr/>
+        <p:txBody>
+          <a:bodyPr/>
+          <a:lstStyle/>
+          <a:p>
+            <a:pPr>
+              <a:defRPr/>
+            </a:pPr>
+            <a:endParaRPr lang="ko-KR" altLang="en-US"/>
+          </a:p>
+        </p:txBody>
+      </p:sp>
+      <p:sp>
+        <p:nvSpPr>
+          <p:cNvPr id="3" name="슬라이드 노트 개체 틀 4"/>
+          <p:cNvSpPr>
+            <a:spLocks noGrp="1"/>
+          </p:cNvSpPr>
+          <p:nvPr>
+            <p:ph type="body" sz="quarter" idx="3"/>
+          </p:nvPr>
+        </p:nvSpPr>
+        <p:spPr/>
+        <p:txBody>
+          <a:bodyPr/>
+          <a:lstStyle/>
+          <a:p>
+            <a:pPr>
+              <a:defRPr/>
+            </a:pPr>
+            <a:endParaRPr lang="ko-KR" altLang="en-US"/>
+          </a:p>
+        </p:txBody>
+      </p:sp>
+      <p:sp>
+        <p:nvSpPr>
+          <p:cNvPr id="4" name="슬라이드 번호 개체 틀 6"/>
+          <p:cNvSpPr>
+            <a:spLocks noGrp="1"/>
+          </p:cNvSpPr>
+          <p:nvPr>
+            <p:ph type="sldNum" sz="quarter" idx="5"/>
+          </p:nvPr>
+        </p:nvSpPr>
+        <p:spPr/>
+        <p:txBody>
+          <a:bodyPr/>
+          <a:lstStyle/>
+          <a:p>
+            <a:pPr lvl="0">
+              <a:defRPr/>
+            </a:pPr>
+            <a:fld id="{09F4262C-968C-4EE9-8164-CE16364706B3}" type="slidenum">
+              <a:rPr lang="en-US" altLang="en-US"/>
+              <a:pPr lvl="0">
+                <a:defRPr/>
+              </a:pPr>
+              <a:t>17</a:t>
+            </a:fld>
+            <a:endParaRPr lang="en-US" altLang="en-US"/>
+          </a:p>
+        </p:txBody>
+      </p:sp>
+    </p:spTree>
+    <p:extLst>
+      <p:ext uri="{BB962C8B-B14F-4D97-AF65-F5344CB8AC3E}">
+        <p14:creationId xmlns:p14="http://schemas.microsoft.com/office/powerpoint/2010/main" val="542746142"/>
+      </p:ext>
+    </p:extLst>
+  </p:cSld>
+  <p:clrMapOvr>
+    <a:masterClrMapping/>
+  </p:clrMapOvr>
+</p:notes>
+</file>
+
+<file path=ppt/notesSlides/notesSlide14.xml><?xml version="1.0" encoding="utf-8"?>
+<p:notes xmlns:a="http://schemas.openxmlformats.org/drawingml/2006/main" xmlns:r="http://schemas.openxmlformats.org/officeDocument/2006/relationships" xmlns:p="http://schemas.openxmlformats.org/presentationml/2006/main">
+  <p:cSld>
+    <p:spTree>
+      <p:nvGrpSpPr>
+        <p:cNvPr id="1" name=""/>
+        <p:cNvGrpSpPr/>
+        <p:nvPr/>
+      </p:nvGrpSpPr>
+      <p:grpSpPr>
+        <a:xfrm>
+          <a:off x="0" y="0"/>
+          <a:ext cx="0" cy="0"/>
+          <a:chOff x="0" y="0"/>
+          <a:chExt cx="0" cy="0"/>
+        </a:xfrm>
+      </p:grpSpPr>
+      <p:sp>
+        <p:nvSpPr>
+          <p:cNvPr id="2" name="슬라이드 이미지 개체 틀 3"/>
+          <p:cNvSpPr>
+            <a:spLocks noGrp="1" noRot="1" noChangeAspect="1" noTextEdit="1"/>
+          </p:cNvSpPr>
+          <p:nvPr>
+            <p:ph type="sldImg" idx="2"/>
+          </p:nvPr>
+        </p:nvSpPr>
+        <p:spPr/>
+        <p:txBody>
+          <a:bodyPr/>
+          <a:lstStyle/>
+          <a:p>
+            <a:pPr>
+              <a:defRPr/>
+            </a:pPr>
+            <a:endParaRPr lang="ko-KR" altLang="en-US"/>
+          </a:p>
+        </p:txBody>
+      </p:sp>
+      <p:sp>
+        <p:nvSpPr>
+          <p:cNvPr id="3" name="슬라이드 노트 개체 틀 4"/>
+          <p:cNvSpPr>
+            <a:spLocks noGrp="1"/>
+          </p:cNvSpPr>
+          <p:nvPr>
+            <p:ph type="body" sz="quarter" idx="3"/>
+          </p:nvPr>
+        </p:nvSpPr>
+        <p:spPr/>
+        <p:txBody>
+          <a:bodyPr/>
+          <a:lstStyle/>
+          <a:p>
+            <a:pPr>
+              <a:defRPr/>
+            </a:pPr>
+            <a:endParaRPr lang="ko-KR" altLang="en-US"/>
+          </a:p>
+        </p:txBody>
+      </p:sp>
+      <p:sp>
+        <p:nvSpPr>
+          <p:cNvPr id="4" name="슬라이드 번호 개체 틀 6"/>
+          <p:cNvSpPr>
+            <a:spLocks noGrp="1"/>
+          </p:cNvSpPr>
+          <p:nvPr>
+            <p:ph type="sldNum" sz="quarter" idx="5"/>
+          </p:nvPr>
+        </p:nvSpPr>
+        <p:spPr/>
+        <p:txBody>
+          <a:bodyPr/>
+          <a:lstStyle/>
+          <a:p>
+            <a:pPr lvl="0">
+              <a:defRPr/>
+            </a:pPr>
+            <a:fld id="{09F4262C-968C-4EE9-8164-CE16364706B3}" type="slidenum">
+              <a:rPr lang="en-US" altLang="en-US"/>
+              <a:pPr lvl="0">
+                <a:defRPr/>
+              </a:pPr>
+              <a:t>18</a:t>
+            </a:fld>
+            <a:endParaRPr lang="en-US" altLang="en-US"/>
+          </a:p>
+        </p:txBody>
+      </p:sp>
+    </p:spTree>
+    <p:extLst>
+      <p:ext uri="{BB962C8B-B14F-4D97-AF65-F5344CB8AC3E}">
+        <p14:creationId xmlns:p14="http://schemas.microsoft.com/office/powerpoint/2010/main" val="2164604475"/>
+      </p:ext>
+    </p:extLst>
+  </p:cSld>
+  <p:clrMapOvr>
+    <a:masterClrMapping/>
+  </p:clrMapOvr>
+</p:notes>
+</file>
+
+<file path=ppt/notesSlides/notesSlide15.xml><?xml version="1.0" encoding="utf-8"?>
+<p:notes xmlns:a="http://schemas.openxmlformats.org/drawingml/2006/main" xmlns:r="http://schemas.openxmlformats.org/officeDocument/2006/relationships" xmlns:p="http://schemas.openxmlformats.org/presentationml/2006/main">
+  <p:cSld>
+    <p:spTree>
+      <p:nvGrpSpPr>
+        <p:cNvPr id="1" name=""/>
+        <p:cNvGrpSpPr/>
+        <p:nvPr/>
+      </p:nvGrpSpPr>
+      <p:grpSpPr>
+        <a:xfrm>
+          <a:off x="0" y="0"/>
+          <a:ext cx="0" cy="0"/>
+          <a:chOff x="0" y="0"/>
+          <a:chExt cx="0" cy="0"/>
+        </a:xfrm>
+      </p:grpSpPr>
+      <p:sp>
+        <p:nvSpPr>
+          <p:cNvPr id="2" name="슬라이드 이미지 개체 틀 3"/>
+          <p:cNvSpPr>
+            <a:spLocks noGrp="1" noRot="1" noChangeAspect="1" noTextEdit="1"/>
+          </p:cNvSpPr>
+          <p:nvPr>
+            <p:ph type="sldImg" idx="2"/>
+          </p:nvPr>
+        </p:nvSpPr>
+        <p:spPr/>
+        <p:txBody>
+          <a:bodyPr/>
+          <a:lstStyle/>
+          <a:p>
+            <a:pPr>
+              <a:defRPr/>
+            </a:pPr>
+            <a:endParaRPr lang="ko-KR" altLang="en-US"/>
+          </a:p>
+        </p:txBody>
+      </p:sp>
+      <p:sp>
+        <p:nvSpPr>
+          <p:cNvPr id="3" name="슬라이드 노트 개체 틀 4"/>
+          <p:cNvSpPr>
+            <a:spLocks noGrp="1"/>
+          </p:cNvSpPr>
+          <p:nvPr>
+            <p:ph type="body" sz="quarter" idx="3"/>
+          </p:nvPr>
+        </p:nvSpPr>
+        <p:spPr/>
+        <p:txBody>
+          <a:bodyPr/>
+          <a:lstStyle/>
+          <a:p>
+            <a:pPr>
+              <a:defRPr/>
+            </a:pPr>
+            <a:endParaRPr lang="ko-KR" altLang="en-US"/>
+          </a:p>
+        </p:txBody>
+      </p:sp>
+      <p:sp>
+        <p:nvSpPr>
+          <p:cNvPr id="4" name="슬라이드 번호 개체 틀 6"/>
+          <p:cNvSpPr>
+            <a:spLocks noGrp="1"/>
+          </p:cNvSpPr>
+          <p:nvPr>
+            <p:ph type="sldNum" sz="quarter" idx="5"/>
+          </p:nvPr>
+        </p:nvSpPr>
+        <p:spPr/>
+        <p:txBody>
+          <a:bodyPr/>
+          <a:lstStyle/>
+          <a:p>
+            <a:pPr lvl="0">
+              <a:defRPr/>
+            </a:pPr>
+            <a:fld id="{09F4262C-968C-4EE9-8164-CE16364706B3}" type="slidenum">
+              <a:rPr lang="en-US" altLang="en-US"/>
+              <a:pPr lvl="0">
+                <a:defRPr/>
+              </a:pPr>
+              <a:t>19</a:t>
+            </a:fld>
+            <a:endParaRPr lang="en-US" altLang="en-US"/>
+          </a:p>
+        </p:txBody>
+      </p:sp>
+    </p:spTree>
+    <p:extLst>
+      <p:ext uri="{BB962C8B-B14F-4D97-AF65-F5344CB8AC3E}">
+        <p14:creationId xmlns:p14="http://schemas.microsoft.com/office/powerpoint/2010/main" val="2999294989"/>
+      </p:ext>
+    </p:extLst>
+  </p:cSld>
+  <p:clrMapOvr>
+    <a:masterClrMapping/>
+  </p:clrMapOvr>
+</p:notes>
+</file>
+
+<file path=ppt/notesSlides/notesSlide16.xml><?xml version="1.0" encoding="utf-8"?>
+<p:notes xmlns:a="http://schemas.openxmlformats.org/drawingml/2006/main" xmlns:r="http://schemas.openxmlformats.org/officeDocument/2006/relationships" xmlns:p="http://schemas.openxmlformats.org/presentationml/2006/main">
+  <p:cSld>
+    <p:spTree>
+      <p:nvGrpSpPr>
+        <p:cNvPr id="1" name=""/>
+        <p:cNvGrpSpPr/>
+        <p:nvPr/>
+      </p:nvGrpSpPr>
+      <p:grpSpPr>
+        <a:xfrm>
+          <a:off x="0" y="0"/>
+          <a:ext cx="0" cy="0"/>
+          <a:chOff x="0" y="0"/>
+          <a:chExt cx="0" cy="0"/>
+        </a:xfrm>
+      </p:grpSpPr>
+      <p:sp>
+        <p:nvSpPr>
+          <p:cNvPr id="2" name="슬라이드 이미지 개체 틀 3"/>
+          <p:cNvSpPr>
+            <a:spLocks noGrp="1" noRot="1" noChangeAspect="1" noTextEdit="1"/>
+          </p:cNvSpPr>
+          <p:nvPr>
+            <p:ph type="sldImg" idx="2"/>
+          </p:nvPr>
+        </p:nvSpPr>
+        <p:spPr/>
+        <p:txBody>
+          <a:bodyPr/>
+          <a:lstStyle/>
+          <a:p>
+            <a:pPr>
+              <a:defRPr/>
+            </a:pPr>
+            <a:endParaRPr lang="ko-KR" altLang="en-US"/>
+          </a:p>
+        </p:txBody>
+      </p:sp>
+      <p:sp>
+        <p:nvSpPr>
+          <p:cNvPr id="3" name="슬라이드 노트 개체 틀 4"/>
+          <p:cNvSpPr>
+            <a:spLocks noGrp="1"/>
+          </p:cNvSpPr>
+          <p:nvPr>
+            <p:ph type="body" sz="quarter" idx="3"/>
+          </p:nvPr>
+        </p:nvSpPr>
+        <p:spPr/>
+        <p:txBody>
+          <a:bodyPr/>
+          <a:lstStyle/>
+          <a:p>
+            <a:pPr>
+              <a:defRPr/>
+            </a:pPr>
+            <a:endParaRPr lang="ko-KR" altLang="en-US"/>
+          </a:p>
+        </p:txBody>
+      </p:sp>
+      <p:sp>
+        <p:nvSpPr>
+          <p:cNvPr id="4" name="슬라이드 번호 개체 틀 6"/>
+          <p:cNvSpPr>
+            <a:spLocks noGrp="1"/>
+          </p:cNvSpPr>
+          <p:nvPr>
+            <p:ph type="sldNum" sz="quarter" idx="5"/>
+          </p:nvPr>
+        </p:nvSpPr>
+        <p:spPr/>
+        <p:txBody>
+          <a:bodyPr/>
+          <a:lstStyle/>
+          <a:p>
+            <a:pPr lvl="0">
+              <a:defRPr/>
+            </a:pPr>
+            <a:fld id="{09F4262C-968C-4EE9-8164-CE16364706B3}" type="slidenum">
+              <a:rPr lang="en-US" altLang="en-US"/>
+              <a:pPr lvl="0">
+                <a:defRPr/>
+              </a:pPr>
+              <a:t>20</a:t>
+            </a:fld>
+            <a:endParaRPr lang="en-US" altLang="en-US"/>
+          </a:p>
+        </p:txBody>
+      </p:sp>
+    </p:spTree>
+    <p:extLst>
+      <p:ext uri="{BB962C8B-B14F-4D97-AF65-F5344CB8AC3E}">
+        <p14:creationId xmlns:p14="http://schemas.microsoft.com/office/powerpoint/2010/main" val="1659062984"/>
+      </p:ext>
+    </p:extLst>
+  </p:cSld>
+  <p:clrMapOvr>
+    <a:masterClrMapping/>
+  </p:clrMapOvr>
+</p:notes>
+</file>
+
+<file path=ppt/notesSlides/notesSlide17.xml><?xml version="1.0" encoding="utf-8"?>
+<p:notes xmlns:a="http://schemas.openxmlformats.org/drawingml/2006/main" xmlns:r="http://schemas.openxmlformats.org/officeDocument/2006/relationships" xmlns:p="http://schemas.openxmlformats.org/presentationml/2006/main">
+  <p:cSld>
+    <p:spTree>
+      <p:nvGrpSpPr>
+        <p:cNvPr id="1" name=""/>
+        <p:cNvGrpSpPr/>
+        <p:nvPr/>
+      </p:nvGrpSpPr>
+      <p:grpSpPr>
+        <a:xfrm>
+          <a:off x="0" y="0"/>
+          <a:ext cx="0" cy="0"/>
+          <a:chOff x="0" y="0"/>
+          <a:chExt cx="0" cy="0"/>
+        </a:xfrm>
+      </p:grpSpPr>
+      <p:sp>
+        <p:nvSpPr>
+          <p:cNvPr id="2" name="슬라이드 이미지 개체 틀 3"/>
+          <p:cNvSpPr>
+            <a:spLocks noGrp="1" noRot="1" noChangeAspect="1" noTextEdit="1"/>
+          </p:cNvSpPr>
+          <p:nvPr>
+            <p:ph type="sldImg" idx="2"/>
+          </p:nvPr>
+        </p:nvSpPr>
+        <p:spPr/>
+        <p:txBody>
+          <a:bodyPr/>
+          <a:lstStyle/>
+          <a:p>
+            <a:pPr>
+              <a:defRPr/>
+            </a:pPr>
+            <a:endParaRPr lang="ko-KR" altLang="en-US"/>
+          </a:p>
+        </p:txBody>
+      </p:sp>
+      <p:sp>
+        <p:nvSpPr>
+          <p:cNvPr id="3" name="슬라이드 노트 개체 틀 4"/>
+          <p:cNvSpPr>
+            <a:spLocks noGrp="1"/>
+          </p:cNvSpPr>
+          <p:nvPr>
+            <p:ph type="body" sz="quarter" idx="3"/>
+          </p:nvPr>
+        </p:nvSpPr>
+        <p:spPr/>
+        <p:txBody>
+          <a:bodyPr/>
+          <a:lstStyle/>
+          <a:p>
+            <a:pPr>
+              <a:defRPr/>
+            </a:pPr>
+            <a:endParaRPr lang="ko-KR" altLang="en-US"/>
+          </a:p>
+        </p:txBody>
+      </p:sp>
+      <p:sp>
+        <p:nvSpPr>
+          <p:cNvPr id="4" name="슬라이드 번호 개체 틀 6"/>
+          <p:cNvSpPr>
+            <a:spLocks noGrp="1"/>
+          </p:cNvSpPr>
+          <p:nvPr>
+            <p:ph type="sldNum" sz="quarter" idx="5"/>
+          </p:nvPr>
+        </p:nvSpPr>
+        <p:spPr/>
+        <p:txBody>
+          <a:bodyPr/>
+          <a:lstStyle/>
+          <a:p>
+            <a:pPr lvl="0">
+              <a:defRPr/>
+            </a:pPr>
+            <a:fld id="{09F4262C-968C-4EE9-8164-CE16364706B3}" type="slidenum">
+              <a:rPr lang="en-US" altLang="en-US"/>
+              <a:pPr lvl="0">
+                <a:defRPr/>
+              </a:pPr>
+              <a:t>21</a:t>
+            </a:fld>
+            <a:endParaRPr lang="en-US" altLang="en-US"/>
+          </a:p>
+        </p:txBody>
+      </p:sp>
+    </p:spTree>
+    <p:extLst>
+      <p:ext uri="{BB962C8B-B14F-4D97-AF65-F5344CB8AC3E}">
+        <p14:creationId xmlns:p14="http://schemas.microsoft.com/office/powerpoint/2010/main" val="664339930"/>
+      </p:ext>
+    </p:extLst>
+  </p:cSld>
+  <p:clrMapOvr>
+    <a:masterClrMapping/>
+  </p:clrMapOvr>
+</p:notes>
+</file>
+
+<file path=ppt/notesSlides/notesSlide18.xml><?xml version="1.0" encoding="utf-8"?>
+<p:notes xmlns:a="http://schemas.openxmlformats.org/drawingml/2006/main" xmlns:r="http://schemas.openxmlformats.org/officeDocument/2006/relationships" xmlns:p="http://schemas.openxmlformats.org/presentationml/2006/main">
+  <p:cSld>
+    <p:spTree>
+      <p:nvGrpSpPr>
+        <p:cNvPr id="1" name=""/>
+        <p:cNvGrpSpPr/>
+        <p:nvPr/>
+      </p:nvGrpSpPr>
+      <p:grpSpPr>
+        <a:xfrm>
+          <a:off x="0" y="0"/>
+          <a:ext cx="0" cy="0"/>
+          <a:chOff x="0" y="0"/>
+          <a:chExt cx="0" cy="0"/>
+        </a:xfrm>
+      </p:grpSpPr>
+      <p:sp>
+        <p:nvSpPr>
+          <p:cNvPr id="2" name="슬라이드 이미지 개체 틀 3"/>
+          <p:cNvSpPr>
+            <a:spLocks noGrp="1" noRot="1" noChangeAspect="1" noTextEdit="1"/>
+          </p:cNvSpPr>
+          <p:nvPr>
+            <p:ph type="sldImg" idx="2"/>
+          </p:nvPr>
+        </p:nvSpPr>
+        <p:spPr/>
+        <p:txBody>
+          <a:bodyPr/>
+          <a:lstStyle/>
+          <a:p>
+            <a:pPr>
+              <a:defRPr/>
+            </a:pPr>
+            <a:endParaRPr lang="ko-KR" altLang="en-US"/>
+          </a:p>
+        </p:txBody>
+      </p:sp>
+      <p:sp>
+        <p:nvSpPr>
+          <p:cNvPr id="3" name="슬라이드 노트 개체 틀 4"/>
+          <p:cNvSpPr>
+            <a:spLocks noGrp="1"/>
+          </p:cNvSpPr>
+          <p:nvPr>
+            <p:ph type="body" sz="quarter" idx="3"/>
+          </p:nvPr>
+        </p:nvSpPr>
+        <p:spPr/>
+        <p:txBody>
+          <a:bodyPr/>
+          <a:lstStyle/>
+          <a:p>
+            <a:pPr>
+              <a:defRPr/>
+            </a:pPr>
+            <a:r>
+              <a:rPr lang="ko-KR" altLang="en-US"/>
+              <a:t>이외에 따로 필요한 설명을 브레이킹 슬라이드에서 진행</a:t>
+            </a:r>
+          </a:p>
+        </p:txBody>
+      </p:sp>
+      <p:sp>
+        <p:nvSpPr>
+          <p:cNvPr id="4" name="슬라이드 번호 개체 틀 6"/>
+          <p:cNvSpPr>
+            <a:spLocks noGrp="1"/>
+          </p:cNvSpPr>
+          <p:nvPr>
+            <p:ph type="sldNum" sz="quarter" idx="5"/>
+          </p:nvPr>
+        </p:nvSpPr>
+        <p:spPr/>
+        <p:txBody>
+          <a:bodyPr/>
+          <a:lstStyle/>
+          <a:p>
+            <a:pPr lvl="0">
+              <a:defRPr/>
+            </a:pPr>
+            <a:fld id="{09F4262C-968C-4EE9-8164-CE16364706B3}" type="slidenum">
+              <a:rPr lang="en-US" altLang="en-US"/>
+              <a:pPr lvl="0">
+                <a:defRPr/>
+              </a:pPr>
+              <a:t>28</a:t>
+            </a:fld>
+            <a:endParaRPr lang="en-US" altLang="en-US"/>
+          </a:p>
+        </p:txBody>
+      </p:sp>
+    </p:spTree>
+  </p:cSld>
+  <p:clrMapOvr>
+    <a:masterClrMapping/>
+  </p:clrMapOvr>
+</p:notes>
+</file>
+
 <file path=ppt/notesSlides/notesSlide2.xml><?xml version="1.0" encoding="utf-8"?>
 <p:notes xmlns:a="http://schemas.openxmlformats.org/drawingml/2006/main" xmlns:r="http://schemas.openxmlformats.org/officeDocument/2006/relationships" xmlns:p="http://schemas.openxmlformats.org/presentationml/2006/main">
   <p:cSld>
@@ -1380,10 +2314,7 @@
             <a:pPr>
               <a:defRPr/>
             </a:pPr>
-            <a:r>
-              <a:rPr lang="ko-KR" altLang="en-US"/>
-              <a:t>이외에 따로 필요한 설명을 브레이킹 슬라이드에서 진행</a:t>
-            </a:r>
+            <a:endParaRPr lang="ko-KR" altLang="en-US"/>
           </a:p>
         </p:txBody>
       </p:sp>
@@ -1410,13 +2341,18 @@
               <a:pPr lvl="0">
                 <a:defRPr/>
               </a:pPr>
-              <a:t>19</a:t>
+              <a:t>13</a:t>
             </a:fld>
             <a:endParaRPr lang="en-US" altLang="en-US"/>
           </a:p>
         </p:txBody>
       </p:sp>
     </p:spTree>
+    <p:extLst>
+      <p:ext uri="{BB962C8B-B14F-4D97-AF65-F5344CB8AC3E}">
+        <p14:creationId xmlns:p14="http://schemas.microsoft.com/office/powerpoint/2010/main" val="1430705869"/>
+      </p:ext>
+    </p:extLst>
   </p:cSld>
   <p:clrMapOvr>
     <a:masterClrMapping/>
@@ -1553,7 +2489,7 @@
           <a:p>
             <a:fld id="{34CA1A2D-AD2F-49FD-9C20-19E3B287DC5C}" type="datetimeFigureOut">
               <a:rPr lang="ko-KR" altLang="en-US" smtClean="0"/>
-              <a:t>2020-02-19</a:t>
+              <a:t>2020-02-20</a:t>
             </a:fld>
             <a:endParaRPr lang="ko-KR" altLang="en-US"/>
           </a:p>
@@ -1740,7 +2676,7 @@
               <a:pPr lvl="0">
                 <a:defRPr/>
               </a:pPr>
-              <a:t>2020-02-19</a:t>
+              <a:t>2020-02-20</a:t>
             </a:fld>
             <a:endParaRPr lang="ko-KR" altLang="en-US"/>
           </a:p>
@@ -1942,7 +2878,7 @@
               <a:pPr lvl="0">
                 <a:defRPr/>
               </a:pPr>
-              <a:t>2020-02-19</a:t>
+              <a:t>2020-02-20</a:t>
             </a:fld>
             <a:endParaRPr lang="ko-KR" altLang="en-US"/>
           </a:p>
@@ -2134,7 +3070,7 @@
               <a:pPr lvl="0">
                 <a:defRPr/>
               </a:pPr>
-              <a:t>2020-02-19</a:t>
+              <a:t>2020-02-20</a:t>
             </a:fld>
             <a:endParaRPr lang="ko-KR" altLang="en-US"/>
           </a:p>
@@ -2395,7 +3331,7 @@
               <a:pPr lvl="0">
                 <a:defRPr/>
               </a:pPr>
-              <a:t>2020-02-19</a:t>
+              <a:t>2020-02-20</a:t>
             </a:fld>
             <a:endParaRPr lang="ko-KR" altLang="en-US"/>
           </a:p>
@@ -2658,7 +3594,7 @@
               <a:pPr lvl="0">
                 <a:defRPr/>
               </a:pPr>
-              <a:t>2020-02-19</a:t>
+              <a:t>2020-02-20</a:t>
             </a:fld>
             <a:endParaRPr lang="ko-KR" altLang="en-US"/>
           </a:p>
@@ -3060,7 +3996,7 @@
               <a:pPr lvl="0">
                 <a:defRPr/>
               </a:pPr>
-              <a:t>2020-02-19</a:t>
+              <a:t>2020-02-20</a:t>
             </a:fld>
             <a:endParaRPr lang="ko-KR" altLang="en-US"/>
           </a:p>
@@ -3191,7 +4127,7 @@
               <a:pPr lvl="0">
                 <a:defRPr/>
               </a:pPr>
-              <a:t>2020-02-19</a:t>
+              <a:t>2020-02-20</a:t>
             </a:fld>
             <a:endParaRPr lang="ko-KR" altLang="en-US"/>
           </a:p>
@@ -3297,7 +4233,7 @@
               <a:pPr lvl="0">
                 <a:defRPr/>
               </a:pPr>
-              <a:t>2020-02-19</a:t>
+              <a:t>2020-02-20</a:t>
             </a:fld>
             <a:endParaRPr lang="ko-KR" altLang="en-US"/>
           </a:p>
@@ -3598,7 +4534,7 @@
               <a:pPr lvl="0">
                 <a:defRPr/>
               </a:pPr>
-              <a:t>2020-02-19</a:t>
+              <a:t>2020-02-20</a:t>
             </a:fld>
             <a:endParaRPr lang="ko-KR" altLang="en-US"/>
           </a:p>
@@ -3869,7 +4805,7 @@
               <a:pPr lvl="0">
                 <a:defRPr/>
               </a:pPr>
-              <a:t>2020-02-19</a:t>
+              <a:t>2020-02-20</a:t>
             </a:fld>
             <a:endParaRPr lang="ko-KR" altLang="en-US"/>
           </a:p>
@@ -4107,7 +5043,7 @@
               <a:pPr lvl="0">
                 <a:defRPr/>
               </a:pPr>
-              <a:t>2020-02-19</a:t>
+              <a:t>2020-02-20</a:t>
             </a:fld>
             <a:endParaRPr lang="ko-KR" altLang="en-US"/>
           </a:p>
@@ -5419,7 +6355,7 @@
     <mc:Choice Requires="p14">
       <p:transition/>
     </mc:Choice>
-    <mc:Fallback xmlns:dsp="http://schemas.microsoft.com/office/drawing/2008/diagram" xmlns:dgm="http://schemas.openxmlformats.org/drawingml/2006/diagram" xmlns:c="http://schemas.openxmlformats.org/drawingml/2006/chart" xmlns="">
+    <mc:Fallback xmlns="" xmlns:c="http://schemas.openxmlformats.org/drawingml/2006/chart" xmlns:dgm="http://schemas.openxmlformats.org/drawingml/2006/diagram" xmlns:dsp="http://schemas.microsoft.com/office/drawing/2008/diagram">
       <p:transition spd="slow"/>
     </mc:Fallback>
   </mc:AlternateContent>
@@ -6108,7 +7044,7 @@
     <mc:Choice Requires="p14">
       <p:transition/>
     </mc:Choice>
-    <mc:Fallback xmlns:dsp="http://schemas.microsoft.com/office/drawing/2008/diagram" xmlns:dgm="http://schemas.openxmlformats.org/drawingml/2006/diagram" xmlns:c="http://schemas.openxmlformats.org/drawingml/2006/chart" xmlns="">
+    <mc:Fallback xmlns="" xmlns:c="http://schemas.openxmlformats.org/drawingml/2006/chart" xmlns:dgm="http://schemas.openxmlformats.org/drawingml/2006/diagram" xmlns:dsp="http://schemas.microsoft.com/office/drawing/2008/diagram">
       <p:transition/>
     </mc:Fallback>
   </mc:AlternateContent>
@@ -6523,7 +7459,7 @@
     <mc:Choice Requires="p14">
       <p:transition/>
     </mc:Choice>
-    <mc:Fallback xmlns:dsp="http://schemas.microsoft.com/office/drawing/2008/diagram" xmlns:dgm="http://schemas.openxmlformats.org/drawingml/2006/diagram" xmlns:c="http://schemas.openxmlformats.org/drawingml/2006/chart" xmlns="">
+    <mc:Fallback xmlns="" xmlns:c="http://schemas.openxmlformats.org/drawingml/2006/chart" xmlns:dgm="http://schemas.openxmlformats.org/drawingml/2006/diagram" xmlns:dsp="http://schemas.microsoft.com/office/drawing/2008/diagram">
       <p:transition/>
     </mc:Fallback>
   </mc:AlternateContent>
@@ -7491,6 +8427,242 @@
           </a:p>
         </p:txBody>
       </p:sp>
+      <p:sp>
+        <p:nvSpPr>
+          <p:cNvPr id="5" name="화살표: 아래쪽 4">
+            <a:extLst>
+              <a:ext uri="{FF2B5EF4-FFF2-40B4-BE49-F238E27FC236}">
+                <a16:creationId xmlns:a16="http://schemas.microsoft.com/office/drawing/2014/main" id="{2FEB0CD0-FF2F-47CE-A9AF-BDE9C3D2CEB7}"/>
+              </a:ext>
+            </a:extLst>
+          </p:cNvPr>
+          <p:cNvSpPr/>
+          <p:nvPr/>
+        </p:nvSpPr>
+        <p:spPr>
+          <a:xfrm>
+            <a:off x="3351467" y="3071253"/>
+            <a:ext cx="372312" cy="995881"/>
+          </a:xfrm>
+          <a:prstGeom prst="downArrow">
+            <a:avLst/>
+          </a:prstGeom>
+          <a:solidFill>
+            <a:schemeClr val="tx1"/>
+          </a:solidFill>
+          <a:ln>
+            <a:solidFill>
+              <a:schemeClr val="tx1"/>
+            </a:solidFill>
+          </a:ln>
+        </p:spPr>
+        <p:style>
+          <a:lnRef idx="2">
+            <a:schemeClr val="accent1">
+              <a:shade val="50000"/>
+            </a:schemeClr>
+          </a:lnRef>
+          <a:fillRef idx="1">
+            <a:schemeClr val="accent1"/>
+          </a:fillRef>
+          <a:effectRef idx="0">
+            <a:schemeClr val="accent1"/>
+          </a:effectRef>
+          <a:fontRef idx="minor">
+            <a:schemeClr val="lt1"/>
+          </a:fontRef>
+        </p:style>
+        <p:txBody>
+          <a:bodyPr rtlCol="0" anchor="ctr"/>
+          <a:lstStyle/>
+          <a:p>
+            <a:pPr algn="ctr"/>
+            <a:endParaRPr lang="ko-KR" altLang="en-US"/>
+          </a:p>
+        </p:txBody>
+      </p:sp>
+      <p:sp>
+        <p:nvSpPr>
+          <p:cNvPr id="22" name="직사각형 21">
+            <a:extLst>
+              <a:ext uri="{FF2B5EF4-FFF2-40B4-BE49-F238E27FC236}">
+                <a16:creationId xmlns:a16="http://schemas.microsoft.com/office/drawing/2014/main" id="{845D7055-5EAD-4FE1-B177-CB9FB3FBF7CF}"/>
+              </a:ext>
+            </a:extLst>
+          </p:cNvPr>
+          <p:cNvSpPr/>
+          <p:nvPr/>
+        </p:nvSpPr>
+        <p:spPr>
+          <a:xfrm>
+            <a:off x="892507" y="4138545"/>
+            <a:ext cx="5290231" cy="523220"/>
+          </a:xfrm>
+          <a:prstGeom prst="rect">
+            <a:avLst/>
+          </a:prstGeom>
+        </p:spPr>
+        <p:txBody>
+          <a:bodyPr wrap="none">
+            <a:spAutoFit/>
+          </a:bodyPr>
+          <a:lstStyle/>
+          <a:p>
+            <a:r>
+              <a:rPr lang="ko-KR" altLang="en-US" sz="1400" dirty="0"/>
+              <a:t>개인에게 성장과정에서 내면화된 어떤 개인의 성격특성이나 </a:t>
+            </a:r>
+            <a:endParaRPr lang="en-US" altLang="ko-KR" sz="1400" dirty="0"/>
+          </a:p>
+          <a:p>
+            <a:r>
+              <a:rPr lang="ko-KR" altLang="en-US" sz="1400" dirty="0"/>
+              <a:t>상처들을 잉크 반점인 검사자료를 통해 밖으로 드러낸다는 의미</a:t>
+            </a:r>
+          </a:p>
+        </p:txBody>
+      </p:sp>
+      <p:pic>
+        <p:nvPicPr>
+          <p:cNvPr id="1026" name="Picture 2" descr="bgtê²ì¬ ì´ë¯¸ì§ ê²ìê²°ê³¼">
+            <a:extLst>
+              <a:ext uri="{FF2B5EF4-FFF2-40B4-BE49-F238E27FC236}">
+                <a16:creationId xmlns:a16="http://schemas.microsoft.com/office/drawing/2014/main" id="{5A12EBD2-15A9-473C-BAD8-7EA0CD9100D9}"/>
+              </a:ext>
+            </a:extLst>
+          </p:cNvPr>
+          <p:cNvPicPr>
+            <a:picLocks noChangeAspect="1" noChangeArrowheads="1"/>
+          </p:cNvPicPr>
+          <p:nvPr/>
+        </p:nvPicPr>
+        <p:blipFill>
+          <a:blip r:embed="rId3">
+            <a:extLst>
+              <a:ext uri="{28A0092B-C50C-407E-A947-70E740481C1C}">
+                <a14:useLocalDpi xmlns:a14="http://schemas.microsoft.com/office/drawing/2010/main" val="0"/>
+              </a:ext>
+            </a:extLst>
+          </a:blip>
+          <a:srcRect/>
+          <a:stretch>
+            <a:fillRect/>
+          </a:stretch>
+        </p:blipFill>
+        <p:spPr bwMode="auto">
+          <a:xfrm>
+            <a:off x="7198879" y="150713"/>
+            <a:ext cx="2526628" cy="1877796"/>
+          </a:xfrm>
+          <a:prstGeom prst="rect">
+            <a:avLst/>
+          </a:prstGeom>
+          <a:noFill/>
+          <a:extLst>
+            <a:ext uri="{909E8E84-426E-40DD-AFC4-6F175D3DCCD1}">
+              <a14:hiddenFill xmlns:a14="http://schemas.microsoft.com/office/drawing/2010/main">
+                <a:solidFill>
+                  <a:srgbClr val="FFFFFF"/>
+                </a:solidFill>
+              </a14:hiddenFill>
+            </a:ext>
+          </a:extLst>
+        </p:spPr>
+      </p:pic>
+      <p:pic>
+        <p:nvPicPr>
+          <p:cNvPr id="1028" name="Picture 4" descr="htpê²ì¬ ì´ë¯¸ì§ ê²ìê²°ê³¼">
+            <a:extLst>
+              <a:ext uri="{FF2B5EF4-FFF2-40B4-BE49-F238E27FC236}">
+                <a16:creationId xmlns:a16="http://schemas.microsoft.com/office/drawing/2014/main" id="{D750BC78-AD5D-474F-A0C9-6E81EC08C301}"/>
+              </a:ext>
+            </a:extLst>
+          </p:cNvPr>
+          <p:cNvPicPr>
+            <a:picLocks noChangeAspect="1" noChangeArrowheads="1"/>
+          </p:cNvPicPr>
+          <p:nvPr/>
+        </p:nvPicPr>
+        <p:blipFill>
+          <a:blip r:embed="rId4">
+            <a:extLst>
+              <a:ext uri="{28A0092B-C50C-407E-A947-70E740481C1C}">
+                <a14:useLocalDpi xmlns:a14="http://schemas.microsoft.com/office/drawing/2010/main" val="0"/>
+              </a:ext>
+            </a:extLst>
+          </a:blip>
+          <a:srcRect/>
+          <a:stretch>
+            <a:fillRect/>
+          </a:stretch>
+        </p:blipFill>
+        <p:spPr bwMode="auto">
+          <a:xfrm>
+            <a:off x="6725933" y="2348558"/>
+            <a:ext cx="3867150" cy="1181100"/>
+          </a:xfrm>
+          <a:prstGeom prst="rect">
+            <a:avLst/>
+          </a:prstGeom>
+          <a:noFill/>
+          <a:extLst>
+            <a:ext uri="{909E8E84-426E-40DD-AFC4-6F175D3DCCD1}">
+              <a14:hiddenFill xmlns:a14="http://schemas.microsoft.com/office/drawing/2010/main">
+                <a:solidFill>
+                  <a:srgbClr val="FFFFFF"/>
+                </a:solidFill>
+              </a14:hiddenFill>
+            </a:ext>
+          </a:extLst>
+        </p:spPr>
+      </p:pic>
+      <p:pic>
+        <p:nvPicPr>
+          <p:cNvPr id="1030" name="Picture 6" descr="ë¡ì¤ ì´ë¯¸ì§ ê²ìê²°ê³¼">
+            <a:extLst>
+              <a:ext uri="{FF2B5EF4-FFF2-40B4-BE49-F238E27FC236}">
+                <a16:creationId xmlns:a16="http://schemas.microsoft.com/office/drawing/2014/main" id="{89124B3A-9E80-41B6-A2D9-53201927FA42}"/>
+              </a:ext>
+            </a:extLst>
+          </p:cNvPr>
+          <p:cNvPicPr>
+            <a:picLocks noChangeAspect="1" noChangeArrowheads="1"/>
+          </p:cNvPicPr>
+          <p:nvPr/>
+        </p:nvPicPr>
+        <p:blipFill>
+          <a:blip r:embed="rId5">
+            <a:extLst>
+              <a:ext uri="{28A0092B-C50C-407E-A947-70E740481C1C}">
+                <a14:useLocalDpi xmlns:a14="http://schemas.microsoft.com/office/drawing/2010/main" val="0"/>
+              </a:ext>
+            </a:extLst>
+          </a:blip>
+          <a:srcRect/>
+          <a:stretch>
+            <a:fillRect/>
+          </a:stretch>
+        </p:blipFill>
+        <p:spPr bwMode="auto">
+          <a:xfrm>
+            <a:off x="7611711" y="4007840"/>
+            <a:ext cx="2647950" cy="1724025"/>
+          </a:xfrm>
+          <a:prstGeom prst="rect">
+            <a:avLst/>
+          </a:prstGeom>
+          <a:noFill/>
+          <a:extLst>
+            <a:ext uri="{909E8E84-426E-40DD-AFC4-6F175D3DCCD1}">
+              <a14:hiddenFill xmlns:a14="http://schemas.microsoft.com/office/drawing/2010/main">
+                <a:solidFill>
+                  <a:srgbClr val="FFFFFF"/>
+                </a:solidFill>
+              </a14:hiddenFill>
+            </a:ext>
+          </a:extLst>
+        </p:spPr>
+      </p:pic>
     </p:spTree>
     <p:extLst>
       <p:ext uri="{BB962C8B-B14F-4D97-AF65-F5344CB8AC3E}">
@@ -7505,7 +8677,7 @@
     <mc:Choice Requires="p14">
       <p:transition/>
     </mc:Choice>
-    <mc:Fallback xmlns:dsp="http://schemas.microsoft.com/office/drawing/2008/diagram" xmlns:dgm="http://schemas.openxmlformats.org/drawingml/2006/diagram" xmlns:c="http://schemas.openxmlformats.org/drawingml/2006/chart" xmlns="">
+    <mc:Fallback xmlns="" xmlns:c="http://schemas.openxmlformats.org/drawingml/2006/chart" xmlns:dgm="http://schemas.openxmlformats.org/drawingml/2006/diagram" xmlns:dsp="http://schemas.microsoft.com/office/drawing/2008/diagram">
       <p:transition/>
     </mc:Fallback>
   </mc:AlternateContent>
@@ -7513,6 +8685,4558 @@
 </file>
 
 <file path=ppt/slides/slide13.xml><?xml version="1.0" encoding="utf-8"?>
+<p:sld xmlns:a="http://schemas.openxmlformats.org/drawingml/2006/main" xmlns:r="http://schemas.openxmlformats.org/officeDocument/2006/relationships" xmlns:p="http://schemas.openxmlformats.org/presentationml/2006/main">
+  <p:cSld>
+    <p:spTree>
+      <p:nvGrpSpPr>
+        <p:cNvPr id="1" name=""/>
+        <p:cNvGrpSpPr/>
+        <p:nvPr/>
+      </p:nvGrpSpPr>
+      <p:grpSpPr>
+        <a:xfrm>
+          <a:off x="0" y="0"/>
+          <a:ext cx="0" cy="0"/>
+          <a:chOff x="0" y="0"/>
+          <a:chExt cx="0" cy="0"/>
+        </a:xfrm>
+      </p:grpSpPr>
+      <p:sp>
+        <p:nvSpPr>
+          <p:cNvPr id="27" name="TextBox 26"/>
+          <p:cNvSpPr txBox="1"/>
+          <p:nvPr/>
+        </p:nvSpPr>
+        <p:spPr>
+          <a:xfrm>
+            <a:off x="279669" y="277643"/>
+            <a:ext cx="2438232" cy="384721"/>
+          </a:xfrm>
+          <a:prstGeom prst="rect">
+            <a:avLst/>
+          </a:prstGeom>
+        </p:spPr>
+        <p:txBody>
+          <a:bodyPr wrap="none">
+            <a:spAutoFit/>
+          </a:bodyPr>
+          <a:lstStyle/>
+          <a:p>
+            <a:pPr>
+              <a:defRPr/>
+            </a:pPr>
+            <a:r>
+              <a:rPr lang="ko-KR" altLang="en-US" sz="1900" dirty="0" err="1"/>
+              <a:t>로샤</a:t>
+            </a:r>
+            <a:r>
+              <a:rPr lang="ko-KR" altLang="en-US" sz="1900" dirty="0"/>
+              <a:t> 테스트 </a:t>
+            </a:r>
+            <a:r>
+              <a:rPr lang="en-US" altLang="ko-KR" sz="1900" dirty="0"/>
+              <a:t>-2</a:t>
+            </a:r>
+            <a:r>
+              <a:rPr lang="ko-KR" altLang="en-US" sz="1900" dirty="0"/>
+              <a:t> </a:t>
+            </a:r>
+            <a:r>
+              <a:rPr lang="en-US" altLang="ko-KR" sz="1900" dirty="0"/>
+              <a:t>page</a:t>
+            </a:r>
+          </a:p>
+        </p:txBody>
+      </p:sp>
+      <p:sp>
+        <p:nvSpPr>
+          <p:cNvPr id="2" name="직사각형 1">
+            <a:extLst>
+              <a:ext uri="{FF2B5EF4-FFF2-40B4-BE49-F238E27FC236}">
+                <a16:creationId xmlns:a16="http://schemas.microsoft.com/office/drawing/2014/main" id="{B0601510-FB66-4E32-A992-A1CFB243EBC9}"/>
+              </a:ext>
+            </a:extLst>
+          </p:cNvPr>
+          <p:cNvSpPr/>
+          <p:nvPr/>
+        </p:nvSpPr>
+        <p:spPr>
+          <a:xfrm>
+            <a:off x="279669" y="866931"/>
+            <a:ext cx="11254446" cy="4524315"/>
+          </a:xfrm>
+          <a:prstGeom prst="rect">
+            <a:avLst/>
+          </a:prstGeom>
+        </p:spPr>
+        <p:txBody>
+          <a:bodyPr wrap="square">
+            <a:spAutoFit/>
+          </a:bodyPr>
+          <a:lstStyle/>
+          <a:p>
+            <a:r>
+              <a:rPr lang="ko-KR" altLang="en-US" dirty="0" err="1"/>
+              <a:t>로르샤흐</a:t>
+            </a:r>
+            <a:r>
+              <a:rPr lang="ko-KR" altLang="en-US" dirty="0"/>
+              <a:t> </a:t>
+            </a:r>
+            <a:r>
+              <a:rPr lang="en-US" altLang="ko-KR" dirty="0"/>
+              <a:t>– </a:t>
+            </a:r>
+            <a:r>
+              <a:rPr lang="ko-KR" altLang="en-US" dirty="0"/>
+              <a:t>헤르만 </a:t>
+            </a:r>
+            <a:r>
+              <a:rPr lang="ko-KR" altLang="en-US" dirty="0" err="1"/>
+              <a:t>로르샤흐에서</a:t>
+            </a:r>
+            <a:r>
+              <a:rPr lang="ko-KR" altLang="en-US" dirty="0"/>
+              <a:t> 이름을 </a:t>
+            </a:r>
+            <a:r>
+              <a:rPr lang="ko-KR" altLang="en-US" dirty="0" err="1"/>
+              <a:t>따옴</a:t>
+            </a:r>
+            <a:endParaRPr lang="en-US" altLang="ko-KR" dirty="0"/>
+          </a:p>
+          <a:p>
+            <a:endParaRPr lang="en-US" altLang="ko-KR" dirty="0"/>
+          </a:p>
+          <a:p>
+            <a:r>
+              <a:rPr lang="ko-KR" altLang="en-US" dirty="0" err="1"/>
+              <a:t>잉크반점검사</a:t>
+            </a:r>
+            <a:r>
+              <a:rPr lang="ko-KR" altLang="en-US" dirty="0"/>
+              <a:t> 역사</a:t>
+            </a:r>
+            <a:endParaRPr lang="en-US" altLang="ko-KR" dirty="0"/>
+          </a:p>
+          <a:p>
+            <a:endParaRPr lang="en-US" altLang="ko-KR" dirty="0"/>
+          </a:p>
+          <a:p>
+            <a:r>
+              <a:rPr lang="ko-KR" altLang="en-US" dirty="0" err="1"/>
+              <a:t>캐르너</a:t>
+            </a:r>
+            <a:r>
+              <a:rPr lang="ko-KR" altLang="en-US" dirty="0"/>
+              <a:t> </a:t>
+            </a:r>
+            <a:r>
+              <a:rPr lang="en-US" altLang="ko-KR" dirty="0"/>
+              <a:t>-&gt; </a:t>
+            </a:r>
+            <a:r>
+              <a:rPr lang="ko-KR" altLang="en-US" dirty="0"/>
+              <a:t>비네 헨리 </a:t>
+            </a:r>
+            <a:r>
+              <a:rPr lang="en-US" altLang="ko-KR" dirty="0"/>
+              <a:t>-&gt; </a:t>
+            </a:r>
+            <a:r>
+              <a:rPr lang="ko-KR" altLang="en-US" dirty="0" err="1"/>
+              <a:t>디어본</a:t>
+            </a:r>
+            <a:r>
+              <a:rPr lang="ko-KR" altLang="en-US" dirty="0"/>
+              <a:t> </a:t>
+            </a:r>
+            <a:r>
+              <a:rPr lang="en-US" altLang="ko-KR" dirty="0"/>
+              <a:t>-&gt; </a:t>
+            </a:r>
+            <a:r>
+              <a:rPr lang="ko-KR" altLang="en-US" dirty="0" err="1"/>
+              <a:t>위플</a:t>
+            </a:r>
+            <a:r>
+              <a:rPr lang="ko-KR" altLang="en-US" dirty="0"/>
+              <a:t> </a:t>
+            </a:r>
+            <a:r>
+              <a:rPr lang="en-US" altLang="ko-KR" dirty="0"/>
+              <a:t>-&gt;</a:t>
+            </a:r>
+            <a:r>
+              <a:rPr lang="ko-KR" altLang="en-US" dirty="0"/>
+              <a:t> </a:t>
+            </a:r>
+            <a:r>
+              <a:rPr lang="ko-KR" altLang="en-US" dirty="0" err="1"/>
+              <a:t>로르샤흐</a:t>
+            </a:r>
+            <a:endParaRPr lang="en-US" altLang="ko-KR" dirty="0"/>
+          </a:p>
+          <a:p>
+            <a:endParaRPr lang="en-US" altLang="ko-KR" dirty="0"/>
+          </a:p>
+          <a:p>
+            <a:r>
+              <a:rPr lang="en-US" altLang="ko-KR" dirty="0"/>
+              <a:t>1961</a:t>
+            </a:r>
+            <a:r>
+              <a:rPr lang="ko-KR" altLang="en-US" dirty="0"/>
+              <a:t>년 </a:t>
+            </a:r>
+            <a:r>
+              <a:rPr lang="ko-KR" altLang="en-US" dirty="0" err="1"/>
+              <a:t>에스너가</a:t>
+            </a:r>
+            <a:r>
+              <a:rPr lang="ko-KR" altLang="en-US" dirty="0"/>
+              <a:t> 개발한 </a:t>
+            </a:r>
+            <a:r>
+              <a:rPr lang="en-US" altLang="ko-KR" dirty="0"/>
+              <a:t>『</a:t>
+            </a:r>
+            <a:r>
+              <a:rPr lang="ko-KR" altLang="en-US" dirty="0" err="1"/>
+              <a:t>로샤</a:t>
+            </a:r>
+            <a:r>
+              <a:rPr lang="ko-KR" altLang="en-US" dirty="0"/>
+              <a:t> 종합체계</a:t>
+            </a:r>
+            <a:r>
+              <a:rPr lang="en-US" altLang="ko-KR" dirty="0"/>
+              <a:t>』</a:t>
+            </a:r>
+            <a:r>
+              <a:rPr lang="ko-KR" altLang="en-US" dirty="0"/>
+              <a:t>가 </a:t>
+            </a:r>
+            <a:r>
+              <a:rPr lang="en-US" altLang="ko-KR" dirty="0"/>
+              <a:t>1970</a:t>
+            </a:r>
+            <a:r>
+              <a:rPr lang="ko-KR" altLang="en-US" dirty="0"/>
+              <a:t>년 이후 표준화된 채점 체계로 사용됨</a:t>
+            </a:r>
+            <a:endParaRPr lang="en-US" altLang="ko-KR" dirty="0"/>
+          </a:p>
+          <a:p>
+            <a:endParaRPr lang="en-US" altLang="ko-KR" dirty="0"/>
+          </a:p>
+          <a:p>
+            <a:endParaRPr lang="en-US" altLang="ko-KR" dirty="0"/>
+          </a:p>
+          <a:p>
+            <a:r>
+              <a:rPr lang="ko-KR" altLang="en-US" dirty="0"/>
+              <a:t>구조화된 객관식 검사와는 다르게 투사기법을 사용한 검사</a:t>
+            </a:r>
+            <a:r>
+              <a:rPr lang="en-US" altLang="ko-KR" dirty="0"/>
+              <a:t>.</a:t>
+            </a:r>
+          </a:p>
+          <a:p>
+            <a:r>
+              <a:rPr lang="en-US" altLang="ko-KR" dirty="0"/>
+              <a:t>10</a:t>
+            </a:r>
+            <a:r>
+              <a:rPr lang="ko-KR" altLang="en-US" dirty="0"/>
+              <a:t>개의 잉크그림을 수검자에게 보여주고 각 그림이 어떻게 보이는지를 말하도록 함</a:t>
+            </a:r>
+            <a:endParaRPr lang="en-US" altLang="ko-KR" dirty="0"/>
+          </a:p>
+          <a:p>
+            <a:endParaRPr lang="en-US" altLang="ko-KR" dirty="0"/>
+          </a:p>
+          <a:p>
+            <a:r>
+              <a:rPr lang="ko-KR" altLang="en-US" dirty="0"/>
+              <a:t>수검자의  성격구조는 </a:t>
+            </a:r>
+            <a:r>
+              <a:rPr lang="en-US" altLang="ko-KR" dirty="0"/>
+              <a:t>Rorschach</a:t>
+            </a:r>
+            <a:r>
+              <a:rPr lang="ko-KR" altLang="en-US" dirty="0"/>
+              <a:t>그림의 모호한 자극을 통해 지각하고 인지하는 방식이나 반응을 구성함</a:t>
+            </a:r>
+            <a:endParaRPr lang="en-US" altLang="ko-KR" dirty="0"/>
+          </a:p>
+          <a:p>
+            <a:r>
+              <a:rPr lang="en-US" altLang="ko-KR" dirty="0"/>
+              <a:t>=&gt;</a:t>
+            </a:r>
+            <a:r>
+              <a:rPr lang="ko-KR" altLang="en-US" dirty="0"/>
+              <a:t>이렇기 때문에 수검자의 반응은 여러 성격유형이 투사된 것임 </a:t>
+            </a:r>
+            <a:r>
+              <a:rPr lang="en-US" altLang="ko-KR" dirty="0"/>
+              <a:t>– </a:t>
+            </a:r>
+            <a:r>
+              <a:rPr lang="ko-KR" altLang="en-US" dirty="0"/>
+              <a:t>내면갈등 및 방어기제와 관련됨 </a:t>
+            </a:r>
+            <a:endParaRPr lang="en-US" altLang="ko-KR" dirty="0"/>
+          </a:p>
+          <a:p>
+            <a:endParaRPr lang="en-US" altLang="ko-KR" dirty="0"/>
+          </a:p>
+          <a:p>
+            <a:endParaRPr lang="ko-KR" altLang="en-US" dirty="0"/>
+          </a:p>
+        </p:txBody>
+      </p:sp>
+    </p:spTree>
+    <p:extLst>
+      <p:ext uri="{BB962C8B-B14F-4D97-AF65-F5344CB8AC3E}">
+        <p14:creationId xmlns:p14="http://schemas.microsoft.com/office/powerpoint/2010/main" val="273146003"/>
+      </p:ext>
+    </p:extLst>
+  </p:cSld>
+  <p:clrMapOvr>
+    <a:masterClrMapping/>
+  </p:clrMapOvr>
+  <mc:AlternateContent xmlns:mc="http://schemas.openxmlformats.org/markup-compatibility/2006" xmlns:p14="http://schemas.microsoft.com/office/powerpoint/2010/main">
+    <mc:Choice Requires="p14">
+      <p:transition/>
+    </mc:Choice>
+    <mc:Fallback xmlns="" xmlns:c="http://schemas.openxmlformats.org/drawingml/2006/chart" xmlns:dgm="http://schemas.openxmlformats.org/drawingml/2006/diagram" xmlns:dsp="http://schemas.microsoft.com/office/drawing/2008/diagram">
+      <p:transition/>
+    </mc:Fallback>
+  </mc:AlternateContent>
+</p:sld>
+</file>
+
+<file path=ppt/slides/slide14.xml><?xml version="1.0" encoding="utf-8"?>
+<p:sld xmlns:a="http://schemas.openxmlformats.org/drawingml/2006/main" xmlns:r="http://schemas.openxmlformats.org/officeDocument/2006/relationships" xmlns:p="http://schemas.openxmlformats.org/presentationml/2006/main">
+  <p:cSld>
+    <p:spTree>
+      <p:nvGrpSpPr>
+        <p:cNvPr id="1" name=""/>
+        <p:cNvGrpSpPr/>
+        <p:nvPr/>
+      </p:nvGrpSpPr>
+      <p:grpSpPr>
+        <a:xfrm>
+          <a:off x="0" y="0"/>
+          <a:ext cx="0" cy="0"/>
+          <a:chOff x="0" y="0"/>
+          <a:chExt cx="0" cy="0"/>
+        </a:xfrm>
+      </p:grpSpPr>
+      <p:sp>
+        <p:nvSpPr>
+          <p:cNvPr id="27" name="TextBox 26"/>
+          <p:cNvSpPr txBox="1"/>
+          <p:nvPr/>
+        </p:nvSpPr>
+        <p:spPr>
+          <a:xfrm>
+            <a:off x="279669" y="277643"/>
+            <a:ext cx="2438232" cy="384721"/>
+          </a:xfrm>
+          <a:prstGeom prst="rect">
+            <a:avLst/>
+          </a:prstGeom>
+        </p:spPr>
+        <p:txBody>
+          <a:bodyPr wrap="none">
+            <a:spAutoFit/>
+          </a:bodyPr>
+          <a:lstStyle/>
+          <a:p>
+            <a:pPr>
+              <a:defRPr/>
+            </a:pPr>
+            <a:r>
+              <a:rPr lang="ko-KR" altLang="en-US" sz="1900" dirty="0" err="1"/>
+              <a:t>로샤</a:t>
+            </a:r>
+            <a:r>
+              <a:rPr lang="ko-KR" altLang="en-US" sz="1900" dirty="0"/>
+              <a:t> 테스트 </a:t>
+            </a:r>
+            <a:r>
+              <a:rPr lang="en-US" altLang="ko-KR" sz="1900" dirty="0"/>
+              <a:t>-3</a:t>
+            </a:r>
+            <a:r>
+              <a:rPr lang="ko-KR" altLang="en-US" sz="1900" dirty="0"/>
+              <a:t> </a:t>
+            </a:r>
+            <a:r>
+              <a:rPr lang="en-US" altLang="ko-KR" sz="1900" dirty="0"/>
+              <a:t>page</a:t>
+            </a:r>
+          </a:p>
+        </p:txBody>
+      </p:sp>
+      <p:sp>
+        <p:nvSpPr>
+          <p:cNvPr id="2" name="직사각형 1">
+            <a:extLst>
+              <a:ext uri="{FF2B5EF4-FFF2-40B4-BE49-F238E27FC236}">
+                <a16:creationId xmlns:a16="http://schemas.microsoft.com/office/drawing/2014/main" id="{B0601510-FB66-4E32-A992-A1CFB243EBC9}"/>
+              </a:ext>
+            </a:extLst>
+          </p:cNvPr>
+          <p:cNvSpPr/>
+          <p:nvPr/>
+        </p:nvSpPr>
+        <p:spPr>
+          <a:xfrm>
+            <a:off x="279669" y="866931"/>
+            <a:ext cx="11254446" cy="2031325"/>
+          </a:xfrm>
+          <a:prstGeom prst="rect">
+            <a:avLst/>
+          </a:prstGeom>
+        </p:spPr>
+        <p:txBody>
+          <a:bodyPr wrap="square">
+            <a:spAutoFit/>
+          </a:bodyPr>
+          <a:lstStyle/>
+          <a:p>
+            <a:r>
+              <a:rPr lang="ko-KR" altLang="en-US" b="1" dirty="0" err="1"/>
+              <a:t>로르샤흐테스트의</a:t>
+            </a:r>
+            <a:r>
+              <a:rPr lang="ko-KR" altLang="en-US" b="1" dirty="0"/>
+              <a:t> 목적</a:t>
+            </a:r>
+            <a:endParaRPr lang="en-US" altLang="ko-KR" b="1" dirty="0"/>
+          </a:p>
+          <a:p>
+            <a:r>
+              <a:rPr lang="ko-KR" altLang="en-US" dirty="0"/>
+              <a:t>검사를 통해서 수검자의 전반적인 성격구조인 어떤 성격의 특성과 욕구</a:t>
+            </a:r>
+            <a:r>
+              <a:rPr lang="en-US" altLang="ko-KR" dirty="0"/>
+              <a:t>, </a:t>
+            </a:r>
+            <a:r>
+              <a:rPr lang="ko-KR" altLang="en-US" dirty="0"/>
+              <a:t>등기</a:t>
+            </a:r>
+            <a:r>
+              <a:rPr lang="en-US" altLang="ko-KR" dirty="0"/>
+              <a:t>, </a:t>
+            </a:r>
+            <a:r>
+              <a:rPr lang="ko-KR" altLang="en-US" dirty="0"/>
+              <a:t>내면의 갈등을 평가해보려 하는 것</a:t>
+            </a:r>
+            <a:endParaRPr lang="en-US" altLang="ko-KR" dirty="0"/>
+          </a:p>
+          <a:p>
+            <a:endParaRPr lang="en-US" altLang="ko-KR" dirty="0"/>
+          </a:p>
+          <a:p>
+            <a:r>
+              <a:rPr lang="ko-KR" altLang="en-US" dirty="0"/>
+              <a:t>수검자의 성격구조는 잉크반점의 모호한 그림을 보고 그에 대한 반응을 만들어낼 때 자연스럽게 묻어나온다</a:t>
+            </a:r>
+            <a:endParaRPr lang="en-US" altLang="ko-KR" dirty="0"/>
+          </a:p>
+          <a:p>
+            <a:endParaRPr lang="en-US" altLang="ko-KR" dirty="0"/>
+          </a:p>
+          <a:p>
+            <a:endParaRPr lang="ko-KR" altLang="en-US" dirty="0"/>
+          </a:p>
+        </p:txBody>
+      </p:sp>
+      <p:pic>
+        <p:nvPicPr>
+          <p:cNvPr id="4" name="그림 3">
+            <a:extLst>
+              <a:ext uri="{FF2B5EF4-FFF2-40B4-BE49-F238E27FC236}">
+                <a16:creationId xmlns:a16="http://schemas.microsoft.com/office/drawing/2014/main" id="{93BCB081-5C1F-4973-8900-BF1B8F49F1F7}"/>
+              </a:ext>
+            </a:extLst>
+          </p:cNvPr>
+          <p:cNvPicPr>
+            <a:picLocks noChangeAspect="1"/>
+          </p:cNvPicPr>
+          <p:nvPr/>
+        </p:nvPicPr>
+        <p:blipFill>
+          <a:blip r:embed="rId3">
+            <a:extLst>
+              <a:ext uri="{28A0092B-C50C-407E-A947-70E740481C1C}">
+                <a14:useLocalDpi xmlns:a14="http://schemas.microsoft.com/office/drawing/2010/main" val="0"/>
+              </a:ext>
+            </a:extLst>
+          </a:blip>
+          <a:stretch>
+            <a:fillRect/>
+          </a:stretch>
+        </p:blipFill>
+        <p:spPr>
+          <a:xfrm>
+            <a:off x="4554198" y="3757188"/>
+            <a:ext cx="2128014" cy="2128014"/>
+          </a:xfrm>
+          <a:prstGeom prst="rect">
+            <a:avLst/>
+          </a:prstGeom>
+        </p:spPr>
+      </p:pic>
+      <p:sp>
+        <p:nvSpPr>
+          <p:cNvPr id="5" name="직사각형 4">
+            <a:extLst>
+              <a:ext uri="{FF2B5EF4-FFF2-40B4-BE49-F238E27FC236}">
+                <a16:creationId xmlns:a16="http://schemas.microsoft.com/office/drawing/2014/main" id="{66DAEDBB-D2A9-4DAA-8E0E-667D434A0310}"/>
+              </a:ext>
+            </a:extLst>
+          </p:cNvPr>
+          <p:cNvSpPr/>
+          <p:nvPr/>
+        </p:nvSpPr>
+        <p:spPr>
+          <a:xfrm>
+            <a:off x="1059256" y="2895740"/>
+            <a:ext cx="2128014" cy="1195058"/>
+          </a:xfrm>
+          <a:prstGeom prst="rect">
+            <a:avLst/>
+          </a:prstGeom>
+          <a:solidFill>
+            <a:schemeClr val="bg1"/>
+          </a:solidFill>
+          <a:ln>
+            <a:solidFill>
+              <a:schemeClr val="tx1"/>
+            </a:solidFill>
+          </a:ln>
+        </p:spPr>
+        <p:style>
+          <a:lnRef idx="2">
+            <a:schemeClr val="accent1">
+              <a:shade val="50000"/>
+            </a:schemeClr>
+          </a:lnRef>
+          <a:fillRef idx="1">
+            <a:schemeClr val="accent1"/>
+          </a:fillRef>
+          <a:effectRef idx="0">
+            <a:schemeClr val="accent1"/>
+          </a:effectRef>
+          <a:fontRef idx="minor">
+            <a:schemeClr val="lt1"/>
+          </a:fontRef>
+        </p:style>
+        <p:txBody>
+          <a:bodyPr rtlCol="0" anchor="ctr"/>
+          <a:lstStyle/>
+          <a:p>
+            <a:pPr algn="ctr"/>
+            <a:r>
+              <a:rPr lang="ko-KR" altLang="en-US" dirty="0">
+                <a:solidFill>
+                  <a:schemeClr val="tx1"/>
+                </a:solidFill>
+              </a:rPr>
+              <a:t>모호한</a:t>
+            </a:r>
+            <a:r>
+              <a:rPr lang="en-US" altLang="ko-KR" dirty="0">
+                <a:solidFill>
+                  <a:schemeClr val="tx1"/>
+                </a:solidFill>
+              </a:rPr>
+              <a:t> </a:t>
+            </a:r>
+            <a:r>
+              <a:rPr lang="ko-KR" altLang="en-US" dirty="0">
+                <a:solidFill>
+                  <a:schemeClr val="tx1"/>
+                </a:solidFill>
+              </a:rPr>
+              <a:t>자극</a:t>
+            </a:r>
+            <a:endParaRPr lang="en-US" altLang="ko-KR" dirty="0">
+              <a:solidFill>
+                <a:schemeClr val="tx1"/>
+              </a:solidFill>
+            </a:endParaRPr>
+          </a:p>
+          <a:p>
+            <a:pPr algn="ctr"/>
+            <a:r>
+              <a:rPr lang="ko-KR" altLang="en-US" dirty="0">
+                <a:solidFill>
+                  <a:schemeClr val="tx1"/>
+                </a:solidFill>
+              </a:rPr>
+              <a:t> </a:t>
+            </a:r>
+            <a:endParaRPr lang="en-US" altLang="ko-KR" dirty="0">
+              <a:solidFill>
+                <a:schemeClr val="tx1"/>
+              </a:solidFill>
+            </a:endParaRPr>
+          </a:p>
+          <a:p>
+            <a:pPr algn="ctr"/>
+            <a:r>
+              <a:rPr lang="ko-KR" altLang="en-US" dirty="0">
+                <a:solidFill>
+                  <a:schemeClr val="tx1"/>
+                </a:solidFill>
+              </a:rPr>
+              <a:t>비 구조화된 </a:t>
+            </a:r>
+            <a:br>
+              <a:rPr lang="en-US" altLang="ko-KR" dirty="0">
+                <a:solidFill>
+                  <a:schemeClr val="tx1"/>
+                </a:solidFill>
+              </a:rPr>
+            </a:br>
+            <a:r>
+              <a:rPr lang="ko-KR" altLang="en-US" dirty="0">
+                <a:solidFill>
+                  <a:schemeClr val="tx1"/>
+                </a:solidFill>
+              </a:rPr>
+              <a:t>자극자료</a:t>
+            </a:r>
+          </a:p>
+        </p:txBody>
+      </p:sp>
+      <p:sp>
+        <p:nvSpPr>
+          <p:cNvPr id="7" name="직사각형 6">
+            <a:extLst>
+              <a:ext uri="{FF2B5EF4-FFF2-40B4-BE49-F238E27FC236}">
+                <a16:creationId xmlns:a16="http://schemas.microsoft.com/office/drawing/2014/main" id="{F7941533-3F14-49D5-A9A7-B505AD2A97E7}"/>
+              </a:ext>
+            </a:extLst>
+          </p:cNvPr>
+          <p:cNvSpPr/>
+          <p:nvPr/>
+        </p:nvSpPr>
+        <p:spPr>
+          <a:xfrm>
+            <a:off x="4354717" y="2503283"/>
+            <a:ext cx="2128014" cy="1195058"/>
+          </a:xfrm>
+          <a:prstGeom prst="rect">
+            <a:avLst/>
+          </a:prstGeom>
+          <a:solidFill>
+            <a:schemeClr val="bg1"/>
+          </a:solidFill>
+          <a:ln>
+            <a:solidFill>
+              <a:schemeClr val="tx1"/>
+            </a:solidFill>
+          </a:ln>
+        </p:spPr>
+        <p:style>
+          <a:lnRef idx="2">
+            <a:schemeClr val="accent1">
+              <a:shade val="50000"/>
+            </a:schemeClr>
+          </a:lnRef>
+          <a:fillRef idx="1">
+            <a:schemeClr val="accent1"/>
+          </a:fillRef>
+          <a:effectRef idx="0">
+            <a:schemeClr val="accent1"/>
+          </a:effectRef>
+          <a:fontRef idx="minor">
+            <a:schemeClr val="lt1"/>
+          </a:fontRef>
+        </p:style>
+        <p:txBody>
+          <a:bodyPr rtlCol="0" anchor="ctr"/>
+          <a:lstStyle/>
+          <a:p>
+            <a:pPr algn="ctr"/>
+            <a:r>
+              <a:rPr lang="ko-KR" altLang="en-US">
+                <a:solidFill>
+                  <a:schemeClr val="tx1"/>
+                </a:solidFill>
+              </a:rPr>
+              <a:t>기억간 대조를 통해 반응이 인출됨</a:t>
+            </a:r>
+            <a:endParaRPr lang="ko-KR" altLang="en-US" dirty="0">
+              <a:solidFill>
+                <a:schemeClr val="tx1"/>
+              </a:solidFill>
+            </a:endParaRPr>
+          </a:p>
+        </p:txBody>
+      </p:sp>
+      <p:sp>
+        <p:nvSpPr>
+          <p:cNvPr id="8" name="직사각형 7">
+            <a:extLst>
+              <a:ext uri="{FF2B5EF4-FFF2-40B4-BE49-F238E27FC236}">
+                <a16:creationId xmlns:a16="http://schemas.microsoft.com/office/drawing/2014/main" id="{3F4F4619-A85F-41E2-BEBA-67D494DA9FAB}"/>
+              </a:ext>
+            </a:extLst>
+          </p:cNvPr>
+          <p:cNvSpPr/>
+          <p:nvPr/>
+        </p:nvSpPr>
+        <p:spPr>
+          <a:xfrm>
+            <a:off x="7616982" y="2831471"/>
+            <a:ext cx="2128014" cy="1195058"/>
+          </a:xfrm>
+          <a:prstGeom prst="rect">
+            <a:avLst/>
+          </a:prstGeom>
+          <a:solidFill>
+            <a:schemeClr val="bg1"/>
+          </a:solidFill>
+          <a:ln>
+            <a:solidFill>
+              <a:schemeClr val="tx1"/>
+            </a:solidFill>
+          </a:ln>
+        </p:spPr>
+        <p:style>
+          <a:lnRef idx="2">
+            <a:schemeClr val="accent1">
+              <a:shade val="50000"/>
+            </a:schemeClr>
+          </a:lnRef>
+          <a:fillRef idx="1">
+            <a:schemeClr val="accent1"/>
+          </a:fillRef>
+          <a:effectRef idx="0">
+            <a:schemeClr val="accent1"/>
+          </a:effectRef>
+          <a:fontRef idx="minor">
+            <a:schemeClr val="lt1"/>
+          </a:fontRef>
+        </p:style>
+        <p:txBody>
+          <a:bodyPr rtlCol="0" anchor="ctr"/>
+          <a:lstStyle/>
+          <a:p>
+            <a:pPr algn="ctr"/>
+            <a:r>
+              <a:rPr lang="ko-KR" altLang="en-US" dirty="0">
+                <a:solidFill>
+                  <a:schemeClr val="tx1"/>
+                </a:solidFill>
+              </a:rPr>
+              <a:t>반응을 통해 </a:t>
+            </a:r>
+            <a:br>
+              <a:rPr lang="en-US" altLang="ko-KR" dirty="0">
+                <a:solidFill>
+                  <a:schemeClr val="tx1"/>
+                </a:solidFill>
+              </a:rPr>
+            </a:br>
+            <a:r>
+              <a:rPr lang="ko-KR" altLang="en-US" dirty="0">
+                <a:solidFill>
+                  <a:schemeClr val="tx1"/>
+                </a:solidFill>
+              </a:rPr>
+              <a:t>개인의 경험구조를 엿볼 수 있음 </a:t>
+            </a:r>
+          </a:p>
+        </p:txBody>
+      </p:sp>
+      <p:sp>
+        <p:nvSpPr>
+          <p:cNvPr id="9" name="직사각형 8">
+            <a:extLst>
+              <a:ext uri="{FF2B5EF4-FFF2-40B4-BE49-F238E27FC236}">
+                <a16:creationId xmlns:a16="http://schemas.microsoft.com/office/drawing/2014/main" id="{7BD8DEF5-5BF3-4D09-8C39-6D8A50936C6C}"/>
+              </a:ext>
+            </a:extLst>
+          </p:cNvPr>
+          <p:cNvSpPr/>
+          <p:nvPr/>
+        </p:nvSpPr>
+        <p:spPr>
+          <a:xfrm>
+            <a:off x="8464296" y="3298784"/>
+            <a:ext cx="969416" cy="289339"/>
+          </a:xfrm>
+          <a:prstGeom prst="rect">
+            <a:avLst/>
+          </a:prstGeom>
+          <a:noFill/>
+          <a:ln w="28575" cap="flat" cmpd="sng" algn="ctr">
+            <a:solidFill>
+              <a:srgbClr val="FF0000">
+                <a:alpha val="100000"/>
+              </a:srgbClr>
+            </a:solidFill>
+            <a:prstDash val="solid"/>
+            <a:miter/>
+          </a:ln>
+        </p:spPr>
+        <p:txBody>
+          <a:bodyPr anchor="ctr"/>
+          <a:lstStyle/>
+          <a:p>
+            <a:pPr marL="0" indent="0" algn="ctr" defTabSz="914400" rtl="0" eaLnBrk="1" latinLnBrk="1" hangingPunct="1">
+              <a:lnSpc>
+                <a:spcPct val="100000"/>
+              </a:lnSpc>
+              <a:spcBef>
+                <a:spcPct val="0"/>
+              </a:spcBef>
+              <a:spcAft>
+                <a:spcPts val="0"/>
+              </a:spcAft>
+              <a:buNone/>
+              <a:defRPr/>
+            </a:pPr>
+            <a:endParaRPr lang="ko-KR" altLang="en-US">
+              <a:effectLst/>
+              <a:latin typeface="함초롬돋움"/>
+            </a:endParaRPr>
+          </a:p>
+        </p:txBody>
+      </p:sp>
+      <p:sp>
+        <p:nvSpPr>
+          <p:cNvPr id="10" name="직사각형 9">
+            <a:extLst>
+              <a:ext uri="{FF2B5EF4-FFF2-40B4-BE49-F238E27FC236}">
+                <a16:creationId xmlns:a16="http://schemas.microsoft.com/office/drawing/2014/main" id="{A604AF76-A6BE-4F82-A011-A7E8473002BA}"/>
+              </a:ext>
+            </a:extLst>
+          </p:cNvPr>
+          <p:cNvSpPr/>
+          <p:nvPr/>
+        </p:nvSpPr>
+        <p:spPr>
+          <a:xfrm>
+            <a:off x="9744996" y="3218791"/>
+            <a:ext cx="2194832" cy="369332"/>
+          </a:xfrm>
+          <a:prstGeom prst="rect">
+            <a:avLst/>
+          </a:prstGeom>
+        </p:spPr>
+        <p:txBody>
+          <a:bodyPr wrap="none">
+            <a:spAutoFit/>
+          </a:bodyPr>
+          <a:lstStyle/>
+          <a:p>
+            <a:pPr>
+              <a:defRPr/>
+            </a:pPr>
+            <a:r>
+              <a:rPr lang="ko-KR" altLang="en-US" dirty="0">
+                <a:solidFill>
+                  <a:srgbClr val="FF0000"/>
+                </a:solidFill>
+              </a:rPr>
+              <a:t>의미적 심상을 함축</a:t>
+            </a:r>
+          </a:p>
+        </p:txBody>
+      </p:sp>
+      <p:sp>
+        <p:nvSpPr>
+          <p:cNvPr id="6" name="화살표: 오른쪽 5">
+            <a:extLst>
+              <a:ext uri="{FF2B5EF4-FFF2-40B4-BE49-F238E27FC236}">
+                <a16:creationId xmlns:a16="http://schemas.microsoft.com/office/drawing/2014/main" id="{C3559A2A-B4B0-4C6F-B5C1-1BF4CE063811}"/>
+              </a:ext>
+            </a:extLst>
+          </p:cNvPr>
+          <p:cNvSpPr/>
+          <p:nvPr/>
+        </p:nvSpPr>
+        <p:spPr>
+          <a:xfrm>
+            <a:off x="3511527" y="3077620"/>
+            <a:ext cx="578972" cy="441356"/>
+          </a:xfrm>
+          <a:prstGeom prst="rightArrow">
+            <a:avLst/>
+          </a:prstGeom>
+        </p:spPr>
+        <p:style>
+          <a:lnRef idx="2">
+            <a:schemeClr val="dk1">
+              <a:shade val="50000"/>
+            </a:schemeClr>
+          </a:lnRef>
+          <a:fillRef idx="1">
+            <a:schemeClr val="dk1"/>
+          </a:fillRef>
+          <a:effectRef idx="0">
+            <a:schemeClr val="dk1"/>
+          </a:effectRef>
+          <a:fontRef idx="minor">
+            <a:schemeClr val="lt1"/>
+          </a:fontRef>
+        </p:style>
+        <p:txBody>
+          <a:bodyPr rtlCol="0" anchor="ctr"/>
+          <a:lstStyle/>
+          <a:p>
+            <a:pPr algn="ctr"/>
+            <a:endParaRPr lang="ko-KR" altLang="en-US"/>
+          </a:p>
+        </p:txBody>
+      </p:sp>
+      <p:sp>
+        <p:nvSpPr>
+          <p:cNvPr id="12" name="화살표: 오른쪽 11">
+            <a:extLst>
+              <a:ext uri="{FF2B5EF4-FFF2-40B4-BE49-F238E27FC236}">
+                <a16:creationId xmlns:a16="http://schemas.microsoft.com/office/drawing/2014/main" id="{E26135A8-7478-4557-97F3-3E17AB34F7C2}"/>
+              </a:ext>
+            </a:extLst>
+          </p:cNvPr>
+          <p:cNvSpPr/>
+          <p:nvPr/>
+        </p:nvSpPr>
+        <p:spPr>
+          <a:xfrm>
+            <a:off x="6798318" y="3077620"/>
+            <a:ext cx="578972" cy="441356"/>
+          </a:xfrm>
+          <a:prstGeom prst="rightArrow">
+            <a:avLst/>
+          </a:prstGeom>
+        </p:spPr>
+        <p:style>
+          <a:lnRef idx="2">
+            <a:schemeClr val="dk1">
+              <a:shade val="50000"/>
+            </a:schemeClr>
+          </a:lnRef>
+          <a:fillRef idx="1">
+            <a:schemeClr val="dk1"/>
+          </a:fillRef>
+          <a:effectRef idx="0">
+            <a:schemeClr val="dk1"/>
+          </a:effectRef>
+          <a:fontRef idx="minor">
+            <a:schemeClr val="lt1"/>
+          </a:fontRef>
+        </p:style>
+        <p:txBody>
+          <a:bodyPr rtlCol="0" anchor="ctr"/>
+          <a:lstStyle/>
+          <a:p>
+            <a:pPr algn="ctr"/>
+            <a:endParaRPr lang="ko-KR" altLang="en-US"/>
+          </a:p>
+        </p:txBody>
+      </p:sp>
+    </p:spTree>
+    <p:extLst>
+      <p:ext uri="{BB962C8B-B14F-4D97-AF65-F5344CB8AC3E}">
+        <p14:creationId xmlns:p14="http://schemas.microsoft.com/office/powerpoint/2010/main" val="3302879037"/>
+      </p:ext>
+    </p:extLst>
+  </p:cSld>
+  <p:clrMapOvr>
+    <a:masterClrMapping/>
+  </p:clrMapOvr>
+  <mc:AlternateContent xmlns:mc="http://schemas.openxmlformats.org/markup-compatibility/2006" xmlns:p14="http://schemas.microsoft.com/office/powerpoint/2010/main">
+    <mc:Choice Requires="p14">
+      <p:transition/>
+    </mc:Choice>
+    <mc:Fallback xmlns="" xmlns:c="http://schemas.openxmlformats.org/drawingml/2006/chart" xmlns:dgm="http://schemas.openxmlformats.org/drawingml/2006/diagram" xmlns:dsp="http://schemas.microsoft.com/office/drawing/2008/diagram">
+      <p:transition/>
+    </mc:Fallback>
+  </mc:AlternateContent>
+</p:sld>
+</file>
+
+<file path=ppt/slides/slide15.xml><?xml version="1.0" encoding="utf-8"?>
+<p:sld xmlns:a="http://schemas.openxmlformats.org/drawingml/2006/main" xmlns:r="http://schemas.openxmlformats.org/officeDocument/2006/relationships" xmlns:p="http://schemas.openxmlformats.org/presentationml/2006/main">
+  <p:cSld>
+    <p:spTree>
+      <p:nvGrpSpPr>
+        <p:cNvPr id="1" name=""/>
+        <p:cNvGrpSpPr/>
+        <p:nvPr/>
+      </p:nvGrpSpPr>
+      <p:grpSpPr>
+        <a:xfrm>
+          <a:off x="0" y="0"/>
+          <a:ext cx="0" cy="0"/>
+          <a:chOff x="0" y="0"/>
+          <a:chExt cx="0" cy="0"/>
+        </a:xfrm>
+      </p:grpSpPr>
+      <p:sp>
+        <p:nvSpPr>
+          <p:cNvPr id="27" name="TextBox 26"/>
+          <p:cNvSpPr txBox="1"/>
+          <p:nvPr/>
+        </p:nvSpPr>
+        <p:spPr>
+          <a:xfrm>
+            <a:off x="279669" y="277643"/>
+            <a:ext cx="2438232" cy="384721"/>
+          </a:xfrm>
+          <a:prstGeom prst="rect">
+            <a:avLst/>
+          </a:prstGeom>
+        </p:spPr>
+        <p:txBody>
+          <a:bodyPr wrap="none">
+            <a:spAutoFit/>
+          </a:bodyPr>
+          <a:lstStyle/>
+          <a:p>
+            <a:pPr>
+              <a:defRPr/>
+            </a:pPr>
+            <a:r>
+              <a:rPr lang="ko-KR" altLang="en-US" sz="1900" dirty="0" err="1"/>
+              <a:t>로샤</a:t>
+            </a:r>
+            <a:r>
+              <a:rPr lang="ko-KR" altLang="en-US" sz="1900" dirty="0"/>
+              <a:t> 테스트 </a:t>
+            </a:r>
+            <a:r>
+              <a:rPr lang="en-US" altLang="ko-KR" sz="1900" dirty="0"/>
+              <a:t>-4</a:t>
+            </a:r>
+            <a:r>
+              <a:rPr lang="ko-KR" altLang="en-US" sz="1900" dirty="0"/>
+              <a:t> </a:t>
+            </a:r>
+            <a:r>
+              <a:rPr lang="en-US" altLang="ko-KR" sz="1900" dirty="0"/>
+              <a:t>page</a:t>
+            </a:r>
+          </a:p>
+        </p:txBody>
+      </p:sp>
+      <p:sp>
+        <p:nvSpPr>
+          <p:cNvPr id="2" name="직사각형 1">
+            <a:extLst>
+              <a:ext uri="{FF2B5EF4-FFF2-40B4-BE49-F238E27FC236}">
+                <a16:creationId xmlns:a16="http://schemas.microsoft.com/office/drawing/2014/main" id="{B0601510-FB66-4E32-A992-A1CFB243EBC9}"/>
+              </a:ext>
+            </a:extLst>
+          </p:cNvPr>
+          <p:cNvSpPr/>
+          <p:nvPr/>
+        </p:nvSpPr>
+        <p:spPr>
+          <a:xfrm>
+            <a:off x="279669" y="866931"/>
+            <a:ext cx="11254446" cy="1754326"/>
+          </a:xfrm>
+          <a:prstGeom prst="rect">
+            <a:avLst/>
+          </a:prstGeom>
+        </p:spPr>
+        <p:txBody>
+          <a:bodyPr wrap="square">
+            <a:spAutoFit/>
+          </a:bodyPr>
+          <a:lstStyle/>
+          <a:p>
+            <a:r>
+              <a:rPr lang="ko-KR" altLang="en-US"/>
+              <a:t>로르샤흐 테스트의 장점</a:t>
+            </a:r>
+            <a:endParaRPr lang="en-US" altLang="ko-KR"/>
+          </a:p>
+          <a:p>
+            <a:endParaRPr lang="en-US" altLang="ko-KR"/>
+          </a:p>
+          <a:p>
+            <a:pPr marL="342900" indent="-342900">
+              <a:buAutoNum type="arabicPeriod"/>
+            </a:pPr>
+            <a:r>
+              <a:rPr lang="ko-KR" altLang="en-US"/>
+              <a:t>다양한 자극 표현이 가능함</a:t>
+            </a:r>
+            <a:br>
+              <a:rPr lang="en-US" altLang="ko-KR"/>
+            </a:br>
+            <a:r>
+              <a:rPr lang="ko-KR" altLang="en-US"/>
+              <a:t>개인의 독특한 심리적 특성을 이해하는데 유용</a:t>
+            </a:r>
+            <a:endParaRPr lang="en-US" altLang="ko-KR"/>
+          </a:p>
+          <a:p>
+            <a:pPr marL="342900" indent="-342900">
+              <a:buAutoNum type="arabicPeriod"/>
+            </a:pPr>
+            <a:r>
+              <a:rPr lang="ko-KR" altLang="en-US"/>
+              <a:t>자극 내용이 불분명함</a:t>
+            </a:r>
+            <a:br>
+              <a:rPr lang="en-US" altLang="ko-KR"/>
+            </a:br>
+            <a:r>
+              <a:rPr lang="ko-KR" altLang="en-US"/>
+              <a:t>방어적 반응을 어느정도 차단할 수 있음</a:t>
+            </a:r>
+            <a:endParaRPr lang="en-US" altLang="ko-KR" dirty="0"/>
+          </a:p>
+        </p:txBody>
+      </p:sp>
+      <p:sp>
+        <p:nvSpPr>
+          <p:cNvPr id="13" name="직사각형 12">
+            <a:extLst>
+              <a:ext uri="{FF2B5EF4-FFF2-40B4-BE49-F238E27FC236}">
+                <a16:creationId xmlns:a16="http://schemas.microsoft.com/office/drawing/2014/main" id="{B19E6C44-06E1-49A9-8123-C78D2B3A7BD8}"/>
+              </a:ext>
+            </a:extLst>
+          </p:cNvPr>
+          <p:cNvSpPr/>
+          <p:nvPr/>
+        </p:nvSpPr>
+        <p:spPr>
+          <a:xfrm>
+            <a:off x="697117" y="2299027"/>
+            <a:ext cx="1222218" cy="289339"/>
+          </a:xfrm>
+          <a:prstGeom prst="rect">
+            <a:avLst/>
+          </a:prstGeom>
+          <a:noFill/>
+          <a:ln w="28575" cap="flat" cmpd="sng" algn="ctr">
+            <a:solidFill>
+              <a:srgbClr val="FF0000">
+                <a:alpha val="100000"/>
+              </a:srgbClr>
+            </a:solidFill>
+            <a:prstDash val="solid"/>
+            <a:miter/>
+          </a:ln>
+        </p:spPr>
+        <p:txBody>
+          <a:bodyPr anchor="ctr"/>
+          <a:lstStyle/>
+          <a:p>
+            <a:pPr marL="0" indent="0" algn="ctr" defTabSz="914400" rtl="0" eaLnBrk="1" latinLnBrk="1" hangingPunct="1">
+              <a:lnSpc>
+                <a:spcPct val="100000"/>
+              </a:lnSpc>
+              <a:spcBef>
+                <a:spcPct val="0"/>
+              </a:spcBef>
+              <a:spcAft>
+                <a:spcPts val="0"/>
+              </a:spcAft>
+              <a:buNone/>
+              <a:defRPr/>
+            </a:pPr>
+            <a:endParaRPr lang="ko-KR" altLang="en-US">
+              <a:effectLst/>
+              <a:latin typeface="함초롬돋움"/>
+            </a:endParaRPr>
+          </a:p>
+        </p:txBody>
+      </p:sp>
+      <p:sp>
+        <p:nvSpPr>
+          <p:cNvPr id="3" name="직사각형 2">
+            <a:extLst>
+              <a:ext uri="{FF2B5EF4-FFF2-40B4-BE49-F238E27FC236}">
+                <a16:creationId xmlns:a16="http://schemas.microsoft.com/office/drawing/2014/main" id="{E69DC823-B95D-40A6-8799-B172207DE6A6}"/>
+              </a:ext>
+            </a:extLst>
+          </p:cNvPr>
+          <p:cNvSpPr/>
+          <p:nvPr/>
+        </p:nvSpPr>
+        <p:spPr>
+          <a:xfrm>
+            <a:off x="523069" y="2588366"/>
+            <a:ext cx="4435830" cy="369332"/>
+          </a:xfrm>
+          <a:prstGeom prst="rect">
+            <a:avLst/>
+          </a:prstGeom>
+        </p:spPr>
+        <p:txBody>
+          <a:bodyPr wrap="none">
+            <a:spAutoFit/>
+          </a:bodyPr>
+          <a:lstStyle/>
+          <a:p>
+            <a:pPr>
+              <a:defRPr/>
+            </a:pPr>
+            <a:r>
+              <a:rPr lang="ko-KR" altLang="en-US" dirty="0">
+                <a:solidFill>
+                  <a:srgbClr val="FF0000"/>
+                </a:solidFill>
+              </a:rPr>
+              <a:t>사회적으로 바람직한 답변을 하려는 마음</a:t>
+            </a:r>
+          </a:p>
+        </p:txBody>
+      </p:sp>
+      <p:sp>
+        <p:nvSpPr>
+          <p:cNvPr id="11" name="직사각형 10">
+            <a:extLst>
+              <a:ext uri="{FF2B5EF4-FFF2-40B4-BE49-F238E27FC236}">
+                <a16:creationId xmlns:a16="http://schemas.microsoft.com/office/drawing/2014/main" id="{49169208-066A-4779-B907-6363794BD33F}"/>
+              </a:ext>
+            </a:extLst>
+          </p:cNvPr>
+          <p:cNvSpPr/>
+          <p:nvPr/>
+        </p:nvSpPr>
+        <p:spPr>
+          <a:xfrm>
+            <a:off x="279669" y="3438638"/>
+            <a:ext cx="8768747" cy="923330"/>
+          </a:xfrm>
+          <a:prstGeom prst="rect">
+            <a:avLst/>
+          </a:prstGeom>
+        </p:spPr>
+        <p:txBody>
+          <a:bodyPr wrap="none">
+            <a:spAutoFit/>
+          </a:bodyPr>
+          <a:lstStyle/>
+          <a:p>
+            <a:r>
+              <a:rPr lang="ko-KR" altLang="en-US" dirty="0"/>
+              <a:t>잉크반점이 기억속에 저장된 이미지들과 반드시 일치하지 않는다는 것을 지각하고 </a:t>
+            </a:r>
+            <a:endParaRPr lang="en-US" altLang="ko-KR" dirty="0"/>
+          </a:p>
+          <a:p>
+            <a:r>
+              <a:rPr lang="ko-KR" altLang="en-US" dirty="0"/>
+              <a:t>비교적 비슷한 심상으로 </a:t>
+            </a:r>
+            <a:r>
+              <a:rPr lang="ko-KR" altLang="en-US" dirty="0" err="1"/>
+              <a:t>연상하게됨</a:t>
+            </a:r>
+            <a:endParaRPr lang="en-US" altLang="ko-KR" dirty="0"/>
+          </a:p>
+          <a:p>
+            <a:r>
+              <a:rPr lang="en-US" altLang="ko-KR" dirty="0"/>
+              <a:t>-&gt;</a:t>
+            </a:r>
+            <a:r>
+              <a:rPr lang="ko-KR" altLang="en-US" dirty="0"/>
+              <a:t>여기서 개인차 </a:t>
+            </a:r>
+            <a:r>
+              <a:rPr lang="en-US" altLang="ko-KR" dirty="0"/>
+              <a:t>+ </a:t>
+            </a:r>
+            <a:r>
+              <a:rPr lang="ko-KR" altLang="en-US" dirty="0"/>
+              <a:t>다양한 반응이 추가됨</a:t>
+            </a:r>
+          </a:p>
+        </p:txBody>
+      </p:sp>
+    </p:spTree>
+    <p:extLst>
+      <p:ext uri="{BB962C8B-B14F-4D97-AF65-F5344CB8AC3E}">
+        <p14:creationId xmlns:p14="http://schemas.microsoft.com/office/powerpoint/2010/main" val="1777164366"/>
+      </p:ext>
+    </p:extLst>
+  </p:cSld>
+  <p:clrMapOvr>
+    <a:masterClrMapping/>
+  </p:clrMapOvr>
+  <mc:AlternateContent xmlns:mc="http://schemas.openxmlformats.org/markup-compatibility/2006" xmlns:p14="http://schemas.microsoft.com/office/powerpoint/2010/main">
+    <mc:Choice Requires="p14">
+      <p:transition/>
+    </mc:Choice>
+    <mc:Fallback xmlns="" xmlns:c="http://schemas.openxmlformats.org/drawingml/2006/chart" xmlns:dgm="http://schemas.openxmlformats.org/drawingml/2006/diagram" xmlns:dsp="http://schemas.microsoft.com/office/drawing/2008/diagram">
+      <p:transition/>
+    </mc:Fallback>
+  </mc:AlternateContent>
+</p:sld>
+</file>
+
+<file path=ppt/slides/slide16.xml><?xml version="1.0" encoding="utf-8"?>
+<p:sld xmlns:a="http://schemas.openxmlformats.org/drawingml/2006/main" xmlns:r="http://schemas.openxmlformats.org/officeDocument/2006/relationships" xmlns:p="http://schemas.openxmlformats.org/presentationml/2006/main">
+  <p:cSld>
+    <p:spTree>
+      <p:nvGrpSpPr>
+        <p:cNvPr id="1" name=""/>
+        <p:cNvGrpSpPr/>
+        <p:nvPr/>
+      </p:nvGrpSpPr>
+      <p:grpSpPr>
+        <a:xfrm>
+          <a:off x="0" y="0"/>
+          <a:ext cx="0" cy="0"/>
+          <a:chOff x="0" y="0"/>
+          <a:chExt cx="0" cy="0"/>
+        </a:xfrm>
+      </p:grpSpPr>
+      <p:sp>
+        <p:nvSpPr>
+          <p:cNvPr id="27" name="TextBox 26"/>
+          <p:cNvSpPr txBox="1"/>
+          <p:nvPr/>
+        </p:nvSpPr>
+        <p:spPr>
+          <a:xfrm>
+            <a:off x="279669" y="277643"/>
+            <a:ext cx="2438232" cy="384721"/>
+          </a:xfrm>
+          <a:prstGeom prst="rect">
+            <a:avLst/>
+          </a:prstGeom>
+        </p:spPr>
+        <p:txBody>
+          <a:bodyPr wrap="none">
+            <a:spAutoFit/>
+          </a:bodyPr>
+          <a:lstStyle/>
+          <a:p>
+            <a:pPr>
+              <a:defRPr/>
+            </a:pPr>
+            <a:r>
+              <a:rPr lang="ko-KR" altLang="en-US" sz="1900" dirty="0" err="1"/>
+              <a:t>로샤</a:t>
+            </a:r>
+            <a:r>
+              <a:rPr lang="ko-KR" altLang="en-US" sz="1900" dirty="0"/>
+              <a:t> 테스트 </a:t>
+            </a:r>
+            <a:r>
+              <a:rPr lang="en-US" altLang="ko-KR" sz="1900" dirty="0"/>
+              <a:t>-5</a:t>
+            </a:r>
+            <a:r>
+              <a:rPr lang="ko-KR" altLang="en-US" sz="1900" dirty="0"/>
+              <a:t> </a:t>
+            </a:r>
+            <a:r>
+              <a:rPr lang="en-US" altLang="ko-KR" sz="1900" dirty="0"/>
+              <a:t>page</a:t>
+            </a:r>
+          </a:p>
+        </p:txBody>
+      </p:sp>
+      <p:sp>
+        <p:nvSpPr>
+          <p:cNvPr id="4" name="직사각형 3">
+            <a:extLst>
+              <a:ext uri="{FF2B5EF4-FFF2-40B4-BE49-F238E27FC236}">
+                <a16:creationId xmlns:a16="http://schemas.microsoft.com/office/drawing/2014/main" id="{B2969C13-8BCF-48A2-ACF7-977151B00B79}"/>
+              </a:ext>
+            </a:extLst>
+          </p:cNvPr>
+          <p:cNvSpPr/>
+          <p:nvPr/>
+        </p:nvSpPr>
+        <p:spPr>
+          <a:xfrm>
+            <a:off x="68421" y="1023538"/>
+            <a:ext cx="12123579" cy="3416320"/>
+          </a:xfrm>
+          <a:prstGeom prst="rect">
+            <a:avLst/>
+          </a:prstGeom>
+        </p:spPr>
+        <p:txBody>
+          <a:bodyPr wrap="square">
+            <a:spAutoFit/>
+          </a:bodyPr>
+          <a:lstStyle/>
+          <a:p>
+            <a:r>
+              <a:rPr lang="ko-KR" altLang="en-US" b="1" dirty="0" err="1"/>
+              <a:t>로샤테스트</a:t>
+            </a:r>
+            <a:r>
+              <a:rPr lang="ko-KR" altLang="en-US" b="1" dirty="0"/>
+              <a:t> 검사 수행과정에서 개인 내면에서 일어나고 있는 복잡한 심리적 과정</a:t>
+            </a:r>
+            <a:endParaRPr lang="en-US" altLang="ko-KR" b="1" dirty="0"/>
+          </a:p>
+          <a:p>
+            <a:r>
+              <a:rPr lang="ko-KR" altLang="en-US" b="1" dirty="0"/>
+              <a:t> </a:t>
+            </a:r>
+            <a:endParaRPr lang="en-US" altLang="ko-KR" b="1" dirty="0"/>
+          </a:p>
+          <a:p>
+            <a:pPr marL="342900" indent="-342900">
+              <a:buFont typeface="+mj-ea"/>
+              <a:buAutoNum type="circleNumDbPlain"/>
+            </a:pPr>
+            <a:r>
+              <a:rPr lang="ko-KR" altLang="en-US" dirty="0"/>
+              <a:t>검사자극의 입력 및 부호화</a:t>
+            </a:r>
+            <a:br>
+              <a:rPr lang="en-US" altLang="ko-KR" dirty="0"/>
+            </a:br>
+            <a:r>
+              <a:rPr lang="ko-KR" altLang="en-US" dirty="0"/>
+              <a:t>수검자가 자극에 노출 된 다음 잠재적인 대답을 어떻게 분류할지 고민하는 시간이 다르게 소요되나는 것을 반영</a:t>
+            </a:r>
+            <a:endParaRPr lang="en-US" altLang="ko-KR" dirty="0"/>
+          </a:p>
+          <a:p>
+            <a:pPr marL="342900" indent="-342900">
+              <a:buFont typeface="+mj-ea"/>
+              <a:buAutoNum type="circleNumDbPlain"/>
+            </a:pPr>
+            <a:endParaRPr lang="en-US" altLang="ko-KR" dirty="0"/>
+          </a:p>
+          <a:p>
+            <a:pPr marL="342900" indent="-342900">
+              <a:buFont typeface="+mj-ea"/>
+              <a:buAutoNum type="circleNumDbPlain"/>
+            </a:pPr>
+            <a:r>
+              <a:rPr lang="ko-KR" altLang="en-US" dirty="0"/>
+              <a:t>자극을 전체 혹은 부분으로 분류하기</a:t>
+            </a:r>
+            <a:br>
+              <a:rPr lang="en-US" altLang="ko-KR" dirty="0"/>
+            </a:br>
+            <a:r>
+              <a:rPr lang="ko-KR" altLang="en-US" dirty="0"/>
+              <a:t>장기 기억에서 끌어낸 상상속의 이미지와 잉크반점의 특성에 따라 투사된 이미지를 나누어서 무엇인지를 지각하는 과정</a:t>
+            </a:r>
+            <a:endParaRPr lang="en-US" altLang="ko-KR" dirty="0"/>
+          </a:p>
+          <a:p>
+            <a:pPr marL="342900" indent="-342900">
+              <a:buFont typeface="+mj-ea"/>
+              <a:buAutoNum type="circleNumDbPlain"/>
+            </a:pPr>
+            <a:endParaRPr lang="en-US" altLang="ko-KR" dirty="0"/>
+          </a:p>
+          <a:p>
+            <a:pPr marL="342900" indent="-342900">
+              <a:buFont typeface="+mj-ea"/>
+              <a:buAutoNum type="circleNumDbPlain"/>
+            </a:pPr>
+            <a:r>
+              <a:rPr lang="ko-KR" altLang="en-US" dirty="0"/>
+              <a:t>경제성이나 우선순위에 따라 잠재적인 반응을 버리는 과정</a:t>
+            </a:r>
+            <a:br>
+              <a:rPr lang="en-US" altLang="ko-KR" dirty="0"/>
+            </a:br>
+            <a:r>
+              <a:rPr lang="ko-KR" altLang="en-US" dirty="0"/>
+              <a:t>검사자의 무엇처럼 보이는지에 대한 요청에 어느 부분을 먼저 답해야 할지를 결정</a:t>
+            </a:r>
+            <a:br>
+              <a:rPr lang="en-US" altLang="ko-KR" dirty="0"/>
+            </a:br>
+            <a:r>
+              <a:rPr lang="en-US" altLang="ko-KR" dirty="0"/>
+              <a:t>ex) </a:t>
+            </a:r>
+            <a:r>
+              <a:rPr lang="ko-KR" altLang="en-US" dirty="0"/>
+              <a:t>박쥐</a:t>
+            </a:r>
+            <a:r>
+              <a:rPr lang="en-US" altLang="ko-KR" dirty="0"/>
+              <a:t>, </a:t>
+            </a:r>
+            <a:r>
+              <a:rPr lang="ko-KR" altLang="en-US" dirty="0"/>
+              <a:t>새</a:t>
+            </a:r>
+            <a:r>
+              <a:rPr lang="en-US" altLang="ko-KR" dirty="0"/>
+              <a:t>, </a:t>
+            </a:r>
+            <a:r>
+              <a:rPr lang="ko-KR" altLang="en-US" dirty="0"/>
+              <a:t>나비로 보이는 카드 </a:t>
+            </a:r>
+            <a:r>
+              <a:rPr lang="en-US" altLang="ko-KR" dirty="0"/>
+              <a:t>1</a:t>
+            </a:r>
+            <a:r>
+              <a:rPr lang="ko-KR" altLang="en-US" dirty="0"/>
+              <a:t>번을 </a:t>
+            </a:r>
+            <a:r>
+              <a:rPr lang="en-US" altLang="ko-KR" dirty="0"/>
+              <a:t>‘</a:t>
+            </a:r>
+            <a:r>
+              <a:rPr lang="ko-KR" altLang="en-US" dirty="0"/>
+              <a:t>박쥐</a:t>
+            </a:r>
+            <a:r>
+              <a:rPr lang="en-US" altLang="ko-KR" dirty="0"/>
+              <a:t>’ </a:t>
+            </a:r>
+            <a:r>
+              <a:rPr lang="ko-KR" altLang="en-US" dirty="0"/>
+              <a:t>라고 만 말함 나머지는 생략</a:t>
+            </a:r>
+            <a:endParaRPr lang="en-US" altLang="ko-KR" dirty="0"/>
+          </a:p>
+        </p:txBody>
+      </p:sp>
+    </p:spTree>
+    <p:extLst>
+      <p:ext uri="{BB962C8B-B14F-4D97-AF65-F5344CB8AC3E}">
+        <p14:creationId xmlns:p14="http://schemas.microsoft.com/office/powerpoint/2010/main" val="1224168352"/>
+      </p:ext>
+    </p:extLst>
+  </p:cSld>
+  <p:clrMapOvr>
+    <a:masterClrMapping/>
+  </p:clrMapOvr>
+  <mc:AlternateContent xmlns:mc="http://schemas.openxmlformats.org/markup-compatibility/2006" xmlns:p14="http://schemas.microsoft.com/office/powerpoint/2010/main">
+    <mc:Choice Requires="p14">
+      <p:transition/>
+    </mc:Choice>
+    <mc:Fallback xmlns="" xmlns:c="http://schemas.openxmlformats.org/drawingml/2006/chart" xmlns:dgm="http://schemas.openxmlformats.org/drawingml/2006/diagram" xmlns:dsp="http://schemas.microsoft.com/office/drawing/2008/diagram">
+      <p:transition/>
+    </mc:Fallback>
+  </mc:AlternateContent>
+</p:sld>
+</file>
+
+<file path=ppt/slides/slide17.xml><?xml version="1.0" encoding="utf-8"?>
+<p:sld xmlns:a="http://schemas.openxmlformats.org/drawingml/2006/main" xmlns:r="http://schemas.openxmlformats.org/officeDocument/2006/relationships" xmlns:p="http://schemas.openxmlformats.org/presentationml/2006/main">
+  <p:cSld>
+    <p:spTree>
+      <p:nvGrpSpPr>
+        <p:cNvPr id="1" name=""/>
+        <p:cNvGrpSpPr/>
+        <p:nvPr/>
+      </p:nvGrpSpPr>
+      <p:grpSpPr>
+        <a:xfrm>
+          <a:off x="0" y="0"/>
+          <a:ext cx="0" cy="0"/>
+          <a:chOff x="0" y="0"/>
+          <a:chExt cx="0" cy="0"/>
+        </a:xfrm>
+      </p:grpSpPr>
+      <p:sp>
+        <p:nvSpPr>
+          <p:cNvPr id="27" name="TextBox 26"/>
+          <p:cNvSpPr txBox="1"/>
+          <p:nvPr/>
+        </p:nvSpPr>
+        <p:spPr>
+          <a:xfrm>
+            <a:off x="279669" y="277643"/>
+            <a:ext cx="2438232" cy="384721"/>
+          </a:xfrm>
+          <a:prstGeom prst="rect">
+            <a:avLst/>
+          </a:prstGeom>
+        </p:spPr>
+        <p:txBody>
+          <a:bodyPr wrap="none">
+            <a:spAutoFit/>
+          </a:bodyPr>
+          <a:lstStyle/>
+          <a:p>
+            <a:pPr>
+              <a:defRPr/>
+            </a:pPr>
+            <a:r>
+              <a:rPr lang="ko-KR" altLang="en-US" sz="1900" dirty="0" err="1"/>
+              <a:t>로샤</a:t>
+            </a:r>
+            <a:r>
+              <a:rPr lang="ko-KR" altLang="en-US" sz="1900" dirty="0"/>
+              <a:t> 테스트 </a:t>
+            </a:r>
+            <a:r>
+              <a:rPr lang="en-US" altLang="ko-KR" sz="1900" dirty="0"/>
+              <a:t>-5</a:t>
+            </a:r>
+            <a:r>
+              <a:rPr lang="ko-KR" altLang="en-US" sz="1900" dirty="0"/>
+              <a:t> </a:t>
+            </a:r>
+            <a:r>
+              <a:rPr lang="en-US" altLang="ko-KR" sz="1900" dirty="0"/>
+              <a:t>page</a:t>
+            </a:r>
+          </a:p>
+        </p:txBody>
+      </p:sp>
+      <p:sp>
+        <p:nvSpPr>
+          <p:cNvPr id="5" name="직사각형 4">
+            <a:extLst>
+              <a:ext uri="{FF2B5EF4-FFF2-40B4-BE49-F238E27FC236}">
+                <a16:creationId xmlns:a16="http://schemas.microsoft.com/office/drawing/2014/main" id="{5F577951-42EC-4483-935B-A4E16503D5C0}"/>
+              </a:ext>
+            </a:extLst>
+          </p:cNvPr>
+          <p:cNvSpPr/>
+          <p:nvPr/>
+        </p:nvSpPr>
+        <p:spPr>
+          <a:xfrm>
+            <a:off x="79478" y="1571826"/>
+            <a:ext cx="11670905" cy="3139321"/>
+          </a:xfrm>
+          <a:prstGeom prst="rect">
+            <a:avLst/>
+          </a:prstGeom>
+        </p:spPr>
+        <p:txBody>
+          <a:bodyPr wrap="square">
+            <a:spAutoFit/>
+          </a:bodyPr>
+          <a:lstStyle/>
+          <a:p>
+            <a:pPr marL="342900" indent="-342900">
+              <a:buFont typeface="+mj-ea"/>
+              <a:buAutoNum type="circleNumDbPlain" startAt="4"/>
+            </a:pPr>
+            <a:r>
+              <a:rPr lang="ko-KR" altLang="en-US" dirty="0"/>
+              <a:t>검사의 선입견 등을 검열하는 과정에서 잠재적 반응을 버리는 과정</a:t>
+            </a:r>
+            <a:br>
+              <a:rPr lang="en-US" altLang="ko-KR" dirty="0"/>
+            </a:br>
+            <a:r>
+              <a:rPr lang="ko-KR" altLang="en-US" dirty="0"/>
+              <a:t>검사자와의 친밀도는 </a:t>
+            </a:r>
+            <a:r>
+              <a:rPr lang="ko-KR" altLang="en-US" dirty="0" err="1"/>
+              <a:t>검사반응수에</a:t>
+            </a:r>
+            <a:r>
+              <a:rPr lang="ko-KR" altLang="en-US" dirty="0"/>
+              <a:t> 영향을 미칠 수 있음</a:t>
+            </a:r>
+            <a:r>
+              <a:rPr lang="en-US" altLang="ko-KR" dirty="0"/>
+              <a:t>(</a:t>
+            </a:r>
+            <a:r>
+              <a:rPr lang="ko-KR" altLang="en-US" dirty="0" err="1"/>
+              <a:t>라포형성이</a:t>
+            </a:r>
+            <a:r>
+              <a:rPr lang="ko-KR" altLang="en-US" dirty="0"/>
+              <a:t> 중요</a:t>
+            </a:r>
+            <a:r>
+              <a:rPr lang="en-US" altLang="ko-KR" dirty="0"/>
+              <a:t>)</a:t>
+            </a:r>
+          </a:p>
+          <a:p>
+            <a:pPr marL="342900" indent="-342900">
+              <a:buFont typeface="+mj-ea"/>
+              <a:buAutoNum type="circleNumDbPlain" startAt="4"/>
+            </a:pPr>
+            <a:endParaRPr lang="en-US" altLang="ko-KR" dirty="0"/>
+          </a:p>
+          <a:p>
+            <a:pPr marL="342900" indent="-342900">
+              <a:buFont typeface="+mj-ea"/>
+              <a:buAutoNum type="circleNumDbPlain" startAt="4"/>
+            </a:pPr>
+            <a:r>
+              <a:rPr lang="ko-KR" altLang="en-US" dirty="0"/>
+              <a:t>개인의 특성과 반응 스타일에 따라 남겨진 반응 중</a:t>
+            </a:r>
+            <a:r>
+              <a:rPr lang="en-US" altLang="ko-KR" dirty="0"/>
+              <a:t> </a:t>
+            </a:r>
+            <a:r>
+              <a:rPr lang="ko-KR" altLang="en-US" dirty="0"/>
+              <a:t>선택하기</a:t>
+            </a:r>
+            <a:br>
+              <a:rPr lang="en-US" altLang="ko-KR" dirty="0"/>
+            </a:br>
+            <a:r>
+              <a:rPr lang="ko-KR" altLang="en-US" dirty="0"/>
+              <a:t>개인의 기본적인 심리적 특성은 잠재적인 대답을 결정하는데 중요한 역할을 함</a:t>
+            </a:r>
+            <a:br>
+              <a:rPr lang="en-US" altLang="ko-KR" dirty="0"/>
+            </a:br>
+            <a:r>
+              <a:rPr lang="en-US" altLang="ko-KR" dirty="0"/>
+              <a:t>Rorschach</a:t>
+            </a:r>
+            <a:r>
+              <a:rPr lang="ko-KR" altLang="en-US" dirty="0"/>
+              <a:t>검사의 변인들은 검사</a:t>
+            </a:r>
+            <a:r>
+              <a:rPr lang="en-US" altLang="ko-KR" dirty="0"/>
+              <a:t>-</a:t>
+            </a:r>
+            <a:r>
+              <a:rPr lang="ko-KR" altLang="en-US" dirty="0"/>
+              <a:t>재검사 신뢰도가 높게 나타남</a:t>
+            </a:r>
+            <a:endParaRPr lang="en-US" altLang="ko-KR" dirty="0"/>
+          </a:p>
+          <a:p>
+            <a:pPr marL="342900" indent="-342900">
+              <a:buFont typeface="+mj-ea"/>
+              <a:buAutoNum type="circleNumDbPlain" startAt="4"/>
+            </a:pPr>
+            <a:endParaRPr lang="en-US" altLang="ko-KR" dirty="0"/>
+          </a:p>
+          <a:p>
+            <a:pPr marL="342900" indent="-342900">
+              <a:buFont typeface="+mj-ea"/>
+              <a:buAutoNum type="circleNumDbPlain" startAt="4"/>
+            </a:pPr>
+            <a:r>
+              <a:rPr lang="ko-KR" altLang="en-US" dirty="0"/>
+              <a:t>개인의 심리상태에 따라 반응을 선택하기</a:t>
+            </a:r>
+            <a:br>
+              <a:rPr lang="en-US" altLang="ko-KR" dirty="0"/>
+            </a:br>
+            <a:r>
+              <a:rPr lang="en-US" altLang="ko-KR" dirty="0"/>
+              <a:t>Rorschach</a:t>
+            </a:r>
+            <a:r>
+              <a:rPr lang="ko-KR" altLang="en-US" dirty="0"/>
+              <a:t>검사 반응에는 개인이 겪는 심리적으로 어려운 상태의 변화가 반영될 수 있음</a:t>
+            </a:r>
+            <a:br>
+              <a:rPr lang="en-US" altLang="ko-KR" dirty="0"/>
+            </a:br>
+            <a:r>
+              <a:rPr lang="ko-KR" altLang="en-US" dirty="0"/>
+              <a:t>검사의 변인은 개인의 스트레스에 따라 다르게 나타남</a:t>
+            </a:r>
+            <a:br>
+              <a:rPr lang="en-US" altLang="ko-KR" dirty="0"/>
+            </a:br>
+            <a:r>
+              <a:rPr lang="en-US" altLang="ko-KR" dirty="0"/>
+              <a:t>ex) </a:t>
+            </a:r>
+            <a:r>
+              <a:rPr lang="ko-KR" altLang="en-US" dirty="0"/>
+              <a:t>우울증</a:t>
+            </a:r>
+            <a:r>
+              <a:rPr lang="en-US" altLang="ko-KR" dirty="0"/>
+              <a:t>: </a:t>
+            </a:r>
+            <a:r>
+              <a:rPr lang="ko-KR" altLang="en-US" dirty="0"/>
+              <a:t>손상 반응이나 풍경반응</a:t>
+            </a:r>
+            <a:r>
+              <a:rPr lang="en-US" altLang="ko-KR" dirty="0"/>
+              <a:t>, </a:t>
+            </a:r>
+            <a:r>
+              <a:rPr lang="ko-KR" altLang="en-US" dirty="0"/>
+              <a:t>무채색 반응 증가</a:t>
+            </a:r>
+            <a:endParaRPr lang="en-US" altLang="ko-KR" dirty="0"/>
+          </a:p>
+        </p:txBody>
+      </p:sp>
+    </p:spTree>
+    <p:extLst>
+      <p:ext uri="{BB962C8B-B14F-4D97-AF65-F5344CB8AC3E}">
+        <p14:creationId xmlns:p14="http://schemas.microsoft.com/office/powerpoint/2010/main" val="626731185"/>
+      </p:ext>
+    </p:extLst>
+  </p:cSld>
+  <p:clrMapOvr>
+    <a:masterClrMapping/>
+  </p:clrMapOvr>
+  <mc:AlternateContent xmlns:mc="http://schemas.openxmlformats.org/markup-compatibility/2006" xmlns:p14="http://schemas.microsoft.com/office/powerpoint/2010/main">
+    <mc:Choice Requires="p14">
+      <p:transition/>
+    </mc:Choice>
+    <mc:Fallback xmlns="" xmlns:c="http://schemas.openxmlformats.org/drawingml/2006/chart" xmlns:dgm="http://schemas.openxmlformats.org/drawingml/2006/diagram" xmlns:dsp="http://schemas.microsoft.com/office/drawing/2008/diagram">
+      <p:transition/>
+    </mc:Fallback>
+  </mc:AlternateContent>
+</p:sld>
+</file>
+
+<file path=ppt/slides/slide18.xml><?xml version="1.0" encoding="utf-8"?>
+<p:sld xmlns:a="http://schemas.openxmlformats.org/drawingml/2006/main" xmlns:r="http://schemas.openxmlformats.org/officeDocument/2006/relationships" xmlns:p="http://schemas.openxmlformats.org/presentationml/2006/main">
+  <p:cSld>
+    <p:spTree>
+      <p:nvGrpSpPr>
+        <p:cNvPr id="1" name=""/>
+        <p:cNvGrpSpPr/>
+        <p:nvPr/>
+      </p:nvGrpSpPr>
+      <p:grpSpPr>
+        <a:xfrm>
+          <a:off x="0" y="0"/>
+          <a:ext cx="0" cy="0"/>
+          <a:chOff x="0" y="0"/>
+          <a:chExt cx="0" cy="0"/>
+        </a:xfrm>
+      </p:grpSpPr>
+      <p:sp>
+        <p:nvSpPr>
+          <p:cNvPr id="27" name="TextBox 26"/>
+          <p:cNvSpPr txBox="1"/>
+          <p:nvPr/>
+        </p:nvSpPr>
+        <p:spPr>
+          <a:xfrm>
+            <a:off x="279669" y="277643"/>
+            <a:ext cx="2438232" cy="384721"/>
+          </a:xfrm>
+          <a:prstGeom prst="rect">
+            <a:avLst/>
+          </a:prstGeom>
+        </p:spPr>
+        <p:txBody>
+          <a:bodyPr wrap="none">
+            <a:spAutoFit/>
+          </a:bodyPr>
+          <a:lstStyle/>
+          <a:p>
+            <a:pPr>
+              <a:defRPr/>
+            </a:pPr>
+            <a:r>
+              <a:rPr lang="ko-KR" altLang="en-US" sz="1900" dirty="0" err="1"/>
+              <a:t>로샤</a:t>
+            </a:r>
+            <a:r>
+              <a:rPr lang="ko-KR" altLang="en-US" sz="1900" dirty="0"/>
+              <a:t> 테스트 </a:t>
+            </a:r>
+            <a:r>
+              <a:rPr lang="en-US" altLang="ko-KR" sz="1900" dirty="0"/>
+              <a:t>-6</a:t>
+            </a:r>
+            <a:r>
+              <a:rPr lang="ko-KR" altLang="en-US" sz="1900" dirty="0"/>
+              <a:t> </a:t>
+            </a:r>
+            <a:r>
+              <a:rPr lang="en-US" altLang="ko-KR" sz="1900" dirty="0"/>
+              <a:t>page</a:t>
+            </a:r>
+          </a:p>
+        </p:txBody>
+      </p:sp>
+      <p:sp>
+        <p:nvSpPr>
+          <p:cNvPr id="5" name="직사각형 4">
+            <a:extLst>
+              <a:ext uri="{FF2B5EF4-FFF2-40B4-BE49-F238E27FC236}">
+                <a16:creationId xmlns:a16="http://schemas.microsoft.com/office/drawing/2014/main" id="{5F577951-42EC-4483-935B-A4E16503D5C0}"/>
+              </a:ext>
+            </a:extLst>
+          </p:cNvPr>
+          <p:cNvSpPr/>
+          <p:nvPr/>
+        </p:nvSpPr>
+        <p:spPr>
+          <a:xfrm>
+            <a:off x="260547" y="1119153"/>
+            <a:ext cx="11670905" cy="4247317"/>
+          </a:xfrm>
+          <a:prstGeom prst="rect">
+            <a:avLst/>
+          </a:prstGeom>
+        </p:spPr>
+        <p:txBody>
+          <a:bodyPr wrap="square">
+            <a:spAutoFit/>
+          </a:bodyPr>
+          <a:lstStyle/>
+          <a:p>
+            <a:r>
+              <a:rPr lang="ko-KR" altLang="en-US" b="1" dirty="0" err="1"/>
+              <a:t>로샤</a:t>
+            </a:r>
+            <a:r>
+              <a:rPr lang="ko-KR" altLang="en-US" b="1" dirty="0"/>
+              <a:t> 테스트 검사도구의 구성 </a:t>
+            </a:r>
+            <a:endParaRPr lang="en-US" altLang="ko-KR" b="1" dirty="0"/>
+          </a:p>
+          <a:p>
+            <a:r>
+              <a:rPr lang="en-US" altLang="ko-KR" dirty="0"/>
+              <a:t>17.17 x 24.13cm</a:t>
+            </a:r>
+            <a:r>
+              <a:rPr lang="ko-KR" altLang="en-US" dirty="0"/>
+              <a:t>인 대칭적인 </a:t>
+            </a:r>
+            <a:r>
+              <a:rPr lang="ko-KR" altLang="en-US" dirty="0" err="1"/>
+              <a:t>잉크반점카드</a:t>
+            </a:r>
+            <a:r>
+              <a:rPr lang="ko-KR" altLang="en-US" dirty="0"/>
+              <a:t> </a:t>
+            </a:r>
+            <a:r>
+              <a:rPr lang="en-US" altLang="ko-KR" dirty="0"/>
+              <a:t>10</a:t>
+            </a:r>
+            <a:r>
+              <a:rPr lang="ko-KR" altLang="en-US" dirty="0"/>
+              <a:t>매</a:t>
+            </a:r>
+            <a:endParaRPr lang="en-US" altLang="ko-KR" dirty="0"/>
+          </a:p>
+          <a:p>
+            <a:r>
+              <a:rPr lang="en-US" altLang="ko-KR" dirty="0"/>
+              <a:t>1, 4, 5, 6, 7</a:t>
+            </a:r>
+            <a:r>
+              <a:rPr lang="ko-KR" altLang="en-US" dirty="0"/>
+              <a:t>번 카드 </a:t>
+            </a:r>
+            <a:r>
+              <a:rPr lang="en-US" altLang="ko-KR" dirty="0"/>
+              <a:t>: </a:t>
+            </a:r>
+            <a:r>
+              <a:rPr lang="ko-KR" altLang="en-US" dirty="0"/>
+              <a:t>무채색인 흑백카드</a:t>
+            </a:r>
+            <a:endParaRPr lang="en-US" altLang="ko-KR" dirty="0"/>
+          </a:p>
+          <a:p>
+            <a:r>
+              <a:rPr lang="en-US" altLang="ko-KR" dirty="0"/>
+              <a:t>2, 3</a:t>
+            </a:r>
+            <a:r>
+              <a:rPr lang="ko-KR" altLang="en-US" dirty="0"/>
+              <a:t>번 카드 </a:t>
+            </a:r>
+            <a:r>
+              <a:rPr lang="en-US" altLang="ko-KR" dirty="0"/>
+              <a:t>: </a:t>
+            </a:r>
+            <a:r>
+              <a:rPr lang="ko-KR" altLang="en-US" dirty="0"/>
+              <a:t>검정색과 붉은색이 섞인 카드</a:t>
+            </a:r>
+            <a:endParaRPr lang="en-US" altLang="ko-KR" dirty="0"/>
+          </a:p>
+          <a:p>
+            <a:r>
+              <a:rPr lang="en-US" altLang="ko-KR" dirty="0"/>
+              <a:t>8, 9, 10</a:t>
+            </a:r>
+            <a:r>
+              <a:rPr lang="ko-KR" altLang="en-US" dirty="0"/>
+              <a:t>번 카드 </a:t>
+            </a:r>
+            <a:r>
+              <a:rPr lang="en-US" altLang="ko-KR" dirty="0"/>
+              <a:t>: </a:t>
+            </a:r>
+            <a:r>
+              <a:rPr lang="ko-KR" altLang="en-US" dirty="0"/>
+              <a:t>여러 색채가 혼합된 카드</a:t>
+            </a:r>
+            <a:endParaRPr lang="en-US" altLang="ko-KR" dirty="0"/>
+          </a:p>
+          <a:p>
+            <a:endParaRPr lang="en-US" altLang="ko-KR" dirty="0"/>
+          </a:p>
+          <a:p>
+            <a:r>
+              <a:rPr lang="ko-KR" altLang="en-US" b="1" dirty="0" err="1"/>
+              <a:t>로샤</a:t>
+            </a:r>
+            <a:r>
+              <a:rPr lang="ko-KR" altLang="en-US" b="1" dirty="0"/>
+              <a:t> 테스트 검사대상 </a:t>
+            </a:r>
+            <a:endParaRPr lang="en-US" altLang="ko-KR" b="1" dirty="0"/>
+          </a:p>
+          <a:p>
+            <a:r>
+              <a:rPr lang="ko-KR" altLang="en-US" dirty="0"/>
+              <a:t>초등학생 이상 </a:t>
+            </a:r>
+            <a:r>
+              <a:rPr lang="en-US" altLang="ko-KR" dirty="0"/>
+              <a:t>- </a:t>
+            </a:r>
+            <a:r>
+              <a:rPr lang="ko-KR" altLang="en-US" dirty="0"/>
+              <a:t>그림을 보고 자유로운 표현을 할 수 있어야 함</a:t>
+            </a:r>
+            <a:endParaRPr lang="en-US" altLang="ko-KR" dirty="0"/>
+          </a:p>
+          <a:p>
+            <a:r>
+              <a:rPr lang="ko-KR" altLang="en-US" dirty="0"/>
+              <a:t>자신의 성격에 대한 정밀한 분석을 원하거나 자신의 심리적 문제에 대한 포괄적이고 심층적인 진단을</a:t>
+            </a:r>
+            <a:endParaRPr lang="en-US" altLang="ko-KR" dirty="0"/>
+          </a:p>
+          <a:p>
+            <a:r>
+              <a:rPr lang="ko-KR" altLang="en-US" dirty="0"/>
+              <a:t>받고자 하는 사람</a:t>
+            </a:r>
+            <a:endParaRPr lang="en-US" altLang="ko-KR" dirty="0"/>
+          </a:p>
+          <a:p>
+            <a:endParaRPr lang="en-US" altLang="ko-KR" dirty="0"/>
+          </a:p>
+          <a:p>
+            <a:r>
+              <a:rPr lang="ko-KR" altLang="en-US" b="1" dirty="0" err="1"/>
+              <a:t>로샤</a:t>
+            </a:r>
+            <a:r>
+              <a:rPr lang="ko-KR" altLang="en-US" b="1" dirty="0"/>
+              <a:t> 테스트 검사 소요시간 </a:t>
+            </a:r>
+            <a:endParaRPr lang="en-US" altLang="ko-KR" b="1" dirty="0"/>
+          </a:p>
+          <a:p>
+            <a:r>
+              <a:rPr lang="ko-KR" altLang="en-US" dirty="0"/>
+              <a:t>성인 </a:t>
+            </a:r>
+            <a:r>
+              <a:rPr lang="en-US" altLang="ko-KR" dirty="0"/>
+              <a:t>: </a:t>
+            </a:r>
+            <a:r>
+              <a:rPr lang="ko-KR" altLang="en-US" dirty="0"/>
+              <a:t>약 </a:t>
+            </a:r>
+            <a:r>
+              <a:rPr lang="en-US" altLang="ko-KR" dirty="0"/>
+              <a:t>40 – 60</a:t>
+            </a:r>
+            <a:r>
+              <a:rPr lang="ko-KR" altLang="en-US" dirty="0"/>
+              <a:t>분</a:t>
+            </a:r>
+            <a:endParaRPr lang="en-US" altLang="ko-KR" dirty="0"/>
+          </a:p>
+          <a:p>
+            <a:r>
+              <a:rPr lang="ko-KR" altLang="en-US" dirty="0"/>
+              <a:t>아동 </a:t>
+            </a:r>
+            <a:r>
+              <a:rPr lang="en-US" altLang="ko-KR" dirty="0"/>
+              <a:t>10</a:t>
+            </a:r>
+            <a:r>
+              <a:rPr lang="ko-KR" altLang="en-US" dirty="0"/>
+              <a:t>세 미만 </a:t>
+            </a:r>
+            <a:r>
+              <a:rPr lang="en-US" altLang="ko-KR" dirty="0"/>
+              <a:t>: 30 – 45</a:t>
+            </a:r>
+            <a:r>
+              <a:rPr lang="ko-KR" altLang="en-US" dirty="0"/>
+              <a:t>분</a:t>
+            </a:r>
+            <a:endParaRPr lang="en-US" altLang="ko-KR" dirty="0"/>
+          </a:p>
+          <a:p>
+            <a:r>
+              <a:rPr lang="en-US" altLang="ko-KR" dirty="0"/>
+              <a:t>       10</a:t>
+            </a:r>
+            <a:r>
+              <a:rPr lang="ko-KR" altLang="en-US" dirty="0"/>
+              <a:t>세 이상 </a:t>
+            </a:r>
+            <a:r>
+              <a:rPr lang="en-US" altLang="ko-KR" dirty="0"/>
+              <a:t>: </a:t>
+            </a:r>
+            <a:r>
+              <a:rPr lang="ko-KR" altLang="en-US" dirty="0"/>
+              <a:t>성인과 비슷함</a:t>
+            </a:r>
+            <a:endParaRPr lang="en-US" altLang="ko-KR" dirty="0"/>
+          </a:p>
+        </p:txBody>
+      </p:sp>
+    </p:spTree>
+    <p:extLst>
+      <p:ext uri="{BB962C8B-B14F-4D97-AF65-F5344CB8AC3E}">
+        <p14:creationId xmlns:p14="http://schemas.microsoft.com/office/powerpoint/2010/main" val="2472757814"/>
+      </p:ext>
+    </p:extLst>
+  </p:cSld>
+  <p:clrMapOvr>
+    <a:masterClrMapping/>
+  </p:clrMapOvr>
+  <mc:AlternateContent xmlns:mc="http://schemas.openxmlformats.org/markup-compatibility/2006" xmlns:p14="http://schemas.microsoft.com/office/powerpoint/2010/main">
+    <mc:Choice Requires="p14">
+      <p:transition/>
+    </mc:Choice>
+    <mc:Fallback xmlns="" xmlns:c="http://schemas.openxmlformats.org/drawingml/2006/chart" xmlns:dgm="http://schemas.openxmlformats.org/drawingml/2006/diagram" xmlns:dsp="http://schemas.microsoft.com/office/drawing/2008/diagram">
+      <p:transition/>
+    </mc:Fallback>
+  </mc:AlternateContent>
+</p:sld>
+</file>
+
+<file path=ppt/slides/slide19.xml><?xml version="1.0" encoding="utf-8"?>
+<p:sld xmlns:a="http://schemas.openxmlformats.org/drawingml/2006/main" xmlns:r="http://schemas.openxmlformats.org/officeDocument/2006/relationships" xmlns:p="http://schemas.openxmlformats.org/presentationml/2006/main">
+  <p:cSld>
+    <p:spTree>
+      <p:nvGrpSpPr>
+        <p:cNvPr id="1" name=""/>
+        <p:cNvGrpSpPr/>
+        <p:nvPr/>
+      </p:nvGrpSpPr>
+      <p:grpSpPr>
+        <a:xfrm>
+          <a:off x="0" y="0"/>
+          <a:ext cx="0" cy="0"/>
+          <a:chOff x="0" y="0"/>
+          <a:chExt cx="0" cy="0"/>
+        </a:xfrm>
+      </p:grpSpPr>
+      <p:sp>
+        <p:nvSpPr>
+          <p:cNvPr id="27" name="TextBox 26"/>
+          <p:cNvSpPr txBox="1"/>
+          <p:nvPr/>
+        </p:nvSpPr>
+        <p:spPr>
+          <a:xfrm>
+            <a:off x="279669" y="277643"/>
+            <a:ext cx="2438232" cy="384721"/>
+          </a:xfrm>
+          <a:prstGeom prst="rect">
+            <a:avLst/>
+          </a:prstGeom>
+        </p:spPr>
+        <p:txBody>
+          <a:bodyPr wrap="none">
+            <a:spAutoFit/>
+          </a:bodyPr>
+          <a:lstStyle/>
+          <a:p>
+            <a:pPr>
+              <a:defRPr/>
+            </a:pPr>
+            <a:r>
+              <a:rPr lang="ko-KR" altLang="en-US" sz="1900" dirty="0" err="1"/>
+              <a:t>로샤</a:t>
+            </a:r>
+            <a:r>
+              <a:rPr lang="ko-KR" altLang="en-US" sz="1900" dirty="0"/>
+              <a:t> 테스트 </a:t>
+            </a:r>
+            <a:r>
+              <a:rPr lang="en-US" altLang="ko-KR" sz="1900" dirty="0"/>
+              <a:t>-7</a:t>
+            </a:r>
+            <a:r>
+              <a:rPr lang="ko-KR" altLang="en-US" sz="1900" dirty="0"/>
+              <a:t> </a:t>
+            </a:r>
+            <a:r>
+              <a:rPr lang="en-US" altLang="ko-KR" sz="1900" dirty="0"/>
+              <a:t>page</a:t>
+            </a:r>
+          </a:p>
+        </p:txBody>
+      </p:sp>
+      <p:pic>
+        <p:nvPicPr>
+          <p:cNvPr id="2050" name="Picture 2" descr="ë¡ì¤ ì´ë¯¸ì§ ê²ìê²°ê³¼">
+            <a:extLst>
+              <a:ext uri="{FF2B5EF4-FFF2-40B4-BE49-F238E27FC236}">
+                <a16:creationId xmlns:a16="http://schemas.microsoft.com/office/drawing/2014/main" id="{FD78F66E-4E61-4829-8316-A55F7D3CDE7D}"/>
+              </a:ext>
+            </a:extLst>
+          </p:cNvPr>
+          <p:cNvPicPr>
+            <a:picLocks noChangeAspect="1" noChangeArrowheads="1"/>
+          </p:cNvPicPr>
+          <p:nvPr/>
+        </p:nvPicPr>
+        <p:blipFill rotWithShape="1">
+          <a:blip r:embed="rId3">
+            <a:extLst>
+              <a:ext uri="{28A0092B-C50C-407E-A947-70E740481C1C}">
+                <a14:useLocalDpi xmlns:a14="http://schemas.microsoft.com/office/drawing/2010/main" val="0"/>
+              </a:ext>
+            </a:extLst>
+          </a:blip>
+          <a:srcRect t="2824" b="7568"/>
+          <a:stretch/>
+        </p:blipFill>
+        <p:spPr bwMode="auto">
+          <a:xfrm>
+            <a:off x="697117" y="1669817"/>
+            <a:ext cx="6998330" cy="4115347"/>
+          </a:xfrm>
+          <a:prstGeom prst="rect">
+            <a:avLst/>
+          </a:prstGeom>
+          <a:noFill/>
+          <a:extLst>
+            <a:ext uri="{909E8E84-426E-40DD-AFC4-6F175D3DCCD1}">
+              <a14:hiddenFill xmlns:a14="http://schemas.microsoft.com/office/drawing/2010/main">
+                <a:solidFill>
+                  <a:srgbClr val="FFFFFF"/>
+                </a:solidFill>
+              </a14:hiddenFill>
+            </a:ext>
+          </a:extLst>
+        </p:spPr>
+      </p:pic>
+      <p:sp>
+        <p:nvSpPr>
+          <p:cNvPr id="6" name="TextBox 5">
+            <a:extLst>
+              <a:ext uri="{FF2B5EF4-FFF2-40B4-BE49-F238E27FC236}">
+                <a16:creationId xmlns:a16="http://schemas.microsoft.com/office/drawing/2014/main" id="{5BE0EFCF-EB82-4F20-A4D9-51A5C0A48EEA}"/>
+              </a:ext>
+            </a:extLst>
+          </p:cNvPr>
+          <p:cNvSpPr txBox="1"/>
+          <p:nvPr/>
+        </p:nvSpPr>
+        <p:spPr>
+          <a:xfrm>
+            <a:off x="279669" y="973730"/>
+            <a:ext cx="2000869" cy="384721"/>
+          </a:xfrm>
+          <a:prstGeom prst="rect">
+            <a:avLst/>
+          </a:prstGeom>
+        </p:spPr>
+        <p:txBody>
+          <a:bodyPr wrap="none">
+            <a:spAutoFit/>
+          </a:bodyPr>
+          <a:lstStyle/>
+          <a:p>
+            <a:pPr>
+              <a:defRPr/>
+            </a:pPr>
+            <a:r>
+              <a:rPr lang="en-US" altLang="ko-KR" sz="1900" dirty="0"/>
+              <a:t>10</a:t>
+            </a:r>
+            <a:r>
+              <a:rPr lang="ko-KR" altLang="en-US" sz="1900" dirty="0"/>
+              <a:t>장의 카드구성</a:t>
+            </a:r>
+            <a:endParaRPr lang="en-US" altLang="ko-KR" sz="1900" dirty="0"/>
+          </a:p>
+        </p:txBody>
+      </p:sp>
+    </p:spTree>
+    <p:extLst>
+      <p:ext uri="{BB962C8B-B14F-4D97-AF65-F5344CB8AC3E}">
+        <p14:creationId xmlns:p14="http://schemas.microsoft.com/office/powerpoint/2010/main" val="4216770193"/>
+      </p:ext>
+    </p:extLst>
+  </p:cSld>
+  <p:clrMapOvr>
+    <a:masterClrMapping/>
+  </p:clrMapOvr>
+  <mc:AlternateContent xmlns:mc="http://schemas.openxmlformats.org/markup-compatibility/2006" xmlns:p14="http://schemas.microsoft.com/office/powerpoint/2010/main">
+    <mc:Choice Requires="p14">
+      <p:transition/>
+    </mc:Choice>
+    <mc:Fallback xmlns="" xmlns:c="http://schemas.openxmlformats.org/drawingml/2006/chart" xmlns:dgm="http://schemas.openxmlformats.org/drawingml/2006/diagram" xmlns:dsp="http://schemas.microsoft.com/office/drawing/2008/diagram">
+      <p:transition/>
+    </mc:Fallback>
+  </mc:AlternateContent>
+</p:sld>
+</file>
+
+<file path=ppt/slides/slide2.xml><?xml version="1.0" encoding="utf-8"?>
+<p:sld xmlns:a="http://schemas.openxmlformats.org/drawingml/2006/main" xmlns:r="http://schemas.openxmlformats.org/officeDocument/2006/relationships" xmlns:p="http://schemas.openxmlformats.org/presentationml/2006/main">
+  <p:cSld>
+    <p:spTree>
+      <p:nvGrpSpPr>
+        <p:cNvPr id="1" name=""/>
+        <p:cNvGrpSpPr/>
+        <p:nvPr/>
+      </p:nvGrpSpPr>
+      <p:grpSpPr>
+        <a:xfrm>
+          <a:off x="0" y="0"/>
+          <a:ext cx="0" cy="0"/>
+          <a:chOff x="0" y="0"/>
+          <a:chExt cx="0" cy="0"/>
+        </a:xfrm>
+      </p:grpSpPr>
+      <p:sp>
+        <p:nvSpPr>
+          <p:cNvPr id="2" name="직사각형 1"/>
+          <p:cNvSpPr/>
+          <p:nvPr/>
+        </p:nvSpPr>
+        <p:spPr>
+          <a:xfrm>
+            <a:off x="528652" y="1665529"/>
+            <a:ext cx="93307" cy="93307"/>
+          </a:xfrm>
+          <a:prstGeom prst="rect">
+            <a:avLst/>
+          </a:prstGeom>
+          <a:solidFill>
+            <a:srgbClr val="0F4B81"/>
+          </a:solidFill>
+          <a:ln>
+            <a:noFill/>
+          </a:ln>
+        </p:spPr>
+        <p:style>
+          <a:lnRef idx="2">
+            <a:schemeClr val="accent1">
+              <a:shade val="50000"/>
+            </a:schemeClr>
+          </a:lnRef>
+          <a:fillRef idx="1">
+            <a:schemeClr val="accent1"/>
+          </a:fillRef>
+          <a:effectRef idx="0">
+            <a:schemeClr val="accent1"/>
+          </a:effectRef>
+          <a:fontRef idx="minor">
+            <a:schemeClr val="lt1"/>
+          </a:fontRef>
+        </p:style>
+        <p:txBody>
+          <a:bodyPr anchor="ctr"/>
+          <a:lstStyle/>
+          <a:p>
+            <a:pPr algn="ctr">
+              <a:defRPr/>
+            </a:pPr>
+            <a:endParaRPr lang="en-US"/>
+          </a:p>
+        </p:txBody>
+      </p:sp>
+      <p:sp>
+        <p:nvSpPr>
+          <p:cNvPr id="17" name="TextBox 16"/>
+          <p:cNvSpPr txBox="1"/>
+          <p:nvPr/>
+        </p:nvSpPr>
+        <p:spPr>
+          <a:xfrm>
+            <a:off x="645927" y="1568306"/>
+            <a:ext cx="1581202" cy="338554"/>
+          </a:xfrm>
+          <a:prstGeom prst="rect">
+            <a:avLst/>
+          </a:prstGeom>
+          <a:noFill/>
+        </p:spPr>
+        <p:txBody>
+          <a:bodyPr wrap="none">
+            <a:spAutoFit/>
+          </a:bodyPr>
+          <a:lstStyle/>
+          <a:p>
+            <a:pPr algn="ctr">
+              <a:defRPr/>
+            </a:pPr>
+            <a:r>
+              <a:rPr lang="en-US" sz="1600" spc="-51">
+                <a:ln w="9525">
+                  <a:solidFill>
+                    <a:schemeClr val="accent1">
+                      <a:alpha val="0"/>
+                    </a:schemeClr>
+                  </a:solidFill>
+                </a:ln>
+                <a:solidFill>
+                  <a:srgbClr val="0F4B81"/>
+                </a:solidFill>
+                <a:latin typeface="G마켓 산스 TTF Bold"/>
+                <a:ea typeface="G마켓 산스 TTF Bold"/>
+              </a:rPr>
+              <a:t>CHAPTER 01</a:t>
+            </a:r>
+            <a:endParaRPr lang="en-US" sz="1600" spc="-51">
+              <a:solidFill>
+                <a:srgbClr val="0F4B81"/>
+              </a:solidFill>
+              <a:latin typeface="G마켓 산스 TTF Bold"/>
+              <a:ea typeface="G마켓 산스 TTF Bold"/>
+            </a:endParaRPr>
+          </a:p>
+        </p:txBody>
+      </p:sp>
+      <p:sp>
+        <p:nvSpPr>
+          <p:cNvPr id="26" name="TextBox 25"/>
+          <p:cNvSpPr txBox="1"/>
+          <p:nvPr/>
+        </p:nvSpPr>
+        <p:spPr>
+          <a:xfrm>
+            <a:off x="645286" y="1906860"/>
+            <a:ext cx="1808354" cy="520110"/>
+          </a:xfrm>
+          <a:prstGeom prst="rect">
+            <a:avLst/>
+          </a:prstGeom>
+          <a:noFill/>
+        </p:spPr>
+        <p:txBody>
+          <a:bodyPr wrap="none">
+            <a:spAutoFit/>
+          </a:bodyPr>
+          <a:lstStyle/>
+          <a:p>
+            <a:pPr>
+              <a:lnSpc>
+                <a:spcPct val="120000"/>
+              </a:lnSpc>
+              <a:defRPr/>
+            </a:pPr>
+            <a:r>
+              <a:rPr lang="ko-KR" altLang="en-US" sz="2400" spc="-151">
+                <a:ln w="9525">
+                  <a:solidFill>
+                    <a:schemeClr val="accent1">
+                      <a:alpha val="0"/>
+                    </a:schemeClr>
+                  </a:solidFill>
+                </a:ln>
+                <a:solidFill>
+                  <a:srgbClr val="0F4B81"/>
+                </a:solidFill>
+                <a:latin typeface="G마켓 산스 TTF Bold"/>
+                <a:ea typeface="G마켓 산스 TTF Bold"/>
+              </a:rPr>
+              <a:t>심리검사란 </a:t>
+            </a:r>
+            <a:r>
+              <a:rPr lang="en-US" altLang="ko-KR" sz="2400" spc="-151">
+                <a:ln w="9525">
+                  <a:solidFill>
+                    <a:schemeClr val="accent1">
+                      <a:alpha val="0"/>
+                    </a:schemeClr>
+                  </a:solidFill>
+                </a:ln>
+                <a:solidFill>
+                  <a:srgbClr val="0F4B81"/>
+                </a:solidFill>
+                <a:latin typeface="G마켓 산스 TTF Bold"/>
+                <a:ea typeface="G마켓 산스 TTF Bold"/>
+              </a:rPr>
+              <a:t>?</a:t>
+            </a:r>
+          </a:p>
+        </p:txBody>
+      </p:sp>
+      <p:sp>
+        <p:nvSpPr>
+          <p:cNvPr id="7" name="직사각형 6"/>
+          <p:cNvSpPr/>
+          <p:nvPr/>
+        </p:nvSpPr>
+        <p:spPr>
+          <a:xfrm>
+            <a:off x="528652" y="2878168"/>
+            <a:ext cx="93307" cy="93307"/>
+          </a:xfrm>
+          <a:prstGeom prst="rect">
+            <a:avLst/>
+          </a:prstGeom>
+          <a:solidFill>
+            <a:srgbClr val="0F4B81"/>
+          </a:solidFill>
+          <a:ln>
+            <a:noFill/>
+          </a:ln>
+        </p:spPr>
+        <p:style>
+          <a:lnRef idx="2">
+            <a:schemeClr val="accent1">
+              <a:shade val="50000"/>
+            </a:schemeClr>
+          </a:lnRef>
+          <a:fillRef idx="1">
+            <a:schemeClr val="accent1"/>
+          </a:fillRef>
+          <a:effectRef idx="0">
+            <a:schemeClr val="accent1"/>
+          </a:effectRef>
+          <a:fontRef idx="minor">
+            <a:schemeClr val="lt1"/>
+          </a:fontRef>
+        </p:style>
+        <p:txBody>
+          <a:bodyPr anchor="ctr"/>
+          <a:lstStyle/>
+          <a:p>
+            <a:pPr algn="ctr">
+              <a:defRPr/>
+            </a:pPr>
+            <a:endParaRPr lang="en-US"/>
+          </a:p>
+        </p:txBody>
+      </p:sp>
+      <p:sp>
+        <p:nvSpPr>
+          <p:cNvPr id="8" name="TextBox 7"/>
+          <p:cNvSpPr txBox="1"/>
+          <p:nvPr/>
+        </p:nvSpPr>
+        <p:spPr>
+          <a:xfrm>
+            <a:off x="626689" y="2780946"/>
+            <a:ext cx="1619674" cy="338554"/>
+          </a:xfrm>
+          <a:prstGeom prst="rect">
+            <a:avLst/>
+          </a:prstGeom>
+          <a:noFill/>
+        </p:spPr>
+        <p:txBody>
+          <a:bodyPr wrap="none">
+            <a:spAutoFit/>
+          </a:bodyPr>
+          <a:lstStyle/>
+          <a:p>
+            <a:pPr algn="ctr">
+              <a:defRPr/>
+            </a:pPr>
+            <a:r>
+              <a:rPr lang="en-US" sz="1600" spc="-51">
+                <a:ln w="9525">
+                  <a:solidFill>
+                    <a:schemeClr val="accent1">
+                      <a:alpha val="0"/>
+                    </a:schemeClr>
+                  </a:solidFill>
+                </a:ln>
+                <a:solidFill>
+                  <a:srgbClr val="0F4B81"/>
+                </a:solidFill>
+                <a:latin typeface="G마켓 산스 TTF Bold"/>
+                <a:ea typeface="G마켓 산스 TTF Bold"/>
+              </a:rPr>
+              <a:t>CHAPTER 02</a:t>
+            </a:r>
+            <a:endParaRPr lang="en-US" sz="1600" spc="-51">
+              <a:solidFill>
+                <a:srgbClr val="0F4B81"/>
+              </a:solidFill>
+              <a:latin typeface="G마켓 산스 TTF Bold"/>
+              <a:ea typeface="G마켓 산스 TTF Bold"/>
+            </a:endParaRPr>
+          </a:p>
+        </p:txBody>
+      </p:sp>
+      <p:sp>
+        <p:nvSpPr>
+          <p:cNvPr id="9" name="TextBox 8"/>
+          <p:cNvSpPr txBox="1"/>
+          <p:nvPr/>
+        </p:nvSpPr>
+        <p:spPr>
+          <a:xfrm>
+            <a:off x="645285" y="3119500"/>
+            <a:ext cx="2903730" cy="535531"/>
+          </a:xfrm>
+          <a:prstGeom prst="rect">
+            <a:avLst/>
+          </a:prstGeom>
+          <a:noFill/>
+        </p:spPr>
+        <p:txBody>
+          <a:bodyPr wrap="none">
+            <a:spAutoFit/>
+          </a:bodyPr>
+          <a:lstStyle/>
+          <a:p>
+            <a:pPr>
+              <a:lnSpc>
+                <a:spcPct val="120000"/>
+              </a:lnSpc>
+              <a:defRPr/>
+            </a:pPr>
+            <a:r>
+              <a:rPr lang="ko-KR" altLang="en-US" sz="2400" spc="-151">
+                <a:ln w="9525">
+                  <a:solidFill>
+                    <a:schemeClr val="accent1">
+                      <a:alpha val="0"/>
+                    </a:schemeClr>
+                  </a:solidFill>
+                </a:ln>
+                <a:solidFill>
+                  <a:srgbClr val="0F4B81"/>
+                </a:solidFill>
+                <a:latin typeface="G마켓 산스 TTF Bold"/>
+                <a:ea typeface="G마켓 산스 TTF Bold"/>
+              </a:rPr>
+              <a:t>로르샤흐</a:t>
+            </a:r>
+            <a:r>
+              <a:rPr lang="en-US" altLang="ko-KR" sz="2400" spc="-151">
+                <a:ln w="9525">
+                  <a:solidFill>
+                    <a:schemeClr val="accent1">
+                      <a:alpha val="0"/>
+                    </a:schemeClr>
+                  </a:solidFill>
+                </a:ln>
+                <a:solidFill>
+                  <a:srgbClr val="0F4B81"/>
+                </a:solidFill>
+                <a:latin typeface="G마켓 산스 TTF Bold"/>
+                <a:ea typeface="G마켓 산스 TTF Bold"/>
+              </a:rPr>
+              <a:t>(</a:t>
+            </a:r>
+            <a:r>
+              <a:rPr lang="ko-KR" altLang="en-US" sz="2400" spc="-151">
+                <a:ln w="9525">
+                  <a:solidFill>
+                    <a:schemeClr val="accent1">
+                      <a:alpha val="0"/>
+                    </a:schemeClr>
+                  </a:solidFill>
+                </a:ln>
+                <a:solidFill>
+                  <a:srgbClr val="0F4B81"/>
+                </a:solidFill>
+                <a:latin typeface="G마켓 산스 TTF Bold"/>
+                <a:ea typeface="G마켓 산스 TTF Bold"/>
+              </a:rPr>
+              <a:t>로샤</a:t>
+            </a:r>
+            <a:r>
+              <a:rPr lang="en-US" altLang="ko-KR" sz="2400" spc="-151">
+                <a:ln w="9525">
+                  <a:solidFill>
+                    <a:schemeClr val="accent1">
+                      <a:alpha val="0"/>
+                    </a:schemeClr>
+                  </a:solidFill>
+                </a:ln>
+                <a:solidFill>
+                  <a:srgbClr val="0F4B81"/>
+                </a:solidFill>
+                <a:latin typeface="G마켓 산스 TTF Bold"/>
+                <a:ea typeface="G마켓 산스 TTF Bold"/>
+              </a:rPr>
+              <a:t>)</a:t>
+            </a:r>
+            <a:r>
+              <a:rPr lang="ko-KR" altLang="en-US" sz="2400" spc="-151">
+                <a:ln w="9525">
+                  <a:solidFill>
+                    <a:schemeClr val="accent1">
+                      <a:alpha val="0"/>
+                    </a:schemeClr>
+                  </a:solidFill>
+                </a:ln>
+                <a:solidFill>
+                  <a:srgbClr val="0F4B81"/>
+                </a:solidFill>
+                <a:latin typeface="G마켓 산스 TTF Bold"/>
+                <a:ea typeface="G마켓 산스 TTF Bold"/>
+              </a:rPr>
+              <a:t> 테스트</a:t>
+            </a:r>
+          </a:p>
+        </p:txBody>
+      </p:sp>
+      <p:sp>
+        <p:nvSpPr>
+          <p:cNvPr id="10" name="직사각형 9"/>
+          <p:cNvSpPr/>
+          <p:nvPr/>
+        </p:nvSpPr>
+        <p:spPr>
+          <a:xfrm>
+            <a:off x="528652" y="4090807"/>
+            <a:ext cx="93307" cy="93307"/>
+          </a:xfrm>
+          <a:prstGeom prst="rect">
+            <a:avLst/>
+          </a:prstGeom>
+          <a:solidFill>
+            <a:srgbClr val="0F4B81"/>
+          </a:solidFill>
+          <a:ln>
+            <a:noFill/>
+          </a:ln>
+        </p:spPr>
+        <p:style>
+          <a:lnRef idx="2">
+            <a:schemeClr val="accent1">
+              <a:shade val="50000"/>
+            </a:schemeClr>
+          </a:lnRef>
+          <a:fillRef idx="1">
+            <a:schemeClr val="accent1"/>
+          </a:fillRef>
+          <a:effectRef idx="0">
+            <a:schemeClr val="accent1"/>
+          </a:effectRef>
+          <a:fontRef idx="minor">
+            <a:schemeClr val="lt1"/>
+          </a:fontRef>
+        </p:style>
+        <p:txBody>
+          <a:bodyPr anchor="ctr"/>
+          <a:lstStyle/>
+          <a:p>
+            <a:pPr algn="ctr">
+              <a:defRPr/>
+            </a:pPr>
+            <a:endParaRPr lang="en-US"/>
+          </a:p>
+        </p:txBody>
+      </p:sp>
+      <p:sp>
+        <p:nvSpPr>
+          <p:cNvPr id="11" name="TextBox 10"/>
+          <p:cNvSpPr txBox="1"/>
+          <p:nvPr/>
+        </p:nvSpPr>
+        <p:spPr>
+          <a:xfrm>
+            <a:off x="625888" y="3993584"/>
+            <a:ext cx="1621278" cy="338554"/>
+          </a:xfrm>
+          <a:prstGeom prst="rect">
+            <a:avLst/>
+          </a:prstGeom>
+          <a:noFill/>
+        </p:spPr>
+        <p:txBody>
+          <a:bodyPr wrap="none">
+            <a:spAutoFit/>
+          </a:bodyPr>
+          <a:lstStyle/>
+          <a:p>
+            <a:pPr algn="ctr">
+              <a:defRPr/>
+            </a:pPr>
+            <a:r>
+              <a:rPr lang="en-US" sz="1600" spc="-51">
+                <a:ln w="9525">
+                  <a:solidFill>
+                    <a:schemeClr val="accent1">
+                      <a:alpha val="0"/>
+                    </a:schemeClr>
+                  </a:solidFill>
+                </a:ln>
+                <a:solidFill>
+                  <a:srgbClr val="0F4B81"/>
+                </a:solidFill>
+                <a:latin typeface="G마켓 산스 TTF Bold"/>
+                <a:ea typeface="G마켓 산스 TTF Bold"/>
+              </a:rPr>
+              <a:t>CHAPTER 03</a:t>
+            </a:r>
+            <a:endParaRPr lang="en-US" sz="1600" spc="-51">
+              <a:solidFill>
+                <a:srgbClr val="0F4B81"/>
+              </a:solidFill>
+              <a:latin typeface="G마켓 산스 TTF Bold"/>
+              <a:ea typeface="G마켓 산스 TTF Bold"/>
+            </a:endParaRPr>
+          </a:p>
+        </p:txBody>
+      </p:sp>
+      <p:sp>
+        <p:nvSpPr>
+          <p:cNvPr id="12" name="TextBox 11"/>
+          <p:cNvSpPr txBox="1"/>
+          <p:nvPr/>
+        </p:nvSpPr>
+        <p:spPr>
+          <a:xfrm>
+            <a:off x="645286" y="4332138"/>
+            <a:ext cx="1294004" cy="523707"/>
+          </a:xfrm>
+          <a:prstGeom prst="rect">
+            <a:avLst/>
+          </a:prstGeom>
+          <a:noFill/>
+        </p:spPr>
+        <p:txBody>
+          <a:bodyPr wrap="none">
+            <a:spAutoFit/>
+          </a:bodyPr>
+          <a:lstStyle/>
+          <a:p>
+            <a:pPr>
+              <a:lnSpc>
+                <a:spcPct val="120000"/>
+              </a:lnSpc>
+              <a:defRPr/>
+            </a:pPr>
+            <a:r>
+              <a:rPr lang="ko-KR" altLang="en-US" sz="2400" spc="-151">
+                <a:ln w="9525">
+                  <a:solidFill>
+                    <a:schemeClr val="accent1">
+                      <a:alpha val="0"/>
+                    </a:schemeClr>
+                  </a:solidFill>
+                </a:ln>
+                <a:solidFill>
+                  <a:srgbClr val="0F4B81"/>
+                </a:solidFill>
+                <a:latin typeface="G마켓 산스 TTF Bold"/>
+                <a:ea typeface="G마켓 산스 TTF Bold"/>
+              </a:rPr>
+              <a:t>프로젝트</a:t>
+            </a:r>
+          </a:p>
+        </p:txBody>
+      </p:sp>
+      <p:sp>
+        <p:nvSpPr>
+          <p:cNvPr id="13" name="직사각형 12"/>
+          <p:cNvSpPr/>
+          <p:nvPr/>
+        </p:nvSpPr>
+        <p:spPr>
+          <a:xfrm>
+            <a:off x="528652" y="5303773"/>
+            <a:ext cx="93307" cy="93307"/>
+          </a:xfrm>
+          <a:prstGeom prst="rect">
+            <a:avLst/>
+          </a:prstGeom>
+          <a:solidFill>
+            <a:srgbClr val="0F4B81"/>
+          </a:solidFill>
+          <a:ln>
+            <a:noFill/>
+          </a:ln>
+        </p:spPr>
+        <p:style>
+          <a:lnRef idx="2">
+            <a:schemeClr val="accent1">
+              <a:shade val="50000"/>
+            </a:schemeClr>
+          </a:lnRef>
+          <a:fillRef idx="1">
+            <a:schemeClr val="accent1"/>
+          </a:fillRef>
+          <a:effectRef idx="0">
+            <a:schemeClr val="accent1"/>
+          </a:effectRef>
+          <a:fontRef idx="minor">
+            <a:schemeClr val="lt1"/>
+          </a:fontRef>
+        </p:style>
+        <p:txBody>
+          <a:bodyPr anchor="ctr"/>
+          <a:lstStyle/>
+          <a:p>
+            <a:pPr algn="ctr">
+              <a:defRPr/>
+            </a:pPr>
+            <a:endParaRPr lang="en-US"/>
+          </a:p>
+        </p:txBody>
+      </p:sp>
+      <p:sp>
+        <p:nvSpPr>
+          <p:cNvPr id="14" name="TextBox 13"/>
+          <p:cNvSpPr txBox="1"/>
+          <p:nvPr/>
+        </p:nvSpPr>
+        <p:spPr>
+          <a:xfrm>
+            <a:off x="624285" y="5206550"/>
+            <a:ext cx="1624483" cy="338554"/>
+          </a:xfrm>
+          <a:prstGeom prst="rect">
+            <a:avLst/>
+          </a:prstGeom>
+          <a:noFill/>
+        </p:spPr>
+        <p:txBody>
+          <a:bodyPr wrap="none">
+            <a:spAutoFit/>
+          </a:bodyPr>
+          <a:lstStyle/>
+          <a:p>
+            <a:pPr algn="ctr">
+              <a:defRPr/>
+            </a:pPr>
+            <a:r>
+              <a:rPr lang="en-US" sz="1600" spc="-51">
+                <a:ln w="9525">
+                  <a:solidFill>
+                    <a:schemeClr val="accent1">
+                      <a:alpha val="0"/>
+                    </a:schemeClr>
+                  </a:solidFill>
+                </a:ln>
+                <a:solidFill>
+                  <a:srgbClr val="0F4B81"/>
+                </a:solidFill>
+                <a:latin typeface="G마켓 산스 TTF Bold"/>
+                <a:ea typeface="G마켓 산스 TTF Bold"/>
+              </a:rPr>
+              <a:t>CHAPTER 04</a:t>
+            </a:r>
+            <a:endParaRPr lang="en-US" sz="1600" spc="-51">
+              <a:solidFill>
+                <a:srgbClr val="0F4B81"/>
+              </a:solidFill>
+              <a:latin typeface="G마켓 산스 TTF Bold"/>
+              <a:ea typeface="G마켓 산스 TTF Bold"/>
+            </a:endParaRPr>
+          </a:p>
+        </p:txBody>
+      </p:sp>
+      <p:sp>
+        <p:nvSpPr>
+          <p:cNvPr id="15" name="TextBox 14"/>
+          <p:cNvSpPr txBox="1"/>
+          <p:nvPr/>
+        </p:nvSpPr>
+        <p:spPr>
+          <a:xfrm>
+            <a:off x="645285" y="5545104"/>
+            <a:ext cx="1570230" cy="520416"/>
+          </a:xfrm>
+          <a:prstGeom prst="rect">
+            <a:avLst/>
+          </a:prstGeom>
+          <a:noFill/>
+        </p:spPr>
+        <p:txBody>
+          <a:bodyPr wrap="none">
+            <a:spAutoFit/>
+          </a:bodyPr>
+          <a:lstStyle/>
+          <a:p>
+            <a:pPr>
+              <a:lnSpc>
+                <a:spcPct val="120000"/>
+              </a:lnSpc>
+              <a:defRPr/>
+            </a:pPr>
+            <a:r>
+              <a:rPr lang="ko-KR" altLang="en-US" sz="2400" spc="-151">
+                <a:ln w="9525">
+                  <a:solidFill>
+                    <a:schemeClr val="accent1">
+                      <a:alpha val="0"/>
+                    </a:schemeClr>
+                  </a:solidFill>
+                </a:ln>
+                <a:solidFill>
+                  <a:srgbClr val="0F4B81"/>
+                </a:solidFill>
+                <a:latin typeface="G마켓 산스 TTF Bold"/>
+                <a:ea typeface="G마켓 산스 TTF Bold"/>
+              </a:rPr>
+              <a:t>구현 </a:t>
+            </a:r>
+            <a:r>
+              <a:rPr lang="en-US" altLang="ko-KR" sz="2400" spc="-151">
+                <a:ln w="9525">
+                  <a:solidFill>
+                    <a:schemeClr val="accent1">
+                      <a:alpha val="0"/>
+                    </a:schemeClr>
+                  </a:solidFill>
+                </a:ln>
+                <a:solidFill>
+                  <a:srgbClr val="0F4B81"/>
+                </a:solidFill>
+                <a:latin typeface="G마켓 산스 TTF Bold"/>
+                <a:ea typeface="G마켓 산스 TTF Bold"/>
+              </a:rPr>
+              <a:t>(</a:t>
+            </a:r>
+            <a:r>
+              <a:rPr lang="ko-KR" altLang="en-US" sz="2400" spc="-151">
+                <a:ln w="9525">
+                  <a:solidFill>
+                    <a:schemeClr val="accent1">
+                      <a:alpha val="0"/>
+                    </a:schemeClr>
+                  </a:solidFill>
+                </a:ln>
+                <a:solidFill>
+                  <a:srgbClr val="0F4B81"/>
+                </a:solidFill>
+                <a:latin typeface="G마켓 산스 TTF Bold"/>
+                <a:ea typeface="G마켓 산스 TTF Bold"/>
+              </a:rPr>
+              <a:t>예상</a:t>
+            </a:r>
+            <a:r>
+              <a:rPr lang="en-US" altLang="ko-KR" sz="2400" spc="-151">
+                <a:ln w="9525">
+                  <a:solidFill>
+                    <a:schemeClr val="accent1">
+                      <a:alpha val="0"/>
+                    </a:schemeClr>
+                  </a:solidFill>
+                </a:ln>
+                <a:solidFill>
+                  <a:srgbClr val="0F4B81"/>
+                </a:solidFill>
+                <a:latin typeface="G마켓 산스 TTF Bold"/>
+                <a:ea typeface="G마켓 산스 TTF Bold"/>
+              </a:rPr>
+              <a:t>)</a:t>
+            </a:r>
+          </a:p>
+        </p:txBody>
+      </p:sp>
+      <p:pic>
+        <p:nvPicPr>
+          <p:cNvPr id="20" name="그림 19" descr="새집이(가) 표시된 사진  자동 생성된 설명"/>
+          <p:cNvPicPr>
+            <a:picLocks noChangeAspect="1"/>
+          </p:cNvPicPr>
+          <p:nvPr/>
+        </p:nvPicPr>
+        <p:blipFill rotWithShape="1">
+          <a:blip r:embed="rId2">
+            <a:alphaModFix amt="70000"/>
+          </a:blip>
+          <a:stretch>
+            <a:fillRect/>
+          </a:stretch>
+        </p:blipFill>
+        <p:spPr>
+          <a:xfrm>
+            <a:off x="8191207" y="3724669"/>
+            <a:ext cx="3752530" cy="3028073"/>
+          </a:xfrm>
+          <a:prstGeom prst="rect">
+            <a:avLst/>
+          </a:prstGeom>
+        </p:spPr>
+      </p:pic>
+      <p:cxnSp>
+        <p:nvCxnSpPr>
+          <p:cNvPr id="23" name="직선 연결선 22"/>
+          <p:cNvCxnSpPr/>
+          <p:nvPr/>
+        </p:nvCxnSpPr>
+        <p:spPr>
+          <a:xfrm>
+            <a:off x="10067472" y="1354524"/>
+            <a:ext cx="2106343" cy="0"/>
+          </a:xfrm>
+          <a:prstGeom prst="line">
+            <a:avLst/>
+          </a:prstGeom>
+          <a:ln w="25400" cap="rnd">
+            <a:solidFill>
+              <a:srgbClr val="0F4B81"/>
+            </a:solidFill>
+          </a:ln>
+        </p:spPr>
+        <p:style>
+          <a:lnRef idx="1">
+            <a:schemeClr val="accent1"/>
+          </a:lnRef>
+          <a:fillRef idx="0">
+            <a:schemeClr val="accent1"/>
+          </a:fillRef>
+          <a:effectRef idx="0">
+            <a:schemeClr val="accent1"/>
+          </a:effectRef>
+          <a:fontRef idx="minor">
+            <a:schemeClr val="tx1"/>
+          </a:fontRef>
+        </p:style>
+      </p:cxnSp>
+      <p:sp>
+        <p:nvSpPr>
+          <p:cNvPr id="21" name="직사각형 20"/>
+          <p:cNvSpPr/>
+          <p:nvPr/>
+        </p:nvSpPr>
+        <p:spPr>
+          <a:xfrm>
+            <a:off x="9999415" y="431194"/>
+            <a:ext cx="1479636" cy="923330"/>
+          </a:xfrm>
+          <a:prstGeom prst="rect">
+            <a:avLst/>
+          </a:prstGeom>
+        </p:spPr>
+        <p:txBody>
+          <a:bodyPr wrap="none">
+            <a:spAutoFit/>
+          </a:bodyPr>
+          <a:lstStyle/>
+          <a:p>
+            <a:pPr lvl="0">
+              <a:defRPr/>
+            </a:pPr>
+            <a:r>
+              <a:rPr lang="ko-KR" altLang="en-US" sz="5400" spc="-151">
+                <a:ln w="9525">
+                  <a:solidFill>
+                    <a:schemeClr val="accent1">
+                      <a:alpha val="0"/>
+                    </a:schemeClr>
+                  </a:solidFill>
+                </a:ln>
+                <a:solidFill>
+                  <a:srgbClr val="0F4B81"/>
+                </a:solidFill>
+                <a:latin typeface="G마켓 산스 TTF Bold"/>
+                <a:ea typeface="G마켓 산스 TTF Bold"/>
+              </a:rPr>
+              <a:t>목차</a:t>
+            </a:r>
+            <a:endParaRPr lang="ko-KR" altLang="en-US" sz="5400"/>
+          </a:p>
+        </p:txBody>
+      </p:sp>
+      <p:sp>
+        <p:nvSpPr>
+          <p:cNvPr id="27" name="TextBox 26"/>
+          <p:cNvSpPr txBox="1"/>
+          <p:nvPr/>
+        </p:nvSpPr>
+        <p:spPr>
+          <a:xfrm>
+            <a:off x="5113101" y="1615197"/>
+            <a:ext cx="1965798" cy="640323"/>
+          </a:xfrm>
+          <a:prstGeom prst="rect">
+            <a:avLst/>
+          </a:prstGeom>
+        </p:spPr>
+        <p:txBody>
+          <a:bodyPr wrap="square">
+            <a:spAutoFit/>
+          </a:bodyPr>
+          <a:lstStyle/>
+          <a:p>
+            <a:pPr>
+              <a:defRPr/>
+            </a:pPr>
+            <a:r>
+              <a:rPr lang="ko-KR" altLang="en-US"/>
+              <a:t>검사 정의 효과 장점 등</a:t>
+            </a:r>
+          </a:p>
+        </p:txBody>
+      </p:sp>
+      <p:sp>
+        <p:nvSpPr>
+          <p:cNvPr id="28" name="TextBox 27"/>
+          <p:cNvSpPr txBox="1"/>
+          <p:nvPr/>
+        </p:nvSpPr>
+        <p:spPr>
+          <a:xfrm>
+            <a:off x="7180228" y="1670259"/>
+            <a:ext cx="1965798" cy="642411"/>
+          </a:xfrm>
+          <a:prstGeom prst="rect">
+            <a:avLst/>
+          </a:prstGeom>
+        </p:spPr>
+        <p:txBody>
+          <a:bodyPr wrap="square">
+            <a:spAutoFit/>
+          </a:bodyPr>
+          <a:lstStyle/>
+          <a:p>
+            <a:pPr>
+              <a:defRPr/>
+            </a:pPr>
+            <a:r>
+              <a:rPr lang="ko-KR" altLang="en-US"/>
+              <a:t>투사적검사 정의 종류</a:t>
+            </a:r>
+          </a:p>
+        </p:txBody>
+      </p:sp>
+      <p:sp>
+        <p:nvSpPr>
+          <p:cNvPr id="29" name="TextBox 28"/>
+          <p:cNvSpPr txBox="1"/>
+          <p:nvPr/>
+        </p:nvSpPr>
+        <p:spPr>
+          <a:xfrm>
+            <a:off x="2975043" y="1858388"/>
+            <a:ext cx="1965798" cy="635257"/>
+          </a:xfrm>
+          <a:prstGeom prst="rect">
+            <a:avLst/>
+          </a:prstGeom>
+        </p:spPr>
+        <p:txBody>
+          <a:bodyPr wrap="square">
+            <a:spAutoFit/>
+          </a:bodyPr>
+          <a:lstStyle/>
+          <a:p>
+            <a:pPr>
+              <a:defRPr/>
+            </a:pPr>
+            <a:r>
+              <a:rPr lang="ko-KR" altLang="en-US"/>
+              <a:t>심리 검사에 대하여</a:t>
+            </a:r>
+          </a:p>
+        </p:txBody>
+      </p:sp>
+      <p:sp>
+        <p:nvSpPr>
+          <p:cNvPr id="30" name="TextBox 29"/>
+          <p:cNvSpPr txBox="1"/>
+          <p:nvPr/>
+        </p:nvSpPr>
+        <p:spPr>
+          <a:xfrm>
+            <a:off x="4130202" y="2974596"/>
+            <a:ext cx="1965798" cy="909699"/>
+          </a:xfrm>
+          <a:prstGeom prst="rect">
+            <a:avLst/>
+          </a:prstGeom>
+        </p:spPr>
+        <p:txBody>
+          <a:bodyPr wrap="square">
+            <a:spAutoFit/>
+          </a:bodyPr>
+          <a:lstStyle/>
+          <a:p>
+            <a:pPr>
+              <a:defRPr/>
+            </a:pPr>
+            <a:r>
+              <a:rPr lang="ko-KR" altLang="en-US"/>
+              <a:t>정의 방법 효과 장단점 원리 사용처 신뢰도</a:t>
+            </a:r>
+          </a:p>
+        </p:txBody>
+      </p:sp>
+      <p:sp>
+        <p:nvSpPr>
+          <p:cNvPr id="31" name="TextBox 30"/>
+          <p:cNvSpPr txBox="1"/>
+          <p:nvPr/>
+        </p:nvSpPr>
+        <p:spPr>
+          <a:xfrm>
+            <a:off x="4555787" y="4109489"/>
+            <a:ext cx="1965798" cy="1184506"/>
+          </a:xfrm>
+          <a:prstGeom prst="rect">
+            <a:avLst/>
+          </a:prstGeom>
+        </p:spPr>
+        <p:txBody>
+          <a:bodyPr wrap="square">
+            <a:spAutoFit/>
+          </a:bodyPr>
+          <a:lstStyle/>
+          <a:p>
+            <a:pPr>
+              <a:defRPr/>
+            </a:pPr>
+            <a:r>
+              <a:rPr lang="ko-KR" altLang="en-US"/>
+              <a:t>진행방법 </a:t>
+            </a:r>
+            <a:r>
+              <a:rPr lang="en-US" altLang="ko-KR"/>
+              <a:t>-</a:t>
+            </a:r>
+            <a:r>
+              <a:rPr lang="ko-KR" altLang="en-US"/>
+              <a:t> 방법에 따른 계획사항 및 장단점 사용처날짜별 진행계획</a:t>
+            </a:r>
+          </a:p>
+        </p:txBody>
+      </p:sp>
+      <p:sp>
+        <p:nvSpPr>
+          <p:cNvPr id="32" name="TextBox 31"/>
+          <p:cNvSpPr txBox="1"/>
+          <p:nvPr/>
+        </p:nvSpPr>
+        <p:spPr>
+          <a:xfrm>
+            <a:off x="6703978" y="4068956"/>
+            <a:ext cx="1965798" cy="1453639"/>
+          </a:xfrm>
+          <a:prstGeom prst="rect">
+            <a:avLst/>
+          </a:prstGeom>
+        </p:spPr>
+        <p:txBody>
+          <a:bodyPr wrap="square">
+            <a:spAutoFit/>
+          </a:bodyPr>
+          <a:lstStyle/>
+          <a:p>
+            <a:pPr>
+              <a:defRPr/>
+            </a:pPr>
+            <a:r>
+              <a:rPr lang="ko-KR" altLang="en-US"/>
+              <a:t>진행에 따른 원리 </a:t>
+            </a:r>
+            <a:r>
+              <a:rPr lang="en-US" altLang="ko-KR"/>
+              <a:t>-</a:t>
+            </a:r>
+            <a:r>
+              <a:rPr lang="ko-KR" altLang="en-US"/>
+              <a:t> 점수계산법</a:t>
+            </a:r>
+            <a:r>
+              <a:rPr lang="en-US" altLang="ko-KR"/>
+              <a:t>,</a:t>
+            </a:r>
+            <a:r>
+              <a:rPr lang="ko-KR" altLang="en-US"/>
+              <a:t> 검사자가 행동요인 체크해야한다는 것 포함 </a:t>
+            </a:r>
+          </a:p>
+        </p:txBody>
+      </p:sp>
+      <p:sp>
+        <p:nvSpPr>
+          <p:cNvPr id="33" name="TextBox 32"/>
+          <p:cNvSpPr txBox="1"/>
+          <p:nvPr/>
+        </p:nvSpPr>
+        <p:spPr>
+          <a:xfrm>
+            <a:off x="2387329" y="4048690"/>
+            <a:ext cx="1965798" cy="635704"/>
+          </a:xfrm>
+          <a:prstGeom prst="rect">
+            <a:avLst/>
+          </a:prstGeom>
+        </p:spPr>
+        <p:txBody>
+          <a:bodyPr wrap="square">
+            <a:spAutoFit/>
+          </a:bodyPr>
+          <a:lstStyle/>
+          <a:p>
+            <a:pPr>
+              <a:defRPr/>
+            </a:pPr>
+            <a:r>
+              <a:rPr lang="ko-KR" altLang="en-US"/>
+              <a:t>시장파악 </a:t>
+            </a:r>
+            <a:r>
+              <a:rPr lang="en-US" altLang="ko-KR"/>
+              <a:t>-</a:t>
+            </a:r>
+            <a:r>
+              <a:rPr lang="ko-KR" altLang="en-US"/>
+              <a:t> 현존하는 프로그램 등</a:t>
+            </a:r>
+          </a:p>
+        </p:txBody>
+      </p:sp>
+      <p:sp>
+        <p:nvSpPr>
+          <p:cNvPr id="34" name="TextBox 33"/>
+          <p:cNvSpPr txBox="1"/>
+          <p:nvPr/>
+        </p:nvSpPr>
+        <p:spPr>
+          <a:xfrm>
+            <a:off x="8933232" y="3846029"/>
+            <a:ext cx="1965798" cy="638341"/>
+          </a:xfrm>
+          <a:prstGeom prst="rect">
+            <a:avLst/>
+          </a:prstGeom>
+        </p:spPr>
+        <p:txBody>
+          <a:bodyPr wrap="square">
+            <a:spAutoFit/>
+          </a:bodyPr>
+          <a:lstStyle/>
+          <a:p>
+            <a:pPr>
+              <a:defRPr/>
+            </a:pPr>
+            <a:r>
+              <a:rPr lang="ko-KR" altLang="en-US"/>
+              <a:t>기술에 대한 자세한 설명</a:t>
+            </a:r>
+          </a:p>
+        </p:txBody>
+      </p:sp>
+    </p:spTree>
+  </p:cSld>
+  <p:clrMapOvr>
+    <a:masterClrMapping/>
+  </p:clrMapOvr>
+  <mc:AlternateContent xmlns:mc="http://schemas.openxmlformats.org/markup-compatibility/2006" xmlns:p14="http://schemas.microsoft.com/office/powerpoint/2010/main">
+    <mc:Choice Requires="p14">
+      <p:transition/>
+    </mc:Choice>
+    <mc:Fallback xmlns="" xmlns:c="http://schemas.openxmlformats.org/drawingml/2006/chart" xmlns:dgm="http://schemas.openxmlformats.org/drawingml/2006/diagram" xmlns:dsp="http://schemas.microsoft.com/office/drawing/2008/diagram">
+      <p:transition/>
+    </mc:Fallback>
+  </mc:AlternateContent>
+</p:sld>
+</file>
+
+<file path=ppt/slides/slide20.xml><?xml version="1.0" encoding="utf-8"?>
+<p:sld xmlns:a="http://schemas.openxmlformats.org/drawingml/2006/main" xmlns:r="http://schemas.openxmlformats.org/officeDocument/2006/relationships" xmlns:p="http://schemas.openxmlformats.org/presentationml/2006/main">
+  <p:cSld>
+    <p:spTree>
+      <p:nvGrpSpPr>
+        <p:cNvPr id="1" name=""/>
+        <p:cNvGrpSpPr/>
+        <p:nvPr/>
+      </p:nvGrpSpPr>
+      <p:grpSpPr>
+        <a:xfrm>
+          <a:off x="0" y="0"/>
+          <a:ext cx="0" cy="0"/>
+          <a:chOff x="0" y="0"/>
+          <a:chExt cx="0" cy="0"/>
+        </a:xfrm>
+      </p:grpSpPr>
+      <p:sp>
+        <p:nvSpPr>
+          <p:cNvPr id="27" name="TextBox 26"/>
+          <p:cNvSpPr txBox="1"/>
+          <p:nvPr/>
+        </p:nvSpPr>
+        <p:spPr>
+          <a:xfrm>
+            <a:off x="279669" y="277643"/>
+            <a:ext cx="2438232" cy="384721"/>
+          </a:xfrm>
+          <a:prstGeom prst="rect">
+            <a:avLst/>
+          </a:prstGeom>
+        </p:spPr>
+        <p:txBody>
+          <a:bodyPr wrap="none">
+            <a:spAutoFit/>
+          </a:bodyPr>
+          <a:lstStyle/>
+          <a:p>
+            <a:pPr>
+              <a:defRPr/>
+            </a:pPr>
+            <a:r>
+              <a:rPr lang="ko-KR" altLang="en-US" sz="1900" dirty="0" err="1"/>
+              <a:t>로샤</a:t>
+            </a:r>
+            <a:r>
+              <a:rPr lang="ko-KR" altLang="en-US" sz="1900" dirty="0"/>
+              <a:t> 테스트 </a:t>
+            </a:r>
+            <a:r>
+              <a:rPr lang="en-US" altLang="ko-KR" sz="1900" dirty="0"/>
+              <a:t>-8</a:t>
+            </a:r>
+            <a:r>
+              <a:rPr lang="ko-KR" altLang="en-US" sz="1900" dirty="0"/>
+              <a:t> </a:t>
+            </a:r>
+            <a:r>
+              <a:rPr lang="en-US" altLang="ko-KR" sz="1900" dirty="0"/>
+              <a:t>page</a:t>
+            </a:r>
+          </a:p>
+        </p:txBody>
+      </p:sp>
+      <p:sp>
+        <p:nvSpPr>
+          <p:cNvPr id="6" name="TextBox 5">
+            <a:extLst>
+              <a:ext uri="{FF2B5EF4-FFF2-40B4-BE49-F238E27FC236}">
+                <a16:creationId xmlns:a16="http://schemas.microsoft.com/office/drawing/2014/main" id="{5BE0EFCF-EB82-4F20-A4D9-51A5C0A48EEA}"/>
+              </a:ext>
+            </a:extLst>
+          </p:cNvPr>
+          <p:cNvSpPr txBox="1"/>
+          <p:nvPr/>
+        </p:nvSpPr>
+        <p:spPr>
+          <a:xfrm>
+            <a:off x="279669" y="973730"/>
+            <a:ext cx="9621545" cy="1846659"/>
+          </a:xfrm>
+          <a:prstGeom prst="rect">
+            <a:avLst/>
+          </a:prstGeom>
+        </p:spPr>
+        <p:txBody>
+          <a:bodyPr wrap="none">
+            <a:spAutoFit/>
+          </a:bodyPr>
+          <a:lstStyle/>
+          <a:p>
+            <a:pPr>
+              <a:defRPr/>
+            </a:pPr>
+            <a:r>
+              <a:rPr lang="ko-KR" altLang="en-US" sz="1900" b="1" dirty="0" err="1"/>
+              <a:t>로샤</a:t>
+            </a:r>
+            <a:r>
+              <a:rPr lang="ko-KR" altLang="en-US" sz="1900" b="1" dirty="0"/>
+              <a:t> 검사 준비할 점</a:t>
+            </a:r>
+            <a:endParaRPr lang="en-US" altLang="ko-KR" sz="1900" b="1" dirty="0"/>
+          </a:p>
+          <a:p>
+            <a:pPr marL="342900" indent="-342900">
+              <a:buFont typeface="Arial" panose="020B0604020202020204" pitchFamily="34" charset="0"/>
+              <a:buChar char="•"/>
+              <a:defRPr/>
+            </a:pPr>
+            <a:r>
+              <a:rPr lang="ko-KR" altLang="en-US" sz="1900" dirty="0"/>
+              <a:t>수검자의 심리상태에 관심을 기울이고 검사를 하기 전에 준비사항을 점검</a:t>
+            </a:r>
+            <a:endParaRPr lang="en-US" altLang="ko-KR" sz="1900" dirty="0"/>
+          </a:p>
+          <a:p>
+            <a:pPr marL="342900" indent="-342900">
+              <a:buFont typeface="Arial" panose="020B0604020202020204" pitchFamily="34" charset="0"/>
+              <a:buChar char="•"/>
+              <a:defRPr/>
+            </a:pPr>
+            <a:r>
+              <a:rPr lang="ko-KR" altLang="en-US" sz="1900" dirty="0"/>
+              <a:t>필요자료 점검 </a:t>
+            </a:r>
+            <a:endParaRPr lang="en-US" altLang="ko-KR" sz="1900" dirty="0"/>
+          </a:p>
+          <a:p>
+            <a:pPr marL="342900" indent="-342900">
+              <a:buFont typeface="Arial" panose="020B0604020202020204" pitchFamily="34" charset="0"/>
+              <a:buChar char="•"/>
+              <a:defRPr/>
+            </a:pPr>
+            <a:r>
+              <a:rPr lang="ko-KR" altLang="en-US" sz="1900" dirty="0"/>
+              <a:t>좌석배치 점검</a:t>
+            </a:r>
+            <a:endParaRPr lang="en-US" altLang="ko-KR" sz="1900" dirty="0"/>
+          </a:p>
+          <a:p>
+            <a:pPr marL="342900" indent="-342900">
+              <a:buFont typeface="Arial" panose="020B0604020202020204" pitchFamily="34" charset="0"/>
+              <a:buChar char="•"/>
+              <a:defRPr/>
+            </a:pPr>
+            <a:r>
+              <a:rPr lang="ko-KR" altLang="en-US" sz="1900" dirty="0"/>
+              <a:t>검사시간 점검</a:t>
+            </a:r>
+            <a:endParaRPr lang="en-US" altLang="ko-KR" sz="1900" dirty="0"/>
+          </a:p>
+          <a:p>
+            <a:pPr marL="342900" indent="-342900">
+              <a:buFont typeface="Arial" panose="020B0604020202020204" pitchFamily="34" charset="0"/>
+              <a:buChar char="•"/>
+              <a:defRPr/>
+            </a:pPr>
+            <a:r>
+              <a:rPr lang="ko-KR" altLang="en-US" sz="1900" dirty="0"/>
+              <a:t>검사 준비물 점검</a:t>
+            </a:r>
+            <a:r>
+              <a:rPr lang="en-US" altLang="ko-KR" sz="1900" dirty="0"/>
+              <a:t>(</a:t>
+            </a:r>
+            <a:r>
+              <a:rPr lang="ko-KR" altLang="en-US" sz="1900" dirty="0" err="1"/>
+              <a:t>로샤카드</a:t>
+            </a:r>
+            <a:r>
+              <a:rPr lang="ko-KR" altLang="en-US" sz="1900" dirty="0"/>
+              <a:t> 한 세트</a:t>
+            </a:r>
+            <a:r>
+              <a:rPr lang="en-US" altLang="ko-KR" sz="1900" dirty="0"/>
+              <a:t>, </a:t>
+            </a:r>
+            <a:r>
+              <a:rPr lang="ko-KR" altLang="en-US" sz="1900" dirty="0"/>
+              <a:t>반응기록용지</a:t>
+            </a:r>
+            <a:r>
+              <a:rPr lang="en-US" altLang="ko-KR" sz="1900" dirty="0"/>
+              <a:t>, </a:t>
+            </a:r>
+            <a:r>
+              <a:rPr lang="ko-KR" altLang="en-US" sz="1900" dirty="0"/>
+              <a:t>반응영역 용지</a:t>
+            </a:r>
+            <a:r>
+              <a:rPr lang="en-US" altLang="ko-KR" sz="1900" dirty="0"/>
+              <a:t>, </a:t>
+            </a:r>
+            <a:r>
+              <a:rPr lang="ko-KR" altLang="en-US" sz="1900" dirty="0" err="1"/>
+              <a:t>초시계</a:t>
+            </a:r>
+            <a:r>
+              <a:rPr lang="en-US" altLang="ko-KR" sz="1900" dirty="0"/>
+              <a:t>, </a:t>
+            </a:r>
+            <a:r>
+              <a:rPr lang="ko-KR" altLang="en-US" sz="1900" dirty="0"/>
+              <a:t>필기도구</a:t>
+            </a:r>
+            <a:endParaRPr lang="en-US" altLang="ko-KR" sz="1900" dirty="0"/>
+          </a:p>
+        </p:txBody>
+      </p:sp>
+      <p:sp>
+        <p:nvSpPr>
+          <p:cNvPr id="5" name="TextBox 4">
+            <a:extLst>
+              <a:ext uri="{FF2B5EF4-FFF2-40B4-BE49-F238E27FC236}">
+                <a16:creationId xmlns:a16="http://schemas.microsoft.com/office/drawing/2014/main" id="{B1E43B65-7D06-4A57-80E7-CB337AD089B1}"/>
+              </a:ext>
+            </a:extLst>
+          </p:cNvPr>
+          <p:cNvSpPr txBox="1"/>
+          <p:nvPr/>
+        </p:nvSpPr>
+        <p:spPr>
+          <a:xfrm>
+            <a:off x="279669" y="3131755"/>
+            <a:ext cx="10809369" cy="2139047"/>
+          </a:xfrm>
+          <a:prstGeom prst="rect">
+            <a:avLst/>
+          </a:prstGeom>
+        </p:spPr>
+        <p:txBody>
+          <a:bodyPr wrap="none">
+            <a:spAutoFit/>
+          </a:bodyPr>
+          <a:lstStyle/>
+          <a:p>
+            <a:pPr>
+              <a:defRPr/>
+            </a:pPr>
+            <a:r>
+              <a:rPr lang="ko-KR" altLang="en-US" sz="1900" b="1"/>
+              <a:t>로샤 검사 주의사항</a:t>
+            </a:r>
+            <a:endParaRPr lang="en-US" altLang="ko-KR" sz="1900" b="1"/>
+          </a:p>
+          <a:p>
+            <a:pPr marL="342900" indent="-342900">
+              <a:buFont typeface="Arial" panose="020B0604020202020204" pitchFamily="34" charset="0"/>
+              <a:buChar char="•"/>
+              <a:defRPr/>
+            </a:pPr>
+            <a:r>
+              <a:rPr lang="ko-KR" altLang="en-US" sz="1900"/>
+              <a:t>색채 효과에 영향을 줄 수 있는지에 따라 형광등 사용 검토</a:t>
+            </a:r>
+            <a:endParaRPr lang="en-US" altLang="ko-KR" sz="1900"/>
+          </a:p>
+          <a:p>
+            <a:pPr marL="342900" indent="-342900">
+              <a:buFont typeface="Arial" panose="020B0604020202020204" pitchFamily="34" charset="0"/>
+              <a:buChar char="•"/>
+              <a:defRPr/>
+            </a:pPr>
+            <a:r>
+              <a:rPr lang="ko-KR" altLang="en-US" sz="1900"/>
+              <a:t>검사카드는 수검자의 손에 닿지 않는 위치에 두고 수검자에게 카드를 보여줄 때 그림이 거꾸로</a:t>
+            </a:r>
+            <a:br>
+              <a:rPr lang="en-US" altLang="ko-KR" sz="1900"/>
+            </a:br>
+            <a:r>
+              <a:rPr lang="ko-KR" altLang="en-US" sz="1900"/>
+              <a:t>되지 않도록 주의</a:t>
+            </a:r>
+            <a:endParaRPr lang="en-US" altLang="ko-KR" sz="1900"/>
+          </a:p>
+          <a:p>
+            <a:pPr marL="342900" indent="-342900">
+              <a:buFont typeface="Arial" panose="020B0604020202020204" pitchFamily="34" charset="0"/>
+              <a:buChar char="•"/>
+              <a:defRPr/>
+            </a:pPr>
+            <a:r>
+              <a:rPr lang="ko-KR" altLang="en-US" sz="1900"/>
+              <a:t>검사카드에는 연필자국이나 손톱자국 또는 낙서가 되어있지 않아야 함</a:t>
+            </a:r>
+            <a:endParaRPr lang="en-US" altLang="ko-KR" sz="1900"/>
+          </a:p>
+          <a:p>
+            <a:pPr marL="342900" indent="-342900">
+              <a:buFont typeface="Arial" panose="020B0604020202020204" pitchFamily="34" charset="0"/>
+              <a:buChar char="•"/>
+              <a:defRPr/>
+            </a:pPr>
+            <a:r>
+              <a:rPr lang="ko-KR" altLang="en-US" sz="1900"/>
+              <a:t>앉는 자리 배치에 신경 써야 함</a:t>
+            </a:r>
+            <a:endParaRPr lang="en-US" altLang="ko-KR" sz="1900"/>
+          </a:p>
+          <a:p>
+            <a:pPr>
+              <a:defRPr/>
+            </a:pPr>
+            <a:endParaRPr lang="en-US" altLang="ko-KR" sz="1900" dirty="0"/>
+          </a:p>
+        </p:txBody>
+      </p:sp>
+      <p:sp>
+        <p:nvSpPr>
+          <p:cNvPr id="2" name="직사각형 1">
+            <a:extLst>
+              <a:ext uri="{FF2B5EF4-FFF2-40B4-BE49-F238E27FC236}">
+                <a16:creationId xmlns:a16="http://schemas.microsoft.com/office/drawing/2014/main" id="{24766A8D-6599-49C2-898E-8273706DE9EF}"/>
+              </a:ext>
+            </a:extLst>
+          </p:cNvPr>
+          <p:cNvSpPr/>
+          <p:nvPr/>
+        </p:nvSpPr>
+        <p:spPr>
+          <a:xfrm>
+            <a:off x="499986" y="5083845"/>
+            <a:ext cx="8685391" cy="1200329"/>
+          </a:xfrm>
+          <a:prstGeom prst="rect">
+            <a:avLst/>
+          </a:prstGeom>
+        </p:spPr>
+        <p:txBody>
+          <a:bodyPr wrap="none">
+            <a:spAutoFit/>
+          </a:bodyPr>
+          <a:lstStyle/>
+          <a:p>
+            <a:pPr>
+              <a:defRPr/>
+            </a:pPr>
+            <a:r>
+              <a:rPr lang="en-US" altLang="ko-KR" dirty="0">
+                <a:solidFill>
+                  <a:srgbClr val="FF0000"/>
+                </a:solidFill>
+              </a:rPr>
+              <a:t>1.Exner</a:t>
+            </a:r>
+            <a:r>
+              <a:rPr lang="ko-KR" altLang="en-US" dirty="0">
+                <a:solidFill>
+                  <a:srgbClr val="FF0000"/>
+                </a:solidFill>
+              </a:rPr>
+              <a:t>의 </a:t>
+            </a:r>
+            <a:r>
+              <a:rPr lang="ko-KR" altLang="en-US" dirty="0" err="1">
+                <a:solidFill>
+                  <a:srgbClr val="FF0000"/>
+                </a:solidFill>
+              </a:rPr>
+              <a:t>로샤</a:t>
+            </a:r>
+            <a:r>
+              <a:rPr lang="ko-KR" altLang="en-US" dirty="0">
+                <a:solidFill>
+                  <a:srgbClr val="FF0000"/>
+                </a:solidFill>
+              </a:rPr>
+              <a:t> </a:t>
+            </a:r>
+            <a:r>
+              <a:rPr lang="ko-KR" altLang="en-US" dirty="0" err="1">
+                <a:solidFill>
+                  <a:srgbClr val="FF0000"/>
+                </a:solidFill>
+              </a:rPr>
+              <a:t>종합체계워크북에서는</a:t>
+            </a:r>
+            <a:r>
+              <a:rPr lang="ko-KR" altLang="en-US" dirty="0">
+                <a:solidFill>
+                  <a:srgbClr val="FF0000"/>
+                </a:solidFill>
+              </a:rPr>
+              <a:t> 검사자가 마주보는 위치를 피해야 한다고 함</a:t>
+            </a:r>
+            <a:endParaRPr lang="en-US" altLang="ko-KR" dirty="0">
+              <a:solidFill>
+                <a:srgbClr val="FF0000"/>
+              </a:solidFill>
+            </a:endParaRPr>
+          </a:p>
+          <a:p>
+            <a:pPr>
+              <a:defRPr/>
+            </a:pPr>
+            <a:r>
+              <a:rPr lang="en-US" altLang="ko-KR" dirty="0">
+                <a:solidFill>
+                  <a:srgbClr val="FF0000"/>
+                </a:solidFill>
+              </a:rPr>
+              <a:t>2.</a:t>
+            </a:r>
+            <a:r>
+              <a:rPr lang="ko-KR" altLang="en-US" dirty="0">
+                <a:solidFill>
+                  <a:srgbClr val="FF0000"/>
+                </a:solidFill>
+              </a:rPr>
+              <a:t>옆에 작은 테이블을 두고 검사</a:t>
+            </a:r>
+            <a:endParaRPr lang="en-US" altLang="ko-KR" dirty="0">
+              <a:solidFill>
+                <a:srgbClr val="FF0000"/>
+              </a:solidFill>
+            </a:endParaRPr>
+          </a:p>
+          <a:p>
+            <a:pPr>
+              <a:defRPr/>
+            </a:pPr>
+            <a:r>
+              <a:rPr lang="en-US" altLang="ko-KR" dirty="0">
+                <a:solidFill>
+                  <a:srgbClr val="FF0000"/>
+                </a:solidFill>
+              </a:rPr>
+              <a:t>3.</a:t>
+            </a:r>
+            <a:r>
+              <a:rPr lang="ko-KR" altLang="en-US" dirty="0">
+                <a:solidFill>
+                  <a:srgbClr val="FF0000"/>
+                </a:solidFill>
+              </a:rPr>
+              <a:t>수검자와 나란히 앉기</a:t>
+            </a:r>
+            <a:endParaRPr lang="en-US" altLang="ko-KR" dirty="0">
+              <a:solidFill>
+                <a:srgbClr val="FF0000"/>
+              </a:solidFill>
+            </a:endParaRPr>
+          </a:p>
+          <a:p>
+            <a:pPr>
+              <a:defRPr/>
+            </a:pPr>
+            <a:r>
+              <a:rPr lang="en-US" altLang="ko-KR" dirty="0">
+                <a:solidFill>
+                  <a:srgbClr val="FF0000"/>
+                </a:solidFill>
+              </a:rPr>
+              <a:t>4.90</a:t>
+            </a:r>
+            <a:r>
+              <a:rPr lang="ko-KR" altLang="en-US" dirty="0">
+                <a:solidFill>
+                  <a:srgbClr val="FF0000"/>
+                </a:solidFill>
+              </a:rPr>
+              <a:t>도 측면</a:t>
+            </a:r>
+          </a:p>
+        </p:txBody>
+      </p:sp>
+      <p:sp>
+        <p:nvSpPr>
+          <p:cNvPr id="7" name="직사각형 6">
+            <a:extLst>
+              <a:ext uri="{FF2B5EF4-FFF2-40B4-BE49-F238E27FC236}">
+                <a16:creationId xmlns:a16="http://schemas.microsoft.com/office/drawing/2014/main" id="{39C68423-62D5-4133-A6D7-A42A9614966A}"/>
+              </a:ext>
+            </a:extLst>
+          </p:cNvPr>
+          <p:cNvSpPr/>
+          <p:nvPr/>
+        </p:nvSpPr>
+        <p:spPr>
+          <a:xfrm>
+            <a:off x="1258429" y="4616713"/>
+            <a:ext cx="1068309" cy="289339"/>
+          </a:xfrm>
+          <a:prstGeom prst="rect">
+            <a:avLst/>
+          </a:prstGeom>
+          <a:noFill/>
+          <a:ln w="28575" cap="flat" cmpd="sng" algn="ctr">
+            <a:solidFill>
+              <a:srgbClr val="FF0000">
+                <a:alpha val="100000"/>
+              </a:srgbClr>
+            </a:solidFill>
+            <a:prstDash val="solid"/>
+            <a:miter/>
+          </a:ln>
+        </p:spPr>
+        <p:txBody>
+          <a:bodyPr anchor="ctr"/>
+          <a:lstStyle/>
+          <a:p>
+            <a:pPr marL="0" indent="0" algn="ctr" defTabSz="914400" rtl="0" eaLnBrk="1" latinLnBrk="1" hangingPunct="1">
+              <a:lnSpc>
+                <a:spcPct val="100000"/>
+              </a:lnSpc>
+              <a:spcBef>
+                <a:spcPct val="0"/>
+              </a:spcBef>
+              <a:spcAft>
+                <a:spcPts val="0"/>
+              </a:spcAft>
+              <a:buNone/>
+              <a:defRPr/>
+            </a:pPr>
+            <a:endParaRPr lang="ko-KR" altLang="en-US">
+              <a:effectLst/>
+              <a:latin typeface="함초롬돋움"/>
+            </a:endParaRPr>
+          </a:p>
+        </p:txBody>
+      </p:sp>
+    </p:spTree>
+    <p:extLst>
+      <p:ext uri="{BB962C8B-B14F-4D97-AF65-F5344CB8AC3E}">
+        <p14:creationId xmlns:p14="http://schemas.microsoft.com/office/powerpoint/2010/main" val="3829212881"/>
+      </p:ext>
+    </p:extLst>
+  </p:cSld>
+  <p:clrMapOvr>
+    <a:masterClrMapping/>
+  </p:clrMapOvr>
+  <mc:AlternateContent xmlns:mc="http://schemas.openxmlformats.org/markup-compatibility/2006" xmlns:p14="http://schemas.microsoft.com/office/powerpoint/2010/main">
+    <mc:Choice Requires="p14">
+      <p:transition/>
+    </mc:Choice>
+    <mc:Fallback xmlns="" xmlns:c="http://schemas.openxmlformats.org/drawingml/2006/chart" xmlns:dgm="http://schemas.openxmlformats.org/drawingml/2006/diagram" xmlns:dsp="http://schemas.microsoft.com/office/drawing/2008/diagram">
+      <p:transition/>
+    </mc:Fallback>
+  </mc:AlternateContent>
+</p:sld>
+</file>
+
+<file path=ppt/slides/slide21.xml><?xml version="1.0" encoding="utf-8"?>
+<p:sld xmlns:a="http://schemas.openxmlformats.org/drawingml/2006/main" xmlns:r="http://schemas.openxmlformats.org/officeDocument/2006/relationships" xmlns:p="http://schemas.openxmlformats.org/presentationml/2006/main">
+  <p:cSld>
+    <p:spTree>
+      <p:nvGrpSpPr>
+        <p:cNvPr id="1" name=""/>
+        <p:cNvGrpSpPr/>
+        <p:nvPr/>
+      </p:nvGrpSpPr>
+      <p:grpSpPr>
+        <a:xfrm>
+          <a:off x="0" y="0"/>
+          <a:ext cx="0" cy="0"/>
+          <a:chOff x="0" y="0"/>
+          <a:chExt cx="0" cy="0"/>
+        </a:xfrm>
+      </p:grpSpPr>
+      <p:sp>
+        <p:nvSpPr>
+          <p:cNvPr id="27" name="TextBox 26"/>
+          <p:cNvSpPr txBox="1"/>
+          <p:nvPr/>
+        </p:nvSpPr>
+        <p:spPr>
+          <a:xfrm>
+            <a:off x="279669" y="277643"/>
+            <a:ext cx="2438232" cy="384721"/>
+          </a:xfrm>
+          <a:prstGeom prst="rect">
+            <a:avLst/>
+          </a:prstGeom>
+        </p:spPr>
+        <p:txBody>
+          <a:bodyPr wrap="none">
+            <a:spAutoFit/>
+          </a:bodyPr>
+          <a:lstStyle/>
+          <a:p>
+            <a:pPr>
+              <a:defRPr/>
+            </a:pPr>
+            <a:r>
+              <a:rPr lang="ko-KR" altLang="en-US" sz="1900" dirty="0" err="1"/>
+              <a:t>로샤</a:t>
+            </a:r>
+            <a:r>
+              <a:rPr lang="ko-KR" altLang="en-US" sz="1900" dirty="0"/>
+              <a:t> 테스트 </a:t>
+            </a:r>
+            <a:r>
+              <a:rPr lang="en-US" altLang="ko-KR" sz="1900" dirty="0"/>
+              <a:t>-9</a:t>
+            </a:r>
+            <a:r>
+              <a:rPr lang="ko-KR" altLang="en-US" sz="1900" dirty="0"/>
+              <a:t> </a:t>
+            </a:r>
+            <a:r>
+              <a:rPr lang="en-US" altLang="ko-KR" sz="1900" dirty="0"/>
+              <a:t>page</a:t>
+            </a:r>
+          </a:p>
+        </p:txBody>
+      </p:sp>
+      <p:sp>
+        <p:nvSpPr>
+          <p:cNvPr id="6" name="TextBox 5">
+            <a:extLst>
+              <a:ext uri="{FF2B5EF4-FFF2-40B4-BE49-F238E27FC236}">
+                <a16:creationId xmlns:a16="http://schemas.microsoft.com/office/drawing/2014/main" id="{5BE0EFCF-EB82-4F20-A4D9-51A5C0A48EEA}"/>
+              </a:ext>
+            </a:extLst>
+          </p:cNvPr>
+          <p:cNvSpPr txBox="1"/>
+          <p:nvPr/>
+        </p:nvSpPr>
+        <p:spPr>
+          <a:xfrm>
+            <a:off x="279669" y="973730"/>
+            <a:ext cx="9759403" cy="3893374"/>
+          </a:xfrm>
+          <a:prstGeom prst="rect">
+            <a:avLst/>
+          </a:prstGeom>
+        </p:spPr>
+        <p:txBody>
+          <a:bodyPr wrap="none">
+            <a:spAutoFit/>
+          </a:bodyPr>
+          <a:lstStyle/>
+          <a:p>
+            <a:pPr>
+              <a:defRPr/>
+            </a:pPr>
+            <a:r>
+              <a:rPr lang="ko-KR" altLang="en-US" sz="1900" b="1" dirty="0" err="1"/>
+              <a:t>로샤</a:t>
+            </a:r>
+            <a:r>
+              <a:rPr lang="ko-KR" altLang="en-US" sz="1900" b="1" dirty="0"/>
+              <a:t> 검사 실시 과정 </a:t>
+            </a:r>
+            <a:r>
+              <a:rPr lang="en-US" altLang="ko-KR" sz="1900" b="1" dirty="0"/>
+              <a:t>– </a:t>
+            </a:r>
+            <a:r>
+              <a:rPr lang="ko-KR" altLang="en-US" sz="1900" b="1" dirty="0"/>
+              <a:t>검사 전</a:t>
+            </a:r>
+            <a:endParaRPr lang="en-US" altLang="ko-KR" sz="1900" b="1" dirty="0"/>
+          </a:p>
+          <a:p>
+            <a:pPr>
+              <a:defRPr/>
+            </a:pPr>
+            <a:r>
+              <a:rPr lang="ko-KR" altLang="en-US" sz="1900" dirty="0"/>
+              <a:t>검사 실시 전 성격 검사에 대한 전반적인 설명을 </a:t>
+            </a:r>
+            <a:r>
+              <a:rPr lang="ko-KR" altLang="en-US" sz="1900" dirty="0" err="1"/>
+              <a:t>해줌</a:t>
+            </a:r>
+            <a:r>
+              <a:rPr lang="ko-KR" altLang="en-US" sz="1900" dirty="0"/>
+              <a:t> </a:t>
+            </a:r>
+            <a:r>
+              <a:rPr lang="en-US" altLang="ko-KR" sz="1900" dirty="0"/>
+              <a:t>-&gt;</a:t>
+            </a:r>
+            <a:r>
+              <a:rPr lang="ko-KR" altLang="en-US" sz="1900" dirty="0"/>
+              <a:t>수검자가 이미 알고있다면 생략</a:t>
+            </a:r>
+            <a:endParaRPr lang="en-US" altLang="ko-KR" sz="1900" dirty="0"/>
+          </a:p>
+          <a:p>
+            <a:pPr>
+              <a:defRPr/>
+            </a:pPr>
+            <a:endParaRPr lang="en-US" altLang="ko-KR" sz="1900" dirty="0"/>
+          </a:p>
+          <a:p>
+            <a:pPr>
+              <a:defRPr/>
+            </a:pPr>
+            <a:endParaRPr lang="en-US" altLang="ko-KR" sz="1900" dirty="0"/>
+          </a:p>
+          <a:p>
+            <a:pPr>
+              <a:defRPr/>
+            </a:pPr>
+            <a:endParaRPr lang="en-US" altLang="ko-KR" sz="1900" dirty="0"/>
+          </a:p>
+          <a:p>
+            <a:pPr>
+              <a:defRPr/>
+            </a:pPr>
+            <a:endParaRPr lang="en-US" altLang="ko-KR" sz="1900" dirty="0"/>
+          </a:p>
+          <a:p>
+            <a:pPr>
+              <a:defRPr/>
+            </a:pPr>
+            <a:endParaRPr lang="en-US" altLang="ko-KR" sz="1900" dirty="0"/>
+          </a:p>
+          <a:p>
+            <a:pPr>
+              <a:defRPr/>
+            </a:pPr>
+            <a:r>
+              <a:rPr lang="en-US" altLang="ko-KR" sz="1900" dirty="0"/>
+              <a:t>Yes ) </a:t>
+            </a:r>
+            <a:r>
+              <a:rPr lang="ko-KR" altLang="en-US" sz="1900" dirty="0"/>
+              <a:t>언제 어디서 검사를 받았는지</a:t>
+            </a:r>
+            <a:r>
+              <a:rPr lang="en-US" altLang="ko-KR" sz="1900" dirty="0"/>
+              <a:t>, </a:t>
+            </a:r>
+            <a:r>
+              <a:rPr lang="ko-KR" altLang="en-US" sz="1900" dirty="0"/>
+              <a:t>당시의 내용을 기억하고 있는지 점검 후 </a:t>
+            </a:r>
+            <a:endParaRPr lang="en-US" altLang="ko-KR" sz="1900" dirty="0"/>
+          </a:p>
+          <a:p>
+            <a:pPr>
+              <a:defRPr/>
+            </a:pPr>
+            <a:endParaRPr lang="en-US" altLang="ko-KR" sz="1900" dirty="0"/>
+          </a:p>
+          <a:p>
+            <a:pPr>
+              <a:defRPr/>
+            </a:pPr>
+            <a:endParaRPr lang="en-US" altLang="ko-KR" sz="1900" dirty="0"/>
+          </a:p>
+          <a:p>
+            <a:pPr>
+              <a:defRPr/>
+            </a:pPr>
+            <a:endParaRPr lang="en-US" altLang="ko-KR" sz="1900" dirty="0"/>
+          </a:p>
+          <a:p>
+            <a:pPr>
+              <a:defRPr/>
+            </a:pPr>
+            <a:r>
+              <a:rPr lang="en-US" altLang="ko-KR" sz="1900" dirty="0"/>
+              <a:t>No ) </a:t>
+            </a:r>
+          </a:p>
+          <a:p>
+            <a:pPr>
+              <a:defRPr/>
+            </a:pPr>
+            <a:r>
+              <a:rPr lang="ko-KR" altLang="en-US" sz="1900" dirty="0"/>
+              <a:t> </a:t>
+            </a:r>
+            <a:endParaRPr lang="en-US" altLang="ko-KR" sz="1900" dirty="0"/>
+          </a:p>
+        </p:txBody>
+      </p:sp>
+      <p:pic>
+        <p:nvPicPr>
+          <p:cNvPr id="4" name="그래픽 3" descr="교사">
+            <a:extLst>
+              <a:ext uri="{FF2B5EF4-FFF2-40B4-BE49-F238E27FC236}">
+                <a16:creationId xmlns:a16="http://schemas.microsoft.com/office/drawing/2014/main" id="{77E2F902-3B97-4079-AB3E-71D62314C0EE}"/>
+              </a:ext>
+            </a:extLst>
+          </p:cNvPr>
+          <p:cNvPicPr>
+            <a:picLocks noChangeAspect="1"/>
+          </p:cNvPicPr>
+          <p:nvPr/>
+        </p:nvPicPr>
+        <p:blipFill>
+          <a:blip r:embed="rId3">
+            <a:extLst>
+              <a:ext uri="{28A0092B-C50C-407E-A947-70E740481C1C}">
+                <a14:useLocalDpi xmlns:a14="http://schemas.microsoft.com/office/drawing/2010/main" val="0"/>
+              </a:ext>
+              <a:ext uri="{96DAC541-7B7A-43D3-8B79-37D633B846F1}">
+                <asvg:svgBlip xmlns:asvg="http://schemas.microsoft.com/office/drawing/2016/SVG/main" r:embed="rId4"/>
+              </a:ext>
+            </a:extLst>
+          </a:blip>
+          <a:stretch>
+            <a:fillRect/>
+          </a:stretch>
+        </p:blipFill>
+        <p:spPr>
+          <a:xfrm>
+            <a:off x="397280" y="1667029"/>
+            <a:ext cx="1603536" cy="1603536"/>
+          </a:xfrm>
+          <a:prstGeom prst="rect">
+            <a:avLst/>
+          </a:prstGeom>
+        </p:spPr>
+      </p:pic>
+      <p:sp>
+        <p:nvSpPr>
+          <p:cNvPr id="10" name="말풍선: 모서리가 둥근 사각형 9">
+            <a:extLst>
+              <a:ext uri="{FF2B5EF4-FFF2-40B4-BE49-F238E27FC236}">
+                <a16:creationId xmlns:a16="http://schemas.microsoft.com/office/drawing/2014/main" id="{7E0B3178-0D6B-46B4-9F9A-F4FD9F7DFB14}"/>
+              </a:ext>
+            </a:extLst>
+          </p:cNvPr>
+          <p:cNvSpPr/>
+          <p:nvPr/>
+        </p:nvSpPr>
+        <p:spPr>
+          <a:xfrm>
+            <a:off x="2459088" y="1746546"/>
+            <a:ext cx="8133467" cy="887240"/>
+          </a:xfrm>
+          <a:prstGeom prst="wedgeRoundRectCallout">
+            <a:avLst>
+              <a:gd name="adj1" fmla="val -55637"/>
+              <a:gd name="adj2" fmla="val -18918"/>
+              <a:gd name="adj3" fmla="val 16667"/>
+            </a:avLst>
+          </a:prstGeom>
+        </p:spPr>
+        <p:style>
+          <a:lnRef idx="2">
+            <a:schemeClr val="dk1"/>
+          </a:lnRef>
+          <a:fillRef idx="1">
+            <a:schemeClr val="lt1"/>
+          </a:fillRef>
+          <a:effectRef idx="0">
+            <a:schemeClr val="dk1"/>
+          </a:effectRef>
+          <a:fontRef idx="minor">
+            <a:schemeClr val="dk1"/>
+          </a:fontRef>
+        </p:style>
+        <p:txBody>
+          <a:bodyPr rtlCol="0" anchor="ctr"/>
+          <a:lstStyle/>
+          <a:p>
+            <a:pPr>
+              <a:defRPr/>
+            </a:pPr>
+            <a:endParaRPr lang="en-US" altLang="ko-KR" dirty="0"/>
+          </a:p>
+          <a:p>
+            <a:pPr>
+              <a:defRPr/>
+            </a:pPr>
+            <a:r>
+              <a:rPr lang="en-US" altLang="ko-KR" dirty="0"/>
+              <a:t>“</a:t>
+            </a:r>
+            <a:r>
+              <a:rPr lang="ko-KR" altLang="en-US" dirty="0"/>
+              <a:t>지금 실시할 검사는 </a:t>
+            </a:r>
+            <a:r>
+              <a:rPr lang="ko-KR" altLang="en-US" dirty="0" err="1"/>
+              <a:t>로샤</a:t>
+            </a:r>
+            <a:r>
+              <a:rPr lang="ko-KR" altLang="en-US" dirty="0"/>
+              <a:t> 라고 하는 </a:t>
+            </a:r>
+            <a:r>
+              <a:rPr lang="ko-KR" altLang="en-US" dirty="0" err="1"/>
+              <a:t>잉크반점검사입니다</a:t>
+            </a:r>
+            <a:r>
+              <a:rPr lang="en-US" altLang="ko-KR" dirty="0"/>
+              <a:t>. </a:t>
+            </a:r>
+            <a:br>
+              <a:rPr lang="en-US" altLang="ko-KR" dirty="0"/>
+            </a:br>
+            <a:r>
+              <a:rPr lang="ko-KR" altLang="en-US" dirty="0"/>
+              <a:t>혹시 이 검사에 대하여 들어본 적이 있거나 받아본 적 있습니까</a:t>
+            </a:r>
+            <a:r>
+              <a:rPr lang="en-US" altLang="ko-KR" dirty="0"/>
+              <a:t>?”</a:t>
+            </a:r>
+          </a:p>
+          <a:p>
+            <a:pPr algn="ctr"/>
+            <a:endParaRPr lang="ko-KR" altLang="en-US" dirty="0"/>
+          </a:p>
+        </p:txBody>
+      </p:sp>
+      <p:sp>
+        <p:nvSpPr>
+          <p:cNvPr id="14" name="말풍선: 모서리가 둥근 사각형 13">
+            <a:extLst>
+              <a:ext uri="{FF2B5EF4-FFF2-40B4-BE49-F238E27FC236}">
+                <a16:creationId xmlns:a16="http://schemas.microsoft.com/office/drawing/2014/main" id="{86D13C66-2C37-48EA-A3D5-88C62846F4B5}"/>
+              </a:ext>
+            </a:extLst>
+          </p:cNvPr>
+          <p:cNvSpPr/>
+          <p:nvPr/>
+        </p:nvSpPr>
+        <p:spPr>
+          <a:xfrm>
+            <a:off x="2029266" y="3429000"/>
+            <a:ext cx="8472754" cy="509257"/>
+          </a:xfrm>
+          <a:prstGeom prst="wedgeRoundRectCallout">
+            <a:avLst>
+              <a:gd name="adj1" fmla="val -52218"/>
+              <a:gd name="adj2" fmla="val -47363"/>
+              <a:gd name="adj3" fmla="val 16667"/>
+            </a:avLst>
+          </a:prstGeom>
+        </p:spPr>
+        <p:style>
+          <a:lnRef idx="2">
+            <a:schemeClr val="dk1"/>
+          </a:lnRef>
+          <a:fillRef idx="1">
+            <a:schemeClr val="lt1"/>
+          </a:fillRef>
+          <a:effectRef idx="0">
+            <a:schemeClr val="dk1"/>
+          </a:effectRef>
+          <a:fontRef idx="minor">
+            <a:schemeClr val="dk1"/>
+          </a:fontRef>
+        </p:style>
+        <p:txBody>
+          <a:bodyPr rtlCol="0" anchor="ctr"/>
+          <a:lstStyle/>
+          <a:p>
+            <a:pPr algn="ctr"/>
+            <a:r>
+              <a:rPr lang="en-US" altLang="ko-KR" dirty="0"/>
+              <a:t>“</a:t>
+            </a:r>
+            <a:r>
+              <a:rPr lang="ko-KR" altLang="en-US" dirty="0"/>
+              <a:t>굳이 그 때 반응과 똑같이 하려고 하시거나</a:t>
+            </a:r>
+            <a:r>
+              <a:rPr lang="en-US" altLang="ko-KR" dirty="0"/>
+              <a:t>, </a:t>
+            </a:r>
+            <a:r>
+              <a:rPr lang="ko-KR" altLang="en-US" dirty="0"/>
+              <a:t>일부러 틀리게 할 필요는 없습니다</a:t>
+            </a:r>
+            <a:r>
+              <a:rPr lang="en-US" altLang="ko-KR" dirty="0"/>
+              <a:t>”</a:t>
+            </a:r>
+            <a:endParaRPr lang="ko-KR" altLang="en-US" dirty="0"/>
+          </a:p>
+        </p:txBody>
+      </p:sp>
+      <p:sp>
+        <p:nvSpPr>
+          <p:cNvPr id="15" name="말풍선: 모서리가 둥근 사각형 14">
+            <a:extLst>
+              <a:ext uri="{FF2B5EF4-FFF2-40B4-BE49-F238E27FC236}">
+                <a16:creationId xmlns:a16="http://schemas.microsoft.com/office/drawing/2014/main" id="{3089AF2F-BE07-4956-868C-7CC83820AEE6}"/>
+              </a:ext>
+            </a:extLst>
+          </p:cNvPr>
+          <p:cNvSpPr/>
+          <p:nvPr/>
+        </p:nvSpPr>
+        <p:spPr>
+          <a:xfrm>
+            <a:off x="1498784" y="4357847"/>
+            <a:ext cx="9003235" cy="509257"/>
+          </a:xfrm>
+          <a:prstGeom prst="wedgeRoundRectCallout">
+            <a:avLst>
+              <a:gd name="adj1" fmla="val -52218"/>
+              <a:gd name="adj2" fmla="val -47363"/>
+              <a:gd name="adj3" fmla="val 16667"/>
+            </a:avLst>
+          </a:prstGeom>
+        </p:spPr>
+        <p:style>
+          <a:lnRef idx="2">
+            <a:schemeClr val="dk1"/>
+          </a:lnRef>
+          <a:fillRef idx="1">
+            <a:schemeClr val="lt1"/>
+          </a:fillRef>
+          <a:effectRef idx="0">
+            <a:schemeClr val="dk1"/>
+          </a:effectRef>
+          <a:fontRef idx="minor">
+            <a:schemeClr val="dk1"/>
+          </a:fontRef>
+        </p:style>
+        <p:txBody>
+          <a:bodyPr rtlCol="0" anchor="ctr"/>
+          <a:lstStyle/>
+          <a:p>
+            <a:pPr algn="ctr"/>
+            <a:r>
+              <a:rPr lang="en-US" altLang="ko-KR" dirty="0"/>
+              <a:t>“</a:t>
+            </a:r>
+            <a:r>
+              <a:rPr lang="ko-KR" altLang="en-US" dirty="0"/>
+              <a:t>이것은 잉크반점으로 된 카드입니다</a:t>
+            </a:r>
+            <a:r>
+              <a:rPr lang="en-US" altLang="ko-KR" dirty="0"/>
+              <a:t>. </a:t>
+            </a:r>
+            <a:r>
+              <a:rPr lang="ko-KR" altLang="en-US" dirty="0"/>
+              <a:t>이제부터 </a:t>
+            </a:r>
+            <a:r>
+              <a:rPr lang="ko-KR" altLang="en-US" dirty="0" err="1"/>
+              <a:t>여러장의</a:t>
+            </a:r>
+            <a:r>
+              <a:rPr lang="ko-KR" altLang="en-US" dirty="0"/>
+              <a:t> 카드를 보여드리겠습니다</a:t>
+            </a:r>
+            <a:br>
+              <a:rPr lang="en-US" altLang="ko-KR" dirty="0"/>
+            </a:br>
+            <a:r>
+              <a:rPr lang="ko-KR" altLang="en-US" dirty="0"/>
+              <a:t>이 그림이 무엇으로 보이는지 말씀해주시면 됩니다</a:t>
+            </a:r>
+            <a:r>
+              <a:rPr lang="en-US" altLang="ko-KR" dirty="0"/>
+              <a:t>”</a:t>
+            </a:r>
+            <a:endParaRPr lang="ko-KR" altLang="en-US" dirty="0"/>
+          </a:p>
+        </p:txBody>
+      </p:sp>
+    </p:spTree>
+    <p:extLst>
+      <p:ext uri="{BB962C8B-B14F-4D97-AF65-F5344CB8AC3E}">
+        <p14:creationId xmlns:p14="http://schemas.microsoft.com/office/powerpoint/2010/main" val="4127062204"/>
+      </p:ext>
+    </p:extLst>
+  </p:cSld>
+  <p:clrMapOvr>
+    <a:masterClrMapping/>
+  </p:clrMapOvr>
+  <mc:AlternateContent xmlns:mc="http://schemas.openxmlformats.org/markup-compatibility/2006" xmlns:p14="http://schemas.microsoft.com/office/powerpoint/2010/main">
+    <mc:Choice Requires="p14">
+      <p:transition/>
+    </mc:Choice>
+    <mc:Fallback xmlns="" xmlns:c="http://schemas.openxmlformats.org/drawingml/2006/chart" xmlns:dgm="http://schemas.openxmlformats.org/drawingml/2006/diagram" xmlns:dsp="http://schemas.microsoft.com/office/drawing/2008/diagram">
+      <p:transition/>
+    </mc:Fallback>
+  </mc:AlternateContent>
+</p:sld>
+</file>
+
+<file path=ppt/slides/slide22.xml><?xml version="1.0" encoding="utf-8"?>
 <p:sld xmlns:a="http://schemas.openxmlformats.org/drawingml/2006/main" xmlns:r="http://schemas.openxmlformats.org/officeDocument/2006/relationships" xmlns:p="http://schemas.openxmlformats.org/presentationml/2006/main">
   <p:cSld>
     <p:spTree>
@@ -10352,14 +16076,14 @@
     <mc:Choice Requires="p14">
       <p:transition/>
     </mc:Choice>
-    <mc:Fallback xmlns:dsp="http://schemas.microsoft.com/office/drawing/2008/diagram" xmlns:dgm="http://schemas.openxmlformats.org/drawingml/2006/diagram" xmlns:c="http://schemas.openxmlformats.org/drawingml/2006/chart" xmlns="">
+    <mc:Fallback xmlns="" xmlns:c="http://schemas.openxmlformats.org/drawingml/2006/chart" xmlns:dgm="http://schemas.openxmlformats.org/drawingml/2006/diagram" xmlns:dsp="http://schemas.microsoft.com/office/drawing/2008/diagram">
       <p:transition/>
     </mc:Fallback>
   </mc:AlternateContent>
 </p:sld>
 </file>
 
-<file path=ppt/slides/slide14.xml><?xml version="1.0" encoding="utf-8"?>
+<file path=ppt/slides/slide23.xml><?xml version="1.0" encoding="utf-8"?>
 <p:sld xmlns:a="http://schemas.openxmlformats.org/drawingml/2006/main" xmlns:r="http://schemas.openxmlformats.org/officeDocument/2006/relationships" xmlns:p="http://schemas.openxmlformats.org/presentationml/2006/main">
   <p:cSld>
     <p:spTree>
@@ -10613,14 +16337,14 @@
     <mc:Choice Requires="p14">
       <p:transition/>
     </mc:Choice>
-    <mc:Fallback xmlns:dsp="http://schemas.microsoft.com/office/drawing/2008/diagram" xmlns:dgm="http://schemas.openxmlformats.org/drawingml/2006/diagram" xmlns:c="http://schemas.openxmlformats.org/drawingml/2006/chart" xmlns="">
+    <mc:Fallback xmlns="" xmlns:c="http://schemas.openxmlformats.org/drawingml/2006/chart" xmlns:dgm="http://schemas.openxmlformats.org/drawingml/2006/diagram" xmlns:dsp="http://schemas.microsoft.com/office/drawing/2008/diagram">
       <p:transition/>
     </mc:Fallback>
   </mc:AlternateContent>
 </p:sld>
 </file>
 
-<file path=ppt/slides/slide15.xml><?xml version="1.0" encoding="utf-8"?>
+<file path=ppt/slides/slide24.xml><?xml version="1.0" encoding="utf-8"?>
 <p:sld xmlns:a="http://schemas.openxmlformats.org/drawingml/2006/main" xmlns:r="http://schemas.openxmlformats.org/officeDocument/2006/relationships" xmlns:p="http://schemas.openxmlformats.org/presentationml/2006/main">
   <p:cSld>
     <p:spTree>
@@ -13255,14 +18979,14 @@
     <mc:Choice Requires="p14">
       <p:transition/>
     </mc:Choice>
-    <mc:Fallback xmlns:dsp="http://schemas.microsoft.com/office/drawing/2008/diagram" xmlns:dgm="http://schemas.openxmlformats.org/drawingml/2006/diagram" xmlns:c="http://schemas.openxmlformats.org/drawingml/2006/chart" xmlns="">
+    <mc:Fallback xmlns="" xmlns:c="http://schemas.openxmlformats.org/drawingml/2006/chart" xmlns:dgm="http://schemas.openxmlformats.org/drawingml/2006/diagram" xmlns:dsp="http://schemas.microsoft.com/office/drawing/2008/diagram">
       <p:transition/>
     </mc:Fallback>
   </mc:AlternateContent>
 </p:sld>
 </file>
 
-<file path=ppt/slides/slide16.xml><?xml version="1.0" encoding="utf-8"?>
+<file path=ppt/slides/slide25.xml><?xml version="1.0" encoding="utf-8"?>
 <p:sld xmlns:a="http://schemas.openxmlformats.org/drawingml/2006/main" xmlns:r="http://schemas.openxmlformats.org/officeDocument/2006/relationships" xmlns:p="http://schemas.openxmlformats.org/presentationml/2006/main">
   <p:cSld>
     <p:spTree>
@@ -15560,14 +21284,14 @@
     <mc:Choice Requires="p14">
       <p:transition/>
     </mc:Choice>
-    <mc:Fallback xmlns:dsp="http://schemas.microsoft.com/office/drawing/2008/diagram" xmlns:dgm="http://schemas.openxmlformats.org/drawingml/2006/diagram" xmlns:c="http://schemas.openxmlformats.org/drawingml/2006/chart" xmlns="">
+    <mc:Fallback xmlns="" xmlns:c="http://schemas.openxmlformats.org/drawingml/2006/chart" xmlns:dgm="http://schemas.openxmlformats.org/drawingml/2006/diagram" xmlns:dsp="http://schemas.microsoft.com/office/drawing/2008/diagram">
       <p:transition/>
     </mc:Fallback>
   </mc:AlternateContent>
 </p:sld>
 </file>
 
-<file path=ppt/slides/slide17.xml><?xml version="1.0" encoding="utf-8"?>
+<file path=ppt/slides/slide26.xml><?xml version="1.0" encoding="utf-8"?>
 <p:sld xmlns:a="http://schemas.openxmlformats.org/drawingml/2006/main" xmlns:r="http://schemas.openxmlformats.org/officeDocument/2006/relationships" xmlns:p="http://schemas.openxmlformats.org/presentationml/2006/main">
   <p:cSld>
     <p:spTree>
@@ -17227,14 +22951,14 @@
     <mc:Choice Requires="p14">
       <p:transition/>
     </mc:Choice>
-    <mc:Fallback xmlns:dsp="http://schemas.microsoft.com/office/drawing/2008/diagram" xmlns:dgm="http://schemas.openxmlformats.org/drawingml/2006/diagram" xmlns:c="http://schemas.openxmlformats.org/drawingml/2006/chart" xmlns="">
+    <mc:Fallback xmlns="" xmlns:c="http://schemas.openxmlformats.org/drawingml/2006/chart" xmlns:dgm="http://schemas.openxmlformats.org/drawingml/2006/diagram" xmlns:dsp="http://schemas.microsoft.com/office/drawing/2008/diagram">
       <p:transition/>
     </mc:Fallback>
   </mc:AlternateContent>
 </p:sld>
 </file>
 
-<file path=ppt/slides/slide18.xml><?xml version="1.0" encoding="utf-8"?>
+<file path=ppt/slides/slide27.xml><?xml version="1.0" encoding="utf-8"?>
 <p:sld xmlns:a="http://schemas.openxmlformats.org/drawingml/2006/main" xmlns:r="http://schemas.openxmlformats.org/officeDocument/2006/relationships" xmlns:p="http://schemas.openxmlformats.org/presentationml/2006/main">
   <p:cSld>
     <p:spTree>
@@ -17539,14 +23263,14 @@
     <mc:Choice Requires="p14">
       <p:transition/>
     </mc:Choice>
-    <mc:Fallback xmlns:dsp="http://schemas.microsoft.com/office/drawing/2008/diagram" xmlns:dgm="http://schemas.openxmlformats.org/drawingml/2006/diagram" xmlns:c="http://schemas.openxmlformats.org/drawingml/2006/chart" xmlns="">
+    <mc:Fallback xmlns="" xmlns:c="http://schemas.openxmlformats.org/drawingml/2006/chart" xmlns:dgm="http://schemas.openxmlformats.org/drawingml/2006/diagram" xmlns:dsp="http://schemas.microsoft.com/office/drawing/2008/diagram">
       <p:transition/>
     </mc:Fallback>
   </mc:AlternateContent>
 </p:sld>
 </file>
 
-<file path=ppt/slides/slide19.xml><?xml version="1.0" encoding="utf-8"?>
+<file path=ppt/slides/slide28.xml><?xml version="1.0" encoding="utf-8"?>
 <p:sld xmlns:a="http://schemas.openxmlformats.org/drawingml/2006/main" xmlns:r="http://schemas.openxmlformats.org/officeDocument/2006/relationships" xmlns:p="http://schemas.openxmlformats.org/presentationml/2006/main">
   <p:cSld>
     <p:spTree>
@@ -18115,1161 +23839,14 @@
     <mc:Choice Requires="p14">
       <p:transition/>
     </mc:Choice>
-    <mc:Fallback xmlns:dsp="http://schemas.microsoft.com/office/drawing/2008/diagram" xmlns:dgm="http://schemas.openxmlformats.org/drawingml/2006/diagram" xmlns:c="http://schemas.openxmlformats.org/drawingml/2006/chart" xmlns="">
+    <mc:Fallback xmlns="" xmlns:c="http://schemas.openxmlformats.org/drawingml/2006/chart" xmlns:dgm="http://schemas.openxmlformats.org/drawingml/2006/diagram" xmlns:dsp="http://schemas.microsoft.com/office/drawing/2008/diagram">
       <p:transition/>
     </mc:Fallback>
   </mc:AlternateContent>
 </p:sld>
 </file>
 
-<file path=ppt/slides/slide2.xml><?xml version="1.0" encoding="utf-8"?>
-<p:sld xmlns:a="http://schemas.openxmlformats.org/drawingml/2006/main" xmlns:r="http://schemas.openxmlformats.org/officeDocument/2006/relationships" xmlns:p="http://schemas.openxmlformats.org/presentationml/2006/main">
-  <p:cSld>
-    <p:spTree>
-      <p:nvGrpSpPr>
-        <p:cNvPr id="1" name=""/>
-        <p:cNvGrpSpPr/>
-        <p:nvPr/>
-      </p:nvGrpSpPr>
-      <p:grpSpPr>
-        <a:xfrm>
-          <a:off x="0" y="0"/>
-          <a:ext cx="0" cy="0"/>
-          <a:chOff x="0" y="0"/>
-          <a:chExt cx="0" cy="0"/>
-        </a:xfrm>
-      </p:grpSpPr>
-      <p:sp>
-        <p:nvSpPr>
-          <p:cNvPr id="2" name="직사각형 1"/>
-          <p:cNvSpPr/>
-          <p:nvPr/>
-        </p:nvSpPr>
-        <p:spPr>
-          <a:xfrm>
-            <a:off x="528652" y="1665529"/>
-            <a:ext cx="93307" cy="93307"/>
-          </a:xfrm>
-          <a:prstGeom prst="rect">
-            <a:avLst/>
-          </a:prstGeom>
-          <a:solidFill>
-            <a:srgbClr val="0F4B81"/>
-          </a:solidFill>
-          <a:ln>
-            <a:noFill/>
-          </a:ln>
-        </p:spPr>
-        <p:style>
-          <a:lnRef idx="2">
-            <a:schemeClr val="accent1">
-              <a:shade val="50000"/>
-            </a:schemeClr>
-          </a:lnRef>
-          <a:fillRef idx="1">
-            <a:schemeClr val="accent1"/>
-          </a:fillRef>
-          <a:effectRef idx="0">
-            <a:schemeClr val="accent1"/>
-          </a:effectRef>
-          <a:fontRef idx="minor">
-            <a:schemeClr val="lt1"/>
-          </a:fontRef>
-        </p:style>
-        <p:txBody>
-          <a:bodyPr anchor="ctr"/>
-          <a:lstStyle/>
-          <a:p>
-            <a:pPr algn="ctr">
-              <a:defRPr/>
-            </a:pPr>
-            <a:endParaRPr lang="en-US"/>
-          </a:p>
-        </p:txBody>
-      </p:sp>
-      <p:sp>
-        <p:nvSpPr>
-          <p:cNvPr id="17" name="TextBox 16"/>
-          <p:cNvSpPr txBox="1"/>
-          <p:nvPr/>
-        </p:nvSpPr>
-        <p:spPr>
-          <a:xfrm>
-            <a:off x="645927" y="1568306"/>
-            <a:ext cx="1581202" cy="338554"/>
-          </a:xfrm>
-          <a:prstGeom prst="rect">
-            <a:avLst/>
-          </a:prstGeom>
-          <a:noFill/>
-        </p:spPr>
-        <p:txBody>
-          <a:bodyPr wrap="none">
-            <a:spAutoFit/>
-          </a:bodyPr>
-          <a:lstStyle/>
-          <a:p>
-            <a:pPr algn="ctr">
-              <a:defRPr/>
-            </a:pPr>
-            <a:r>
-              <a:rPr lang="en-US" sz="1600" spc="-51">
-                <a:ln w="9525">
-                  <a:solidFill>
-                    <a:schemeClr val="accent1">
-                      <a:alpha val="0"/>
-                    </a:schemeClr>
-                  </a:solidFill>
-                </a:ln>
-                <a:solidFill>
-                  <a:srgbClr val="0F4B81"/>
-                </a:solidFill>
-                <a:latin typeface="G마켓 산스 TTF Bold"/>
-                <a:ea typeface="G마켓 산스 TTF Bold"/>
-              </a:rPr>
-              <a:t>CHAPTER 01</a:t>
-            </a:r>
-            <a:endParaRPr lang="en-US" sz="1600" spc="-51">
-              <a:solidFill>
-                <a:srgbClr val="0F4B81"/>
-              </a:solidFill>
-              <a:latin typeface="G마켓 산스 TTF Bold"/>
-              <a:ea typeface="G마켓 산스 TTF Bold"/>
-            </a:endParaRPr>
-          </a:p>
-        </p:txBody>
-      </p:sp>
-      <p:sp>
-        <p:nvSpPr>
-          <p:cNvPr id="26" name="TextBox 25"/>
-          <p:cNvSpPr txBox="1"/>
-          <p:nvPr/>
-        </p:nvSpPr>
-        <p:spPr>
-          <a:xfrm>
-            <a:off x="645286" y="1906860"/>
-            <a:ext cx="1808354" cy="520110"/>
-          </a:xfrm>
-          <a:prstGeom prst="rect">
-            <a:avLst/>
-          </a:prstGeom>
-          <a:noFill/>
-        </p:spPr>
-        <p:txBody>
-          <a:bodyPr wrap="none">
-            <a:spAutoFit/>
-          </a:bodyPr>
-          <a:lstStyle/>
-          <a:p>
-            <a:pPr>
-              <a:lnSpc>
-                <a:spcPct val="120000"/>
-              </a:lnSpc>
-              <a:defRPr/>
-            </a:pPr>
-            <a:r>
-              <a:rPr lang="ko-KR" altLang="en-US" sz="2400" spc="-151">
-                <a:ln w="9525">
-                  <a:solidFill>
-                    <a:schemeClr val="accent1">
-                      <a:alpha val="0"/>
-                    </a:schemeClr>
-                  </a:solidFill>
-                </a:ln>
-                <a:solidFill>
-                  <a:srgbClr val="0F4B81"/>
-                </a:solidFill>
-                <a:latin typeface="G마켓 산스 TTF Bold"/>
-                <a:ea typeface="G마켓 산스 TTF Bold"/>
-              </a:rPr>
-              <a:t>심리검사란 </a:t>
-            </a:r>
-            <a:r>
-              <a:rPr lang="en-US" altLang="ko-KR" sz="2400" spc="-151">
-                <a:ln w="9525">
-                  <a:solidFill>
-                    <a:schemeClr val="accent1">
-                      <a:alpha val="0"/>
-                    </a:schemeClr>
-                  </a:solidFill>
-                </a:ln>
-                <a:solidFill>
-                  <a:srgbClr val="0F4B81"/>
-                </a:solidFill>
-                <a:latin typeface="G마켓 산스 TTF Bold"/>
-                <a:ea typeface="G마켓 산스 TTF Bold"/>
-              </a:rPr>
-              <a:t>?</a:t>
-            </a:r>
-          </a:p>
-        </p:txBody>
-      </p:sp>
-      <p:sp>
-        <p:nvSpPr>
-          <p:cNvPr id="7" name="직사각형 6"/>
-          <p:cNvSpPr/>
-          <p:nvPr/>
-        </p:nvSpPr>
-        <p:spPr>
-          <a:xfrm>
-            <a:off x="528652" y="2878168"/>
-            <a:ext cx="93307" cy="93307"/>
-          </a:xfrm>
-          <a:prstGeom prst="rect">
-            <a:avLst/>
-          </a:prstGeom>
-          <a:solidFill>
-            <a:srgbClr val="0F4B81"/>
-          </a:solidFill>
-          <a:ln>
-            <a:noFill/>
-          </a:ln>
-        </p:spPr>
-        <p:style>
-          <a:lnRef idx="2">
-            <a:schemeClr val="accent1">
-              <a:shade val="50000"/>
-            </a:schemeClr>
-          </a:lnRef>
-          <a:fillRef idx="1">
-            <a:schemeClr val="accent1"/>
-          </a:fillRef>
-          <a:effectRef idx="0">
-            <a:schemeClr val="accent1"/>
-          </a:effectRef>
-          <a:fontRef idx="minor">
-            <a:schemeClr val="lt1"/>
-          </a:fontRef>
-        </p:style>
-        <p:txBody>
-          <a:bodyPr anchor="ctr"/>
-          <a:lstStyle/>
-          <a:p>
-            <a:pPr algn="ctr">
-              <a:defRPr/>
-            </a:pPr>
-            <a:endParaRPr lang="en-US"/>
-          </a:p>
-        </p:txBody>
-      </p:sp>
-      <p:sp>
-        <p:nvSpPr>
-          <p:cNvPr id="8" name="TextBox 7"/>
-          <p:cNvSpPr txBox="1"/>
-          <p:nvPr/>
-        </p:nvSpPr>
-        <p:spPr>
-          <a:xfrm>
-            <a:off x="626689" y="2780946"/>
-            <a:ext cx="1619674" cy="338554"/>
-          </a:xfrm>
-          <a:prstGeom prst="rect">
-            <a:avLst/>
-          </a:prstGeom>
-          <a:noFill/>
-        </p:spPr>
-        <p:txBody>
-          <a:bodyPr wrap="none">
-            <a:spAutoFit/>
-          </a:bodyPr>
-          <a:lstStyle/>
-          <a:p>
-            <a:pPr algn="ctr">
-              <a:defRPr/>
-            </a:pPr>
-            <a:r>
-              <a:rPr lang="en-US" sz="1600" spc="-51">
-                <a:ln w="9525">
-                  <a:solidFill>
-                    <a:schemeClr val="accent1">
-                      <a:alpha val="0"/>
-                    </a:schemeClr>
-                  </a:solidFill>
-                </a:ln>
-                <a:solidFill>
-                  <a:srgbClr val="0F4B81"/>
-                </a:solidFill>
-                <a:latin typeface="G마켓 산스 TTF Bold"/>
-                <a:ea typeface="G마켓 산스 TTF Bold"/>
-              </a:rPr>
-              <a:t>CHAPTER 02</a:t>
-            </a:r>
-            <a:endParaRPr lang="en-US" sz="1600" spc="-51">
-              <a:solidFill>
-                <a:srgbClr val="0F4B81"/>
-              </a:solidFill>
-              <a:latin typeface="G마켓 산스 TTF Bold"/>
-              <a:ea typeface="G마켓 산스 TTF Bold"/>
-            </a:endParaRPr>
-          </a:p>
-        </p:txBody>
-      </p:sp>
-      <p:sp>
-        <p:nvSpPr>
-          <p:cNvPr id="9" name="TextBox 8"/>
-          <p:cNvSpPr txBox="1"/>
-          <p:nvPr/>
-        </p:nvSpPr>
-        <p:spPr>
-          <a:xfrm>
-            <a:off x="645285" y="3119500"/>
-            <a:ext cx="2903730" cy="535531"/>
-          </a:xfrm>
-          <a:prstGeom prst="rect">
-            <a:avLst/>
-          </a:prstGeom>
-          <a:noFill/>
-        </p:spPr>
-        <p:txBody>
-          <a:bodyPr wrap="none">
-            <a:spAutoFit/>
-          </a:bodyPr>
-          <a:lstStyle/>
-          <a:p>
-            <a:pPr>
-              <a:lnSpc>
-                <a:spcPct val="120000"/>
-              </a:lnSpc>
-              <a:defRPr/>
-            </a:pPr>
-            <a:r>
-              <a:rPr lang="ko-KR" altLang="en-US" sz="2400" spc="-151">
-                <a:ln w="9525">
-                  <a:solidFill>
-                    <a:schemeClr val="accent1">
-                      <a:alpha val="0"/>
-                    </a:schemeClr>
-                  </a:solidFill>
-                </a:ln>
-                <a:solidFill>
-                  <a:srgbClr val="0F4B81"/>
-                </a:solidFill>
-                <a:latin typeface="G마켓 산스 TTF Bold"/>
-                <a:ea typeface="G마켓 산스 TTF Bold"/>
-              </a:rPr>
-              <a:t>로르샤흐</a:t>
-            </a:r>
-            <a:r>
-              <a:rPr lang="en-US" altLang="ko-KR" sz="2400" spc="-151">
-                <a:ln w="9525">
-                  <a:solidFill>
-                    <a:schemeClr val="accent1">
-                      <a:alpha val="0"/>
-                    </a:schemeClr>
-                  </a:solidFill>
-                </a:ln>
-                <a:solidFill>
-                  <a:srgbClr val="0F4B81"/>
-                </a:solidFill>
-                <a:latin typeface="G마켓 산스 TTF Bold"/>
-                <a:ea typeface="G마켓 산스 TTF Bold"/>
-              </a:rPr>
-              <a:t>(</a:t>
-            </a:r>
-            <a:r>
-              <a:rPr lang="ko-KR" altLang="en-US" sz="2400" spc="-151">
-                <a:ln w="9525">
-                  <a:solidFill>
-                    <a:schemeClr val="accent1">
-                      <a:alpha val="0"/>
-                    </a:schemeClr>
-                  </a:solidFill>
-                </a:ln>
-                <a:solidFill>
-                  <a:srgbClr val="0F4B81"/>
-                </a:solidFill>
-                <a:latin typeface="G마켓 산스 TTF Bold"/>
-                <a:ea typeface="G마켓 산스 TTF Bold"/>
-              </a:rPr>
-              <a:t>로샤</a:t>
-            </a:r>
-            <a:r>
-              <a:rPr lang="en-US" altLang="ko-KR" sz="2400" spc="-151">
-                <a:ln w="9525">
-                  <a:solidFill>
-                    <a:schemeClr val="accent1">
-                      <a:alpha val="0"/>
-                    </a:schemeClr>
-                  </a:solidFill>
-                </a:ln>
-                <a:solidFill>
-                  <a:srgbClr val="0F4B81"/>
-                </a:solidFill>
-                <a:latin typeface="G마켓 산스 TTF Bold"/>
-                <a:ea typeface="G마켓 산스 TTF Bold"/>
-              </a:rPr>
-              <a:t>)</a:t>
-            </a:r>
-            <a:r>
-              <a:rPr lang="ko-KR" altLang="en-US" sz="2400" spc="-151">
-                <a:ln w="9525">
-                  <a:solidFill>
-                    <a:schemeClr val="accent1">
-                      <a:alpha val="0"/>
-                    </a:schemeClr>
-                  </a:solidFill>
-                </a:ln>
-                <a:solidFill>
-                  <a:srgbClr val="0F4B81"/>
-                </a:solidFill>
-                <a:latin typeface="G마켓 산스 TTF Bold"/>
-                <a:ea typeface="G마켓 산스 TTF Bold"/>
-              </a:rPr>
-              <a:t> 테스트</a:t>
-            </a:r>
-          </a:p>
-        </p:txBody>
-      </p:sp>
-      <p:sp>
-        <p:nvSpPr>
-          <p:cNvPr id="10" name="직사각형 9"/>
-          <p:cNvSpPr/>
-          <p:nvPr/>
-        </p:nvSpPr>
-        <p:spPr>
-          <a:xfrm>
-            <a:off x="528652" y="4090807"/>
-            <a:ext cx="93307" cy="93307"/>
-          </a:xfrm>
-          <a:prstGeom prst="rect">
-            <a:avLst/>
-          </a:prstGeom>
-          <a:solidFill>
-            <a:srgbClr val="0F4B81"/>
-          </a:solidFill>
-          <a:ln>
-            <a:noFill/>
-          </a:ln>
-        </p:spPr>
-        <p:style>
-          <a:lnRef idx="2">
-            <a:schemeClr val="accent1">
-              <a:shade val="50000"/>
-            </a:schemeClr>
-          </a:lnRef>
-          <a:fillRef idx="1">
-            <a:schemeClr val="accent1"/>
-          </a:fillRef>
-          <a:effectRef idx="0">
-            <a:schemeClr val="accent1"/>
-          </a:effectRef>
-          <a:fontRef idx="minor">
-            <a:schemeClr val="lt1"/>
-          </a:fontRef>
-        </p:style>
-        <p:txBody>
-          <a:bodyPr anchor="ctr"/>
-          <a:lstStyle/>
-          <a:p>
-            <a:pPr algn="ctr">
-              <a:defRPr/>
-            </a:pPr>
-            <a:endParaRPr lang="en-US"/>
-          </a:p>
-        </p:txBody>
-      </p:sp>
-      <p:sp>
-        <p:nvSpPr>
-          <p:cNvPr id="11" name="TextBox 10"/>
-          <p:cNvSpPr txBox="1"/>
-          <p:nvPr/>
-        </p:nvSpPr>
-        <p:spPr>
-          <a:xfrm>
-            <a:off x="625888" y="3993584"/>
-            <a:ext cx="1621278" cy="338554"/>
-          </a:xfrm>
-          <a:prstGeom prst="rect">
-            <a:avLst/>
-          </a:prstGeom>
-          <a:noFill/>
-        </p:spPr>
-        <p:txBody>
-          <a:bodyPr wrap="none">
-            <a:spAutoFit/>
-          </a:bodyPr>
-          <a:lstStyle/>
-          <a:p>
-            <a:pPr algn="ctr">
-              <a:defRPr/>
-            </a:pPr>
-            <a:r>
-              <a:rPr lang="en-US" sz="1600" spc="-51">
-                <a:ln w="9525">
-                  <a:solidFill>
-                    <a:schemeClr val="accent1">
-                      <a:alpha val="0"/>
-                    </a:schemeClr>
-                  </a:solidFill>
-                </a:ln>
-                <a:solidFill>
-                  <a:srgbClr val="0F4B81"/>
-                </a:solidFill>
-                <a:latin typeface="G마켓 산스 TTF Bold"/>
-                <a:ea typeface="G마켓 산스 TTF Bold"/>
-              </a:rPr>
-              <a:t>CHAPTER 03</a:t>
-            </a:r>
-            <a:endParaRPr lang="en-US" sz="1600" spc="-51">
-              <a:solidFill>
-                <a:srgbClr val="0F4B81"/>
-              </a:solidFill>
-              <a:latin typeface="G마켓 산스 TTF Bold"/>
-              <a:ea typeface="G마켓 산스 TTF Bold"/>
-            </a:endParaRPr>
-          </a:p>
-        </p:txBody>
-      </p:sp>
-      <p:sp>
-        <p:nvSpPr>
-          <p:cNvPr id="12" name="TextBox 11"/>
-          <p:cNvSpPr txBox="1"/>
-          <p:nvPr/>
-        </p:nvSpPr>
-        <p:spPr>
-          <a:xfrm>
-            <a:off x="645286" y="4332138"/>
-            <a:ext cx="1294004" cy="523707"/>
-          </a:xfrm>
-          <a:prstGeom prst="rect">
-            <a:avLst/>
-          </a:prstGeom>
-          <a:noFill/>
-        </p:spPr>
-        <p:txBody>
-          <a:bodyPr wrap="none">
-            <a:spAutoFit/>
-          </a:bodyPr>
-          <a:lstStyle/>
-          <a:p>
-            <a:pPr>
-              <a:lnSpc>
-                <a:spcPct val="120000"/>
-              </a:lnSpc>
-              <a:defRPr/>
-            </a:pPr>
-            <a:r>
-              <a:rPr lang="ko-KR" altLang="en-US" sz="2400" spc="-151">
-                <a:ln w="9525">
-                  <a:solidFill>
-                    <a:schemeClr val="accent1">
-                      <a:alpha val="0"/>
-                    </a:schemeClr>
-                  </a:solidFill>
-                </a:ln>
-                <a:solidFill>
-                  <a:srgbClr val="0F4B81"/>
-                </a:solidFill>
-                <a:latin typeface="G마켓 산스 TTF Bold"/>
-                <a:ea typeface="G마켓 산스 TTF Bold"/>
-              </a:rPr>
-              <a:t>프로젝트</a:t>
-            </a:r>
-          </a:p>
-        </p:txBody>
-      </p:sp>
-      <p:sp>
-        <p:nvSpPr>
-          <p:cNvPr id="13" name="직사각형 12"/>
-          <p:cNvSpPr/>
-          <p:nvPr/>
-        </p:nvSpPr>
-        <p:spPr>
-          <a:xfrm>
-            <a:off x="528652" y="5303773"/>
-            <a:ext cx="93307" cy="93307"/>
-          </a:xfrm>
-          <a:prstGeom prst="rect">
-            <a:avLst/>
-          </a:prstGeom>
-          <a:solidFill>
-            <a:srgbClr val="0F4B81"/>
-          </a:solidFill>
-          <a:ln>
-            <a:noFill/>
-          </a:ln>
-        </p:spPr>
-        <p:style>
-          <a:lnRef idx="2">
-            <a:schemeClr val="accent1">
-              <a:shade val="50000"/>
-            </a:schemeClr>
-          </a:lnRef>
-          <a:fillRef idx="1">
-            <a:schemeClr val="accent1"/>
-          </a:fillRef>
-          <a:effectRef idx="0">
-            <a:schemeClr val="accent1"/>
-          </a:effectRef>
-          <a:fontRef idx="minor">
-            <a:schemeClr val="lt1"/>
-          </a:fontRef>
-        </p:style>
-        <p:txBody>
-          <a:bodyPr anchor="ctr"/>
-          <a:lstStyle/>
-          <a:p>
-            <a:pPr algn="ctr">
-              <a:defRPr/>
-            </a:pPr>
-            <a:endParaRPr lang="en-US"/>
-          </a:p>
-        </p:txBody>
-      </p:sp>
-      <p:sp>
-        <p:nvSpPr>
-          <p:cNvPr id="14" name="TextBox 13"/>
-          <p:cNvSpPr txBox="1"/>
-          <p:nvPr/>
-        </p:nvSpPr>
-        <p:spPr>
-          <a:xfrm>
-            <a:off x="624285" y="5206550"/>
-            <a:ext cx="1624483" cy="338554"/>
-          </a:xfrm>
-          <a:prstGeom prst="rect">
-            <a:avLst/>
-          </a:prstGeom>
-          <a:noFill/>
-        </p:spPr>
-        <p:txBody>
-          <a:bodyPr wrap="none">
-            <a:spAutoFit/>
-          </a:bodyPr>
-          <a:lstStyle/>
-          <a:p>
-            <a:pPr algn="ctr">
-              <a:defRPr/>
-            </a:pPr>
-            <a:r>
-              <a:rPr lang="en-US" sz="1600" spc="-51">
-                <a:ln w="9525">
-                  <a:solidFill>
-                    <a:schemeClr val="accent1">
-                      <a:alpha val="0"/>
-                    </a:schemeClr>
-                  </a:solidFill>
-                </a:ln>
-                <a:solidFill>
-                  <a:srgbClr val="0F4B81"/>
-                </a:solidFill>
-                <a:latin typeface="G마켓 산스 TTF Bold"/>
-                <a:ea typeface="G마켓 산스 TTF Bold"/>
-              </a:rPr>
-              <a:t>CHAPTER 04</a:t>
-            </a:r>
-            <a:endParaRPr lang="en-US" sz="1600" spc="-51">
-              <a:solidFill>
-                <a:srgbClr val="0F4B81"/>
-              </a:solidFill>
-              <a:latin typeface="G마켓 산스 TTF Bold"/>
-              <a:ea typeface="G마켓 산스 TTF Bold"/>
-            </a:endParaRPr>
-          </a:p>
-        </p:txBody>
-      </p:sp>
-      <p:sp>
-        <p:nvSpPr>
-          <p:cNvPr id="15" name="TextBox 14"/>
-          <p:cNvSpPr txBox="1"/>
-          <p:nvPr/>
-        </p:nvSpPr>
-        <p:spPr>
-          <a:xfrm>
-            <a:off x="645285" y="5545104"/>
-            <a:ext cx="1570230" cy="520416"/>
-          </a:xfrm>
-          <a:prstGeom prst="rect">
-            <a:avLst/>
-          </a:prstGeom>
-          <a:noFill/>
-        </p:spPr>
-        <p:txBody>
-          <a:bodyPr wrap="none">
-            <a:spAutoFit/>
-          </a:bodyPr>
-          <a:lstStyle/>
-          <a:p>
-            <a:pPr>
-              <a:lnSpc>
-                <a:spcPct val="120000"/>
-              </a:lnSpc>
-              <a:defRPr/>
-            </a:pPr>
-            <a:r>
-              <a:rPr lang="ko-KR" altLang="en-US" sz="2400" spc="-151">
-                <a:ln w="9525">
-                  <a:solidFill>
-                    <a:schemeClr val="accent1">
-                      <a:alpha val="0"/>
-                    </a:schemeClr>
-                  </a:solidFill>
-                </a:ln>
-                <a:solidFill>
-                  <a:srgbClr val="0F4B81"/>
-                </a:solidFill>
-                <a:latin typeface="G마켓 산스 TTF Bold"/>
-                <a:ea typeface="G마켓 산스 TTF Bold"/>
-              </a:rPr>
-              <a:t>구현 </a:t>
-            </a:r>
-            <a:r>
-              <a:rPr lang="en-US" altLang="ko-KR" sz="2400" spc="-151">
-                <a:ln w="9525">
-                  <a:solidFill>
-                    <a:schemeClr val="accent1">
-                      <a:alpha val="0"/>
-                    </a:schemeClr>
-                  </a:solidFill>
-                </a:ln>
-                <a:solidFill>
-                  <a:srgbClr val="0F4B81"/>
-                </a:solidFill>
-                <a:latin typeface="G마켓 산스 TTF Bold"/>
-                <a:ea typeface="G마켓 산스 TTF Bold"/>
-              </a:rPr>
-              <a:t>(</a:t>
-            </a:r>
-            <a:r>
-              <a:rPr lang="ko-KR" altLang="en-US" sz="2400" spc="-151">
-                <a:ln w="9525">
-                  <a:solidFill>
-                    <a:schemeClr val="accent1">
-                      <a:alpha val="0"/>
-                    </a:schemeClr>
-                  </a:solidFill>
-                </a:ln>
-                <a:solidFill>
-                  <a:srgbClr val="0F4B81"/>
-                </a:solidFill>
-                <a:latin typeface="G마켓 산스 TTF Bold"/>
-                <a:ea typeface="G마켓 산스 TTF Bold"/>
-              </a:rPr>
-              <a:t>예상</a:t>
-            </a:r>
-            <a:r>
-              <a:rPr lang="en-US" altLang="ko-KR" sz="2400" spc="-151">
-                <a:ln w="9525">
-                  <a:solidFill>
-                    <a:schemeClr val="accent1">
-                      <a:alpha val="0"/>
-                    </a:schemeClr>
-                  </a:solidFill>
-                </a:ln>
-                <a:solidFill>
-                  <a:srgbClr val="0F4B81"/>
-                </a:solidFill>
-                <a:latin typeface="G마켓 산스 TTF Bold"/>
-                <a:ea typeface="G마켓 산스 TTF Bold"/>
-              </a:rPr>
-              <a:t>)</a:t>
-            </a:r>
-          </a:p>
-        </p:txBody>
-      </p:sp>
-      <p:pic>
-        <p:nvPicPr>
-          <p:cNvPr id="20" name="그림 19" descr="새집이(가) 표시된 사진  자동 생성된 설명"/>
-          <p:cNvPicPr>
-            <a:picLocks noChangeAspect="1"/>
-          </p:cNvPicPr>
-          <p:nvPr/>
-        </p:nvPicPr>
-        <p:blipFill rotWithShape="1">
-          <a:blip r:embed="rId2">
-            <a:alphaModFix amt="70000"/>
-          </a:blip>
-          <a:stretch>
-            <a:fillRect/>
-          </a:stretch>
-        </p:blipFill>
-        <p:spPr>
-          <a:xfrm>
-            <a:off x="8191207" y="3724669"/>
-            <a:ext cx="3752530" cy="3028073"/>
-          </a:xfrm>
-          <a:prstGeom prst="rect">
-            <a:avLst/>
-          </a:prstGeom>
-        </p:spPr>
-      </p:pic>
-      <p:cxnSp>
-        <p:nvCxnSpPr>
-          <p:cNvPr id="23" name="직선 연결선 22"/>
-          <p:cNvCxnSpPr/>
-          <p:nvPr/>
-        </p:nvCxnSpPr>
-        <p:spPr>
-          <a:xfrm>
-            <a:off x="10067472" y="1354524"/>
-            <a:ext cx="2106343" cy="0"/>
-          </a:xfrm>
-          <a:prstGeom prst="line">
-            <a:avLst/>
-          </a:prstGeom>
-          <a:ln w="25400" cap="rnd">
-            <a:solidFill>
-              <a:srgbClr val="0F4B81"/>
-            </a:solidFill>
-          </a:ln>
-        </p:spPr>
-        <p:style>
-          <a:lnRef idx="1">
-            <a:schemeClr val="accent1"/>
-          </a:lnRef>
-          <a:fillRef idx="0">
-            <a:schemeClr val="accent1"/>
-          </a:fillRef>
-          <a:effectRef idx="0">
-            <a:schemeClr val="accent1"/>
-          </a:effectRef>
-          <a:fontRef idx="minor">
-            <a:schemeClr val="tx1"/>
-          </a:fontRef>
-        </p:style>
-      </p:cxnSp>
-      <p:sp>
-        <p:nvSpPr>
-          <p:cNvPr id="21" name="직사각형 20"/>
-          <p:cNvSpPr/>
-          <p:nvPr/>
-        </p:nvSpPr>
-        <p:spPr>
-          <a:xfrm>
-            <a:off x="9999415" y="431194"/>
-            <a:ext cx="1479636" cy="923330"/>
-          </a:xfrm>
-          <a:prstGeom prst="rect">
-            <a:avLst/>
-          </a:prstGeom>
-        </p:spPr>
-        <p:txBody>
-          <a:bodyPr wrap="none">
-            <a:spAutoFit/>
-          </a:bodyPr>
-          <a:lstStyle/>
-          <a:p>
-            <a:pPr lvl="0">
-              <a:defRPr/>
-            </a:pPr>
-            <a:r>
-              <a:rPr lang="ko-KR" altLang="en-US" sz="5400" spc="-151">
-                <a:ln w="9525">
-                  <a:solidFill>
-                    <a:schemeClr val="accent1">
-                      <a:alpha val="0"/>
-                    </a:schemeClr>
-                  </a:solidFill>
-                </a:ln>
-                <a:solidFill>
-                  <a:srgbClr val="0F4B81"/>
-                </a:solidFill>
-                <a:latin typeface="G마켓 산스 TTF Bold"/>
-                <a:ea typeface="G마켓 산스 TTF Bold"/>
-              </a:rPr>
-              <a:t>목차</a:t>
-            </a:r>
-            <a:endParaRPr lang="ko-KR" altLang="en-US" sz="5400"/>
-          </a:p>
-        </p:txBody>
-      </p:sp>
-      <p:sp>
-        <p:nvSpPr>
-          <p:cNvPr id="27" name="TextBox 26"/>
-          <p:cNvSpPr txBox="1"/>
-          <p:nvPr/>
-        </p:nvSpPr>
-        <p:spPr>
-          <a:xfrm>
-            <a:off x="5113101" y="1615197"/>
-            <a:ext cx="1965798" cy="640323"/>
-          </a:xfrm>
-          <a:prstGeom prst="rect">
-            <a:avLst/>
-          </a:prstGeom>
-        </p:spPr>
-        <p:txBody>
-          <a:bodyPr wrap="square">
-            <a:spAutoFit/>
-          </a:bodyPr>
-          <a:lstStyle/>
-          <a:p>
-            <a:pPr>
-              <a:defRPr/>
-            </a:pPr>
-            <a:r>
-              <a:rPr lang="ko-KR" altLang="en-US"/>
-              <a:t>검사 정의 효과 장점 등</a:t>
-            </a:r>
-          </a:p>
-        </p:txBody>
-      </p:sp>
-      <p:sp>
-        <p:nvSpPr>
-          <p:cNvPr id="28" name="TextBox 27"/>
-          <p:cNvSpPr txBox="1"/>
-          <p:nvPr/>
-        </p:nvSpPr>
-        <p:spPr>
-          <a:xfrm>
-            <a:off x="7180228" y="1670259"/>
-            <a:ext cx="1965798" cy="642411"/>
-          </a:xfrm>
-          <a:prstGeom prst="rect">
-            <a:avLst/>
-          </a:prstGeom>
-        </p:spPr>
-        <p:txBody>
-          <a:bodyPr wrap="square">
-            <a:spAutoFit/>
-          </a:bodyPr>
-          <a:lstStyle/>
-          <a:p>
-            <a:pPr>
-              <a:defRPr/>
-            </a:pPr>
-            <a:r>
-              <a:rPr lang="ko-KR" altLang="en-US"/>
-              <a:t>투사적검사 정의 종류</a:t>
-            </a:r>
-          </a:p>
-        </p:txBody>
-      </p:sp>
-      <p:sp>
-        <p:nvSpPr>
-          <p:cNvPr id="29" name="TextBox 28"/>
-          <p:cNvSpPr txBox="1"/>
-          <p:nvPr/>
-        </p:nvSpPr>
-        <p:spPr>
-          <a:xfrm>
-            <a:off x="2975043" y="1858388"/>
-            <a:ext cx="1965798" cy="635257"/>
-          </a:xfrm>
-          <a:prstGeom prst="rect">
-            <a:avLst/>
-          </a:prstGeom>
-        </p:spPr>
-        <p:txBody>
-          <a:bodyPr wrap="square">
-            <a:spAutoFit/>
-          </a:bodyPr>
-          <a:lstStyle/>
-          <a:p>
-            <a:pPr>
-              <a:defRPr/>
-            </a:pPr>
-            <a:r>
-              <a:rPr lang="ko-KR" altLang="en-US"/>
-              <a:t>심리 검사에 대하여</a:t>
-            </a:r>
-          </a:p>
-        </p:txBody>
-      </p:sp>
-      <p:sp>
-        <p:nvSpPr>
-          <p:cNvPr id="30" name="TextBox 29"/>
-          <p:cNvSpPr txBox="1"/>
-          <p:nvPr/>
-        </p:nvSpPr>
-        <p:spPr>
-          <a:xfrm>
-            <a:off x="4130202" y="2974596"/>
-            <a:ext cx="1965798" cy="909699"/>
-          </a:xfrm>
-          <a:prstGeom prst="rect">
-            <a:avLst/>
-          </a:prstGeom>
-        </p:spPr>
-        <p:txBody>
-          <a:bodyPr wrap="square">
-            <a:spAutoFit/>
-          </a:bodyPr>
-          <a:lstStyle/>
-          <a:p>
-            <a:pPr>
-              <a:defRPr/>
-            </a:pPr>
-            <a:r>
-              <a:rPr lang="ko-KR" altLang="en-US"/>
-              <a:t>정의 방법 효과 장단점 원리 사용처 신뢰도</a:t>
-            </a:r>
-          </a:p>
-        </p:txBody>
-      </p:sp>
-      <p:sp>
-        <p:nvSpPr>
-          <p:cNvPr id="31" name="TextBox 30"/>
-          <p:cNvSpPr txBox="1"/>
-          <p:nvPr/>
-        </p:nvSpPr>
-        <p:spPr>
-          <a:xfrm>
-            <a:off x="4555787" y="4109489"/>
-            <a:ext cx="1965798" cy="1184506"/>
-          </a:xfrm>
-          <a:prstGeom prst="rect">
-            <a:avLst/>
-          </a:prstGeom>
-        </p:spPr>
-        <p:txBody>
-          <a:bodyPr wrap="square">
-            <a:spAutoFit/>
-          </a:bodyPr>
-          <a:lstStyle/>
-          <a:p>
-            <a:pPr>
-              <a:defRPr/>
-            </a:pPr>
-            <a:r>
-              <a:rPr lang="ko-KR" altLang="en-US"/>
-              <a:t>진행방법 </a:t>
-            </a:r>
-            <a:r>
-              <a:rPr lang="en-US" altLang="ko-KR"/>
-              <a:t>-</a:t>
-            </a:r>
-            <a:r>
-              <a:rPr lang="ko-KR" altLang="en-US"/>
-              <a:t> 방법에 따른 계획사항 및 장단점 사용처날짜별 진행계획</a:t>
-            </a:r>
-          </a:p>
-        </p:txBody>
-      </p:sp>
-      <p:sp>
-        <p:nvSpPr>
-          <p:cNvPr id="32" name="TextBox 31"/>
-          <p:cNvSpPr txBox="1"/>
-          <p:nvPr/>
-        </p:nvSpPr>
-        <p:spPr>
-          <a:xfrm>
-            <a:off x="6703978" y="4068956"/>
-            <a:ext cx="1965798" cy="1453639"/>
-          </a:xfrm>
-          <a:prstGeom prst="rect">
-            <a:avLst/>
-          </a:prstGeom>
-        </p:spPr>
-        <p:txBody>
-          <a:bodyPr wrap="square">
-            <a:spAutoFit/>
-          </a:bodyPr>
-          <a:lstStyle/>
-          <a:p>
-            <a:pPr>
-              <a:defRPr/>
-            </a:pPr>
-            <a:r>
-              <a:rPr lang="ko-KR" altLang="en-US"/>
-              <a:t>진행에 따른 원리 </a:t>
-            </a:r>
-            <a:r>
-              <a:rPr lang="en-US" altLang="ko-KR"/>
-              <a:t>-</a:t>
-            </a:r>
-            <a:r>
-              <a:rPr lang="ko-KR" altLang="en-US"/>
-              <a:t> 점수계산법</a:t>
-            </a:r>
-            <a:r>
-              <a:rPr lang="en-US" altLang="ko-KR"/>
-              <a:t>,</a:t>
-            </a:r>
-            <a:r>
-              <a:rPr lang="ko-KR" altLang="en-US"/>
-              <a:t> 검사자가 행동요인 체크해야한다는 것 포함 </a:t>
-            </a:r>
-          </a:p>
-        </p:txBody>
-      </p:sp>
-      <p:sp>
-        <p:nvSpPr>
-          <p:cNvPr id="33" name="TextBox 32"/>
-          <p:cNvSpPr txBox="1"/>
-          <p:nvPr/>
-        </p:nvSpPr>
-        <p:spPr>
-          <a:xfrm>
-            <a:off x="2387329" y="4048690"/>
-            <a:ext cx="1965798" cy="635704"/>
-          </a:xfrm>
-          <a:prstGeom prst="rect">
-            <a:avLst/>
-          </a:prstGeom>
-        </p:spPr>
-        <p:txBody>
-          <a:bodyPr wrap="square">
-            <a:spAutoFit/>
-          </a:bodyPr>
-          <a:lstStyle/>
-          <a:p>
-            <a:pPr>
-              <a:defRPr/>
-            </a:pPr>
-            <a:r>
-              <a:rPr lang="ko-KR" altLang="en-US"/>
-              <a:t>시장파악 </a:t>
-            </a:r>
-            <a:r>
-              <a:rPr lang="en-US" altLang="ko-KR"/>
-              <a:t>-</a:t>
-            </a:r>
-            <a:r>
-              <a:rPr lang="ko-KR" altLang="en-US"/>
-              <a:t> 현존하는 프로그램 등</a:t>
-            </a:r>
-          </a:p>
-        </p:txBody>
-      </p:sp>
-      <p:sp>
-        <p:nvSpPr>
-          <p:cNvPr id="34" name="TextBox 33"/>
-          <p:cNvSpPr txBox="1"/>
-          <p:nvPr/>
-        </p:nvSpPr>
-        <p:spPr>
-          <a:xfrm>
-            <a:off x="8933232" y="3846029"/>
-            <a:ext cx="1965798" cy="638341"/>
-          </a:xfrm>
-          <a:prstGeom prst="rect">
-            <a:avLst/>
-          </a:prstGeom>
-        </p:spPr>
-        <p:txBody>
-          <a:bodyPr wrap="square">
-            <a:spAutoFit/>
-          </a:bodyPr>
-          <a:lstStyle/>
-          <a:p>
-            <a:pPr>
-              <a:defRPr/>
-            </a:pPr>
-            <a:r>
-              <a:rPr lang="ko-KR" altLang="en-US"/>
-              <a:t>기술에 대한 자세한 설명</a:t>
-            </a:r>
-          </a:p>
-        </p:txBody>
-      </p:sp>
-    </p:spTree>
-  </p:cSld>
-  <p:clrMapOvr>
-    <a:masterClrMapping/>
-  </p:clrMapOvr>
-  <mc:AlternateContent xmlns:mc="http://schemas.openxmlformats.org/markup-compatibility/2006" xmlns:p14="http://schemas.microsoft.com/office/powerpoint/2010/main">
-    <mc:Choice Requires="p14">
-      <p:transition/>
-    </mc:Choice>
-    <mc:Fallback xmlns:dsp="http://schemas.microsoft.com/office/drawing/2008/diagram" xmlns:dgm="http://schemas.openxmlformats.org/drawingml/2006/diagram" xmlns:c="http://schemas.openxmlformats.org/drawingml/2006/chart" xmlns="">
-      <p:transition/>
-    </mc:Fallback>
-  </mc:AlternateContent>
-</p:sld>
-</file>
-
-<file path=ppt/slides/slide20.xml><?xml version="1.0" encoding="utf-8"?>
+<file path=ppt/slides/slide29.xml><?xml version="1.0" encoding="utf-8"?>
 <p:sld xmlns:a="http://schemas.openxmlformats.org/drawingml/2006/main" xmlns:r="http://schemas.openxmlformats.org/officeDocument/2006/relationships" xmlns:p="http://schemas.openxmlformats.org/presentationml/2006/main">
   <p:cSld>
     <p:spTree>
@@ -22058,7 +26635,275 @@
 </p:sld>
 </file>
 
-<file path=ppt/slides/slide21.xml><?xml version="1.0" encoding="utf-8"?>
+<file path=ppt/slides/slide3.xml><?xml version="1.0" encoding="utf-8"?>
+<p:sld xmlns:a="http://schemas.openxmlformats.org/drawingml/2006/main" xmlns:r="http://schemas.openxmlformats.org/officeDocument/2006/relationships" xmlns:p="http://schemas.openxmlformats.org/presentationml/2006/main">
+  <p:cSld>
+    <p:spTree>
+      <p:nvGrpSpPr>
+        <p:cNvPr id="1" name=""/>
+        <p:cNvGrpSpPr/>
+        <p:nvPr/>
+      </p:nvGrpSpPr>
+      <p:grpSpPr>
+        <a:xfrm>
+          <a:off x="0" y="0"/>
+          <a:ext cx="0" cy="0"/>
+          <a:chOff x="0" y="0"/>
+          <a:chExt cx="0" cy="0"/>
+        </a:xfrm>
+      </p:grpSpPr>
+      <p:sp>
+        <p:nvSpPr>
+          <p:cNvPr id="2" name="직사각형 1"/>
+          <p:cNvSpPr/>
+          <p:nvPr/>
+        </p:nvSpPr>
+        <p:spPr>
+          <a:xfrm>
+            <a:off x="8961452" y="2859329"/>
+            <a:ext cx="93307" cy="93307"/>
+          </a:xfrm>
+          <a:prstGeom prst="rect">
+            <a:avLst/>
+          </a:prstGeom>
+          <a:solidFill>
+            <a:srgbClr val="0F4B81"/>
+          </a:solidFill>
+          <a:ln>
+            <a:noFill/>
+          </a:ln>
+        </p:spPr>
+        <p:style>
+          <a:lnRef idx="2">
+            <a:schemeClr val="accent1">
+              <a:shade val="50000"/>
+            </a:schemeClr>
+          </a:lnRef>
+          <a:fillRef idx="1">
+            <a:schemeClr val="accent1"/>
+          </a:fillRef>
+          <a:effectRef idx="0">
+            <a:schemeClr val="accent1"/>
+          </a:effectRef>
+          <a:fontRef idx="minor">
+            <a:schemeClr val="lt1"/>
+          </a:fontRef>
+        </p:style>
+        <p:txBody>
+          <a:bodyPr anchor="ctr"/>
+          <a:lstStyle/>
+          <a:p>
+            <a:pPr algn="ctr">
+              <a:defRPr/>
+            </a:pPr>
+            <a:endParaRPr lang="en-US"/>
+          </a:p>
+        </p:txBody>
+      </p:sp>
+      <p:sp>
+        <p:nvSpPr>
+          <p:cNvPr id="17" name="TextBox 16"/>
+          <p:cNvSpPr txBox="1"/>
+          <p:nvPr/>
+        </p:nvSpPr>
+        <p:spPr>
+          <a:xfrm>
+            <a:off x="9078727" y="2762106"/>
+            <a:ext cx="1566413" cy="338554"/>
+          </a:xfrm>
+          <a:prstGeom prst="rect">
+            <a:avLst/>
+          </a:prstGeom>
+          <a:noFill/>
+        </p:spPr>
+        <p:txBody>
+          <a:bodyPr wrap="none">
+            <a:spAutoFit/>
+          </a:bodyPr>
+          <a:lstStyle/>
+          <a:p>
+            <a:pPr algn="ctr">
+              <a:defRPr/>
+            </a:pPr>
+            <a:r>
+              <a:rPr lang="en-US" sz="1600" spc="-51">
+                <a:ln w="9525">
+                  <a:solidFill>
+                    <a:schemeClr val="accent1">
+                      <a:alpha val="0"/>
+                    </a:schemeClr>
+                  </a:solidFill>
+                </a:ln>
+                <a:solidFill>
+                  <a:srgbClr val="0F4B81"/>
+                </a:solidFill>
+                <a:latin typeface="G마켓 산스 TTF Bold"/>
+                <a:ea typeface="G마켓 산스 TTF Bold"/>
+              </a:rPr>
+              <a:t>CHAPTER 01</a:t>
+            </a:r>
+            <a:endParaRPr lang="en-US" sz="1600" spc="-51">
+              <a:solidFill>
+                <a:srgbClr val="0F4B81"/>
+              </a:solidFill>
+              <a:latin typeface="G마켓 산스 TTF Bold"/>
+              <a:ea typeface="G마켓 산스 TTF Bold"/>
+            </a:endParaRPr>
+          </a:p>
+        </p:txBody>
+      </p:sp>
+      <p:cxnSp>
+        <p:nvCxnSpPr>
+          <p:cNvPr id="4" name="직선 연결선 3"/>
+          <p:cNvCxnSpPr/>
+          <p:nvPr/>
+        </p:nvCxnSpPr>
+        <p:spPr>
+          <a:xfrm>
+            <a:off x="10782302" y="2905983"/>
+            <a:ext cx="1400175" cy="0"/>
+          </a:xfrm>
+          <a:prstGeom prst="line">
+            <a:avLst/>
+          </a:prstGeom>
+          <a:ln w="25400" cap="rnd">
+            <a:solidFill>
+              <a:srgbClr val="0F4B81"/>
+            </a:solidFill>
+          </a:ln>
+        </p:spPr>
+        <p:style>
+          <a:lnRef idx="1">
+            <a:schemeClr val="accent1"/>
+          </a:lnRef>
+          <a:fillRef idx="0">
+            <a:schemeClr val="accent1"/>
+          </a:fillRef>
+          <a:effectRef idx="0">
+            <a:schemeClr val="accent1"/>
+          </a:effectRef>
+          <a:fontRef idx="minor">
+            <a:schemeClr val="tx1"/>
+          </a:fontRef>
+        </p:style>
+      </p:cxnSp>
+      <p:cxnSp>
+        <p:nvCxnSpPr>
+          <p:cNvPr id="22" name="직선 연결선 21"/>
+          <p:cNvCxnSpPr/>
+          <p:nvPr/>
+        </p:nvCxnSpPr>
+        <p:spPr>
+          <a:xfrm>
+            <a:off x="8986854" y="4172095"/>
+            <a:ext cx="3195623" cy="0"/>
+          </a:xfrm>
+          <a:prstGeom prst="line">
+            <a:avLst/>
+          </a:prstGeom>
+          <a:ln w="25400" cap="rnd">
+            <a:solidFill>
+              <a:srgbClr val="0F4B81"/>
+            </a:solidFill>
+          </a:ln>
+        </p:spPr>
+        <p:style>
+          <a:lnRef idx="1">
+            <a:schemeClr val="accent1"/>
+          </a:lnRef>
+          <a:fillRef idx="0">
+            <a:schemeClr val="accent1"/>
+          </a:fillRef>
+          <a:effectRef idx="0">
+            <a:schemeClr val="accent1"/>
+          </a:effectRef>
+          <a:fontRef idx="minor">
+            <a:schemeClr val="tx1"/>
+          </a:fontRef>
+        </p:style>
+      </p:cxnSp>
+      <p:sp>
+        <p:nvSpPr>
+          <p:cNvPr id="26" name="TextBox 25"/>
+          <p:cNvSpPr txBox="1"/>
+          <p:nvPr/>
+        </p:nvSpPr>
+        <p:spPr>
+          <a:xfrm>
+            <a:off x="8855016" y="3094125"/>
+            <a:ext cx="1742499" cy="523470"/>
+          </a:xfrm>
+          <a:prstGeom prst="rect">
+            <a:avLst/>
+          </a:prstGeom>
+          <a:noFill/>
+        </p:spPr>
+        <p:txBody>
+          <a:bodyPr wrap="none">
+            <a:spAutoFit/>
+          </a:bodyPr>
+          <a:lstStyle/>
+          <a:p>
+            <a:pPr>
+              <a:lnSpc>
+                <a:spcPct val="120000"/>
+              </a:lnSpc>
+              <a:defRPr/>
+            </a:pPr>
+            <a:r>
+              <a:rPr lang="ko-KR" altLang="en-US" sz="2400" spc="-151">
+                <a:ln w="9525">
+                  <a:solidFill>
+                    <a:schemeClr val="accent1">
+                      <a:alpha val="0"/>
+                    </a:schemeClr>
+                  </a:solidFill>
+                </a:ln>
+                <a:solidFill>
+                  <a:srgbClr val="0F4B81"/>
+                </a:solidFill>
+                <a:latin typeface="G마켓 산스 TTF Bold"/>
+                <a:ea typeface="G마켓 산스 TTF Bold"/>
+              </a:rPr>
+              <a:t>심리검사란</a:t>
+            </a:r>
+            <a:r>
+              <a:rPr lang="en-US" altLang="ko-KR" sz="2400" spc="-151">
+                <a:ln w="9525">
+                  <a:solidFill>
+                    <a:schemeClr val="accent1">
+                      <a:alpha val="0"/>
+                    </a:schemeClr>
+                  </a:solidFill>
+                </a:ln>
+                <a:solidFill>
+                  <a:srgbClr val="0F4B81"/>
+                </a:solidFill>
+                <a:latin typeface="G마켓 산스 TTF Bold"/>
+                <a:ea typeface="G마켓 산스 TTF Bold"/>
+              </a:rPr>
+              <a:t>?</a:t>
+            </a:r>
+          </a:p>
+        </p:txBody>
+      </p:sp>
+    </p:spTree>
+  </p:cSld>
+  <p:clrMapOvr>
+    <a:masterClrMapping/>
+  </p:clrMapOvr>
+  <mc:AlternateContent xmlns:mc="http://schemas.openxmlformats.org/markup-compatibility/2006" xmlns:p14="http://schemas.microsoft.com/office/powerpoint/2010/main">
+    <mc:Choice Requires="p14">
+      <p:transition/>
+    </mc:Choice>
+    <mc:Fallback xmlns="" xmlns:c="http://schemas.openxmlformats.org/drawingml/2006/chart" xmlns:dgm="http://schemas.openxmlformats.org/drawingml/2006/diagram" xmlns:dsp="http://schemas.microsoft.com/office/drawing/2008/diagram">
+      <p:transition/>
+    </mc:Fallback>
+  </mc:AlternateContent>
+</p:sld>
+</file>
+
+<file path=ppt/slides/slide30.xml><?xml version="1.0" encoding="utf-8"?>
 <p:sld xmlns:a="http://schemas.openxmlformats.org/drawingml/2006/main" xmlns:r="http://schemas.openxmlformats.org/officeDocument/2006/relationships" xmlns:p="http://schemas.openxmlformats.org/presentationml/2006/main">
   <p:cSld>
     <p:spTree>
@@ -26053,7 +30898,7 @@
 </p:sld>
 </file>
 
-<file path=ppt/slides/slide22.xml><?xml version="1.0" encoding="utf-8"?>
+<file path=ppt/slides/slide31.xml><?xml version="1.0" encoding="utf-8"?>
 <p:sld xmlns:a="http://schemas.openxmlformats.org/drawingml/2006/main" xmlns:r="http://schemas.openxmlformats.org/officeDocument/2006/relationships" xmlns:p="http://schemas.openxmlformats.org/presentationml/2006/main">
   <p:cSld>
     <p:spTree>
@@ -27709,7 +32554,7 @@
 </p:sld>
 </file>
 
-<file path=ppt/slides/slide23.xml><?xml version="1.0" encoding="utf-8"?>
+<file path=ppt/slides/slide32.xml><?xml version="1.0" encoding="utf-8"?>
 <p:sld xmlns:a="http://schemas.openxmlformats.org/drawingml/2006/main" xmlns:r="http://schemas.openxmlformats.org/officeDocument/2006/relationships" xmlns:p="http://schemas.openxmlformats.org/presentationml/2006/main">
   <p:cSld>
     <p:spTree>
@@ -29500,7 +34345,7 @@
 </p:sld>
 </file>
 
-<file path=ppt/slides/slide24.xml><?xml version="1.0" encoding="utf-8"?>
+<file path=ppt/slides/slide33.xml><?xml version="1.0" encoding="utf-8"?>
 <p:sld xmlns:a="http://schemas.openxmlformats.org/drawingml/2006/main" xmlns:r="http://schemas.openxmlformats.org/officeDocument/2006/relationships" xmlns:p="http://schemas.openxmlformats.org/presentationml/2006/main">
   <p:cSld>
     <p:spTree>
@@ -30989,7 +35834,7 @@
 </p:sld>
 </file>
 
-<file path=ppt/slides/slide25.xml><?xml version="1.0" encoding="utf-8"?>
+<file path=ppt/slides/slide34.xml><?xml version="1.0" encoding="utf-8"?>
 <p:sld xmlns:a="http://schemas.openxmlformats.org/drawingml/2006/main" xmlns:r="http://schemas.openxmlformats.org/officeDocument/2006/relationships" xmlns:p="http://schemas.openxmlformats.org/presentationml/2006/main">
   <p:cSld>
     <p:spTree>
@@ -33482,7 +38327,7 @@
 </p:sld>
 </file>
 
-<file path=ppt/slides/slide26.xml><?xml version="1.0" encoding="utf-8"?>
+<file path=ppt/slides/slide35.xml><?xml version="1.0" encoding="utf-8"?>
 <p:sld xmlns:a="http://schemas.openxmlformats.org/drawingml/2006/main" xmlns:r="http://schemas.openxmlformats.org/officeDocument/2006/relationships" xmlns:p="http://schemas.openxmlformats.org/presentationml/2006/main">
   <p:cSld>
     <p:spTree>
@@ -33914,274 +38759,6 @@
 </p:sld>
 </file>
 
-<file path=ppt/slides/slide3.xml><?xml version="1.0" encoding="utf-8"?>
-<p:sld xmlns:a="http://schemas.openxmlformats.org/drawingml/2006/main" xmlns:r="http://schemas.openxmlformats.org/officeDocument/2006/relationships" xmlns:p="http://schemas.openxmlformats.org/presentationml/2006/main">
-  <p:cSld>
-    <p:spTree>
-      <p:nvGrpSpPr>
-        <p:cNvPr id="1" name=""/>
-        <p:cNvGrpSpPr/>
-        <p:nvPr/>
-      </p:nvGrpSpPr>
-      <p:grpSpPr>
-        <a:xfrm>
-          <a:off x="0" y="0"/>
-          <a:ext cx="0" cy="0"/>
-          <a:chOff x="0" y="0"/>
-          <a:chExt cx="0" cy="0"/>
-        </a:xfrm>
-      </p:grpSpPr>
-      <p:sp>
-        <p:nvSpPr>
-          <p:cNvPr id="2" name="직사각형 1"/>
-          <p:cNvSpPr/>
-          <p:nvPr/>
-        </p:nvSpPr>
-        <p:spPr>
-          <a:xfrm>
-            <a:off x="8961452" y="2859329"/>
-            <a:ext cx="93307" cy="93307"/>
-          </a:xfrm>
-          <a:prstGeom prst="rect">
-            <a:avLst/>
-          </a:prstGeom>
-          <a:solidFill>
-            <a:srgbClr val="0F4B81"/>
-          </a:solidFill>
-          <a:ln>
-            <a:noFill/>
-          </a:ln>
-        </p:spPr>
-        <p:style>
-          <a:lnRef idx="2">
-            <a:schemeClr val="accent1">
-              <a:shade val="50000"/>
-            </a:schemeClr>
-          </a:lnRef>
-          <a:fillRef idx="1">
-            <a:schemeClr val="accent1"/>
-          </a:fillRef>
-          <a:effectRef idx="0">
-            <a:schemeClr val="accent1"/>
-          </a:effectRef>
-          <a:fontRef idx="minor">
-            <a:schemeClr val="lt1"/>
-          </a:fontRef>
-        </p:style>
-        <p:txBody>
-          <a:bodyPr anchor="ctr"/>
-          <a:lstStyle/>
-          <a:p>
-            <a:pPr algn="ctr">
-              <a:defRPr/>
-            </a:pPr>
-            <a:endParaRPr lang="en-US"/>
-          </a:p>
-        </p:txBody>
-      </p:sp>
-      <p:sp>
-        <p:nvSpPr>
-          <p:cNvPr id="17" name="TextBox 16"/>
-          <p:cNvSpPr txBox="1"/>
-          <p:nvPr/>
-        </p:nvSpPr>
-        <p:spPr>
-          <a:xfrm>
-            <a:off x="9078727" y="2762106"/>
-            <a:ext cx="1566413" cy="338554"/>
-          </a:xfrm>
-          <a:prstGeom prst="rect">
-            <a:avLst/>
-          </a:prstGeom>
-          <a:noFill/>
-        </p:spPr>
-        <p:txBody>
-          <a:bodyPr wrap="none">
-            <a:spAutoFit/>
-          </a:bodyPr>
-          <a:lstStyle/>
-          <a:p>
-            <a:pPr algn="ctr">
-              <a:defRPr/>
-            </a:pPr>
-            <a:r>
-              <a:rPr lang="en-US" sz="1600" spc="-51">
-                <a:ln w="9525">
-                  <a:solidFill>
-                    <a:schemeClr val="accent1">
-                      <a:alpha val="0"/>
-                    </a:schemeClr>
-                  </a:solidFill>
-                </a:ln>
-                <a:solidFill>
-                  <a:srgbClr val="0F4B81"/>
-                </a:solidFill>
-                <a:latin typeface="G마켓 산스 TTF Bold"/>
-                <a:ea typeface="G마켓 산스 TTF Bold"/>
-              </a:rPr>
-              <a:t>CHAPTER 01</a:t>
-            </a:r>
-            <a:endParaRPr lang="en-US" sz="1600" spc="-51">
-              <a:solidFill>
-                <a:srgbClr val="0F4B81"/>
-              </a:solidFill>
-              <a:latin typeface="G마켓 산스 TTF Bold"/>
-              <a:ea typeface="G마켓 산스 TTF Bold"/>
-            </a:endParaRPr>
-          </a:p>
-        </p:txBody>
-      </p:sp>
-      <p:cxnSp>
-        <p:nvCxnSpPr>
-          <p:cNvPr id="4" name="직선 연결선 3"/>
-          <p:cNvCxnSpPr/>
-          <p:nvPr/>
-        </p:nvCxnSpPr>
-        <p:spPr>
-          <a:xfrm>
-            <a:off x="10782302" y="2905983"/>
-            <a:ext cx="1400175" cy="0"/>
-          </a:xfrm>
-          <a:prstGeom prst="line">
-            <a:avLst/>
-          </a:prstGeom>
-          <a:ln w="25400" cap="rnd">
-            <a:solidFill>
-              <a:srgbClr val="0F4B81"/>
-            </a:solidFill>
-          </a:ln>
-        </p:spPr>
-        <p:style>
-          <a:lnRef idx="1">
-            <a:schemeClr val="accent1"/>
-          </a:lnRef>
-          <a:fillRef idx="0">
-            <a:schemeClr val="accent1"/>
-          </a:fillRef>
-          <a:effectRef idx="0">
-            <a:schemeClr val="accent1"/>
-          </a:effectRef>
-          <a:fontRef idx="minor">
-            <a:schemeClr val="tx1"/>
-          </a:fontRef>
-        </p:style>
-      </p:cxnSp>
-      <p:cxnSp>
-        <p:nvCxnSpPr>
-          <p:cNvPr id="22" name="직선 연결선 21"/>
-          <p:cNvCxnSpPr/>
-          <p:nvPr/>
-        </p:nvCxnSpPr>
-        <p:spPr>
-          <a:xfrm>
-            <a:off x="8986854" y="4172095"/>
-            <a:ext cx="3195623" cy="0"/>
-          </a:xfrm>
-          <a:prstGeom prst="line">
-            <a:avLst/>
-          </a:prstGeom>
-          <a:ln w="25400" cap="rnd">
-            <a:solidFill>
-              <a:srgbClr val="0F4B81"/>
-            </a:solidFill>
-          </a:ln>
-        </p:spPr>
-        <p:style>
-          <a:lnRef idx="1">
-            <a:schemeClr val="accent1"/>
-          </a:lnRef>
-          <a:fillRef idx="0">
-            <a:schemeClr val="accent1"/>
-          </a:fillRef>
-          <a:effectRef idx="0">
-            <a:schemeClr val="accent1"/>
-          </a:effectRef>
-          <a:fontRef idx="minor">
-            <a:schemeClr val="tx1"/>
-          </a:fontRef>
-        </p:style>
-      </p:cxnSp>
-      <p:sp>
-        <p:nvSpPr>
-          <p:cNvPr id="26" name="TextBox 25"/>
-          <p:cNvSpPr txBox="1"/>
-          <p:nvPr/>
-        </p:nvSpPr>
-        <p:spPr>
-          <a:xfrm>
-            <a:off x="8855016" y="3094125"/>
-            <a:ext cx="1742499" cy="523470"/>
-          </a:xfrm>
-          <a:prstGeom prst="rect">
-            <a:avLst/>
-          </a:prstGeom>
-          <a:noFill/>
-        </p:spPr>
-        <p:txBody>
-          <a:bodyPr wrap="none">
-            <a:spAutoFit/>
-          </a:bodyPr>
-          <a:lstStyle/>
-          <a:p>
-            <a:pPr>
-              <a:lnSpc>
-                <a:spcPct val="120000"/>
-              </a:lnSpc>
-              <a:defRPr/>
-            </a:pPr>
-            <a:r>
-              <a:rPr lang="ko-KR" altLang="en-US" sz="2400" spc="-151">
-                <a:ln w="9525">
-                  <a:solidFill>
-                    <a:schemeClr val="accent1">
-                      <a:alpha val="0"/>
-                    </a:schemeClr>
-                  </a:solidFill>
-                </a:ln>
-                <a:solidFill>
-                  <a:srgbClr val="0F4B81"/>
-                </a:solidFill>
-                <a:latin typeface="G마켓 산스 TTF Bold"/>
-                <a:ea typeface="G마켓 산스 TTF Bold"/>
-              </a:rPr>
-              <a:t>심리검사란</a:t>
-            </a:r>
-            <a:r>
-              <a:rPr lang="en-US" altLang="ko-KR" sz="2400" spc="-151">
-                <a:ln w="9525">
-                  <a:solidFill>
-                    <a:schemeClr val="accent1">
-                      <a:alpha val="0"/>
-                    </a:schemeClr>
-                  </a:solidFill>
-                </a:ln>
-                <a:solidFill>
-                  <a:srgbClr val="0F4B81"/>
-                </a:solidFill>
-                <a:latin typeface="G마켓 산스 TTF Bold"/>
-                <a:ea typeface="G마켓 산스 TTF Bold"/>
-              </a:rPr>
-              <a:t>?</a:t>
-            </a:r>
-          </a:p>
-        </p:txBody>
-      </p:sp>
-    </p:spTree>
-  </p:cSld>
-  <p:clrMapOvr>
-    <a:masterClrMapping/>
-  </p:clrMapOvr>
-  <mc:AlternateContent xmlns:mc="http://schemas.openxmlformats.org/markup-compatibility/2006" xmlns:p14="http://schemas.microsoft.com/office/powerpoint/2010/main">
-    <mc:Choice Requires="p14">
-      <p:transition/>
-    </mc:Choice>
-    <mc:Fallback xmlns:dsp="http://schemas.microsoft.com/office/drawing/2008/diagram" xmlns:dgm="http://schemas.openxmlformats.org/drawingml/2006/diagram" xmlns:c="http://schemas.openxmlformats.org/drawingml/2006/chart" xmlns="">
-      <p:transition/>
-    </mc:Fallback>
-  </mc:AlternateContent>
-</p:sld>
-</file>
-
 <file path=ppt/slides/slide4.xml><?xml version="1.0" encoding="utf-8"?>
 <p:sld xmlns:a="http://schemas.openxmlformats.org/drawingml/2006/main" xmlns:r="http://schemas.openxmlformats.org/officeDocument/2006/relationships" xmlns:p="http://schemas.openxmlformats.org/presentationml/2006/main">
   <p:cSld>
@@ -34721,7 +39298,7 @@
     <mc:Choice Requires="p14">
       <p:transition/>
     </mc:Choice>
-    <mc:Fallback xmlns:dsp="http://schemas.microsoft.com/office/drawing/2008/diagram" xmlns:dgm="http://schemas.openxmlformats.org/drawingml/2006/diagram" xmlns:c="http://schemas.openxmlformats.org/drawingml/2006/chart" xmlns="">
+    <mc:Fallback xmlns="" xmlns:c="http://schemas.openxmlformats.org/drawingml/2006/chart" xmlns:dgm="http://schemas.openxmlformats.org/drawingml/2006/diagram" xmlns:dsp="http://schemas.microsoft.com/office/drawing/2008/diagram">
       <p:transition/>
     </mc:Fallback>
   </mc:AlternateContent>
@@ -35161,7 +39738,7 @@
     <mc:Choice Requires="p14">
       <p:transition/>
     </mc:Choice>
-    <mc:Fallback xmlns:dsp="http://schemas.microsoft.com/office/drawing/2008/diagram" xmlns:dgm="http://schemas.openxmlformats.org/drawingml/2006/diagram" xmlns:c="http://schemas.openxmlformats.org/drawingml/2006/chart" xmlns="">
+    <mc:Fallback xmlns="" xmlns:c="http://schemas.openxmlformats.org/drawingml/2006/chart" xmlns:dgm="http://schemas.openxmlformats.org/drawingml/2006/diagram" xmlns:dsp="http://schemas.microsoft.com/office/drawing/2008/diagram">
       <p:transition/>
     </mc:Fallback>
   </mc:AlternateContent>
@@ -35864,7 +40441,7 @@
     <mc:Choice Requires="p14">
       <p:transition/>
     </mc:Choice>
-    <mc:Fallback xmlns:dsp="http://schemas.microsoft.com/office/drawing/2008/diagram" xmlns:dgm="http://schemas.openxmlformats.org/drawingml/2006/diagram" xmlns:c="http://schemas.openxmlformats.org/drawingml/2006/chart" xmlns="">
+    <mc:Fallback xmlns="" xmlns:c="http://schemas.openxmlformats.org/drawingml/2006/chart" xmlns:dgm="http://schemas.openxmlformats.org/drawingml/2006/diagram" xmlns:dsp="http://schemas.microsoft.com/office/drawing/2008/diagram">
       <p:transition/>
     </mc:Fallback>
   </mc:AlternateContent>
@@ -37495,7 +42072,7 @@
     <mc:Choice Requires="p14">
       <p:transition/>
     </mc:Choice>
-    <mc:Fallback xmlns:dsp="http://schemas.microsoft.com/office/drawing/2008/diagram" xmlns:dgm="http://schemas.openxmlformats.org/drawingml/2006/diagram" xmlns:c="http://schemas.openxmlformats.org/drawingml/2006/chart" xmlns="">
+    <mc:Fallback xmlns="" xmlns:c="http://schemas.openxmlformats.org/drawingml/2006/chart" xmlns:dgm="http://schemas.openxmlformats.org/drawingml/2006/diagram" xmlns:dsp="http://schemas.microsoft.com/office/drawing/2008/diagram">
       <p:transition/>
     </mc:Fallback>
   </mc:AlternateContent>
@@ -38796,7 +43373,7 @@
     <mc:Choice Requires="p14">
       <p:transition/>
     </mc:Choice>
-    <mc:Fallback xmlns:dsp="http://schemas.microsoft.com/office/drawing/2008/diagram" xmlns:dgm="http://schemas.openxmlformats.org/drawingml/2006/diagram" xmlns:c="http://schemas.openxmlformats.org/drawingml/2006/chart" xmlns="">
+    <mc:Fallback xmlns="" xmlns:c="http://schemas.openxmlformats.org/drawingml/2006/chart" xmlns:dgm="http://schemas.openxmlformats.org/drawingml/2006/diagram" xmlns:dsp="http://schemas.microsoft.com/office/drawing/2008/diagram">
       <p:transition/>
     </mc:Fallback>
   </mc:AlternateContent>
@@ -39926,7 +44503,7 @@
     <mc:Choice Requires="p14">
       <p:transition/>
     </mc:Choice>
-    <mc:Fallback xmlns:dsp="http://schemas.microsoft.com/office/drawing/2008/diagram" xmlns:dgm="http://schemas.openxmlformats.org/drawingml/2006/diagram" xmlns:c="http://schemas.openxmlformats.org/drawingml/2006/chart" xmlns="">
+    <mc:Fallback xmlns="" xmlns:c="http://schemas.openxmlformats.org/drawingml/2006/chart" xmlns:dgm="http://schemas.openxmlformats.org/drawingml/2006/diagram" xmlns:dsp="http://schemas.microsoft.com/office/drawing/2008/diagram">
       <p:transition/>
     </mc:Fallback>
   </mc:AlternateContent>
